--- a/Java Persistence API and Hibernate.pptx
+++ b/Java Persistence API and Hibernate.pptx
@@ -6,10 +6,10 @@
     <p:sldMasterId id="2147483708" r:id="rId2"/>
   </p:sldMasterIdLst>
   <p:notesMasterIdLst>
-    <p:notesMasterId r:id="rId60"/>
+    <p:notesMasterId r:id="rId58"/>
   </p:notesMasterIdLst>
   <p:handoutMasterIdLst>
-    <p:handoutMasterId r:id="rId61"/>
+    <p:handoutMasterId r:id="rId59"/>
   </p:handoutMasterIdLst>
   <p:sldIdLst>
     <p:sldId id="296" r:id="rId3"/>
@@ -52,23 +52,21 @@
     <p:sldId id="432" r:id="rId40"/>
     <p:sldId id="433" r:id="rId41"/>
     <p:sldId id="434" r:id="rId42"/>
-    <p:sldId id="435" r:id="rId43"/>
-    <p:sldId id="461" r:id="rId44"/>
-    <p:sldId id="436" r:id="rId45"/>
-    <p:sldId id="462" r:id="rId46"/>
-    <p:sldId id="437" r:id="rId47"/>
-    <p:sldId id="440" r:id="rId48"/>
-    <p:sldId id="463" r:id="rId49"/>
-    <p:sldId id="464" r:id="rId50"/>
-    <p:sldId id="465" r:id="rId51"/>
-    <p:sldId id="466" r:id="rId52"/>
-    <p:sldId id="441" r:id="rId53"/>
-    <p:sldId id="442" r:id="rId54"/>
-    <p:sldId id="443" r:id="rId55"/>
-    <p:sldId id="444" r:id="rId56"/>
-    <p:sldId id="449" r:id="rId57"/>
-    <p:sldId id="445" r:id="rId58"/>
-    <p:sldId id="364" r:id="rId59"/>
+    <p:sldId id="436" r:id="rId43"/>
+    <p:sldId id="462" r:id="rId44"/>
+    <p:sldId id="435" r:id="rId45"/>
+    <p:sldId id="468" r:id="rId46"/>
+    <p:sldId id="469" r:id="rId47"/>
+    <p:sldId id="437" r:id="rId48"/>
+    <p:sldId id="440" r:id="rId49"/>
+    <p:sldId id="463" r:id="rId50"/>
+    <p:sldId id="464" r:id="rId51"/>
+    <p:sldId id="465" r:id="rId52"/>
+    <p:sldId id="466" r:id="rId53"/>
+    <p:sldId id="441" r:id="rId54"/>
+    <p:sldId id="449" r:id="rId55"/>
+    <p:sldId id="445" r:id="rId56"/>
+    <p:sldId id="364" r:id="rId57"/>
   </p:sldIdLst>
   <p:sldSz cx="9144000" cy="6858000" type="screen4x3"/>
   <p:notesSz cx="6858000" cy="9144000"/>
@@ -2881,7 +2879,7 @@
               <a:pPr>
                 <a:defRPr/>
               </a:pPr>
-              <a:t>6/29/2017</a:t>
+              <a:t>6/30/2017</a:t>
             </a:fld>
             <a:endParaRPr lang="en-US"/>
           </a:p>
@@ -3100,7 +3098,7 @@
               <a:pPr>
                 <a:defRPr/>
               </a:pPr>
-              <a:t>6/29/2017</a:t>
+              <a:t>6/30/2017</a:t>
             </a:fld>
             <a:endParaRPr lang="en-US"/>
           </a:p>
@@ -17952,7 +17950,7 @@
     </p:spTree>
     <p:extLst>
       <p:ext uri="{BB962C8B-B14F-4D97-AF65-F5344CB8AC3E}">
-        <p14:creationId xmlns:p14="http://schemas.microsoft.com/office/powerpoint/2010/main" val="327868532"/>
+        <p14:creationId xmlns:p14="http://schemas.microsoft.com/office/powerpoint/2010/main" val="228056385"/>
       </p:ext>
     </p:extLst>
   </p:cSld>
@@ -18360,7 +18358,7 @@
     </p:spTree>
     <p:extLst>
       <p:ext uri="{BB962C8B-B14F-4D97-AF65-F5344CB8AC3E}">
-        <p14:creationId xmlns:p14="http://schemas.microsoft.com/office/powerpoint/2010/main" val="3144792504"/>
+        <p14:creationId xmlns:p14="http://schemas.microsoft.com/office/powerpoint/2010/main" val="4248364575"/>
       </p:ext>
     </p:extLst>
   </p:cSld>
@@ -18768,7 +18766,7 @@
     </p:spTree>
     <p:extLst>
       <p:ext uri="{BB962C8B-B14F-4D97-AF65-F5344CB8AC3E}">
-        <p14:creationId xmlns:p14="http://schemas.microsoft.com/office/powerpoint/2010/main" val="228056385"/>
+        <p14:creationId xmlns:p14="http://schemas.microsoft.com/office/powerpoint/2010/main" val="327868532"/>
       </p:ext>
     </p:extLst>
   </p:cSld>
@@ -19176,7 +19174,7 @@
     </p:spTree>
     <p:extLst>
       <p:ext uri="{BB962C8B-B14F-4D97-AF65-F5344CB8AC3E}">
-        <p14:creationId xmlns:p14="http://schemas.microsoft.com/office/powerpoint/2010/main" val="4248364575"/>
+        <p14:creationId xmlns:p14="http://schemas.microsoft.com/office/powerpoint/2010/main" val="1003077649"/>
       </p:ext>
     </p:extLst>
   </p:cSld>
@@ -19584,7 +19582,7 @@
     </p:spTree>
     <p:extLst>
       <p:ext uri="{BB962C8B-B14F-4D97-AF65-F5344CB8AC3E}">
-        <p14:creationId xmlns:p14="http://schemas.microsoft.com/office/powerpoint/2010/main" val="1225658927"/>
+        <p14:creationId xmlns:p14="http://schemas.microsoft.com/office/powerpoint/2010/main" val="1325473182"/>
       </p:ext>
     </p:extLst>
   </p:cSld>
@@ -19992,7 +19990,7 @@
     </p:spTree>
     <p:extLst>
       <p:ext uri="{BB962C8B-B14F-4D97-AF65-F5344CB8AC3E}">
-        <p14:creationId xmlns:p14="http://schemas.microsoft.com/office/powerpoint/2010/main" val="1740811730"/>
+        <p14:creationId xmlns:p14="http://schemas.microsoft.com/office/powerpoint/2010/main" val="1225658927"/>
       </p:ext>
     </p:extLst>
   </p:cSld>
@@ -20400,7 +20398,7 @@
     </p:spTree>
     <p:extLst>
       <p:ext uri="{BB962C8B-B14F-4D97-AF65-F5344CB8AC3E}">
-        <p14:creationId xmlns:p14="http://schemas.microsoft.com/office/powerpoint/2010/main" val="2465155557"/>
+        <p14:creationId xmlns:p14="http://schemas.microsoft.com/office/powerpoint/2010/main" val="1740811730"/>
       </p:ext>
     </p:extLst>
   </p:cSld>
@@ -20808,7 +20806,7 @@
     </p:spTree>
     <p:extLst>
       <p:ext uri="{BB962C8B-B14F-4D97-AF65-F5344CB8AC3E}">
-        <p14:creationId xmlns:p14="http://schemas.microsoft.com/office/powerpoint/2010/main" val="722360626"/>
+        <p14:creationId xmlns:p14="http://schemas.microsoft.com/office/powerpoint/2010/main" val="2465155557"/>
       </p:ext>
     </p:extLst>
   </p:cSld>
@@ -21216,7 +21214,7 @@
     </p:spTree>
     <p:extLst>
       <p:ext uri="{BB962C8B-B14F-4D97-AF65-F5344CB8AC3E}">
-        <p14:creationId xmlns:p14="http://schemas.microsoft.com/office/powerpoint/2010/main" val="2061323230"/>
+        <p14:creationId xmlns:p14="http://schemas.microsoft.com/office/powerpoint/2010/main" val="722360626"/>
       </p:ext>
     </p:extLst>
   </p:cSld>
@@ -22032,7 +22030,7 @@
     </p:spTree>
     <p:extLst>
       <p:ext uri="{BB962C8B-B14F-4D97-AF65-F5344CB8AC3E}">
-        <p14:creationId xmlns:p14="http://schemas.microsoft.com/office/powerpoint/2010/main" val="1922037279"/>
+        <p14:creationId xmlns:p14="http://schemas.microsoft.com/office/powerpoint/2010/main" val="2061323230"/>
       </p:ext>
     </p:extLst>
   </p:cSld>
@@ -22440,7 +22438,7 @@
     </p:spTree>
     <p:extLst>
       <p:ext uri="{BB962C8B-B14F-4D97-AF65-F5344CB8AC3E}">
-        <p14:creationId xmlns:p14="http://schemas.microsoft.com/office/powerpoint/2010/main" val="1143468111"/>
+        <p14:creationId xmlns:p14="http://schemas.microsoft.com/office/powerpoint/2010/main" val="1922037279"/>
       </p:ext>
     </p:extLst>
   </p:cSld>
@@ -22848,7 +22846,7 @@
     </p:spTree>
     <p:extLst>
       <p:ext uri="{BB962C8B-B14F-4D97-AF65-F5344CB8AC3E}">
-        <p14:creationId xmlns:p14="http://schemas.microsoft.com/office/powerpoint/2010/main" val="1848616225"/>
+        <p14:creationId xmlns:p14="http://schemas.microsoft.com/office/powerpoint/2010/main" val="1143468111"/>
       </p:ext>
     </p:extLst>
   </p:cSld>
@@ -23256,7 +23254,7 @@
     </p:spTree>
     <p:extLst>
       <p:ext uri="{BB962C8B-B14F-4D97-AF65-F5344CB8AC3E}">
-        <p14:creationId xmlns:p14="http://schemas.microsoft.com/office/powerpoint/2010/main" val="2787879751"/>
+        <p14:creationId xmlns:p14="http://schemas.microsoft.com/office/powerpoint/2010/main" val="3441762517"/>
       </p:ext>
     </p:extLst>
   </p:cSld>
@@ -23664,7 +23662,7 @@
     </p:spTree>
     <p:extLst>
       <p:ext uri="{BB962C8B-B14F-4D97-AF65-F5344CB8AC3E}">
-        <p14:creationId xmlns:p14="http://schemas.microsoft.com/office/powerpoint/2010/main" val="1488315860"/>
+        <p14:creationId xmlns:p14="http://schemas.microsoft.com/office/powerpoint/2010/main" val="109102275"/>
       </p:ext>
     </p:extLst>
   </p:cSld>
@@ -23675,822 +23673,6 @@
 </file>
 
 <file path=ppt/notesSlides/notesSlide55.xml><?xml version="1.0" encoding="utf-8"?>
-<p:notes xmlns:a="http://schemas.openxmlformats.org/drawingml/2006/main" xmlns:r="http://schemas.openxmlformats.org/officeDocument/2006/relationships" xmlns:p="http://schemas.openxmlformats.org/presentationml/2006/main">
-  <p:cSld>
-    <p:spTree>
-      <p:nvGrpSpPr>
-        <p:cNvPr id="1" name=""/>
-        <p:cNvGrpSpPr/>
-        <p:nvPr/>
-      </p:nvGrpSpPr>
-      <p:grpSpPr>
-        <a:xfrm>
-          <a:off x="0" y="0"/>
-          <a:ext cx="0" cy="0"/>
-          <a:chOff x="0" y="0"/>
-          <a:chExt cx="0" cy="0"/>
-        </a:xfrm>
-      </p:grpSpPr>
-      <p:sp>
-        <p:nvSpPr>
-          <p:cNvPr id="57346" name="Slide Image Placeholder 1"/>
-          <p:cNvSpPr>
-            <a:spLocks noGrp="1" noRot="1" noChangeAspect="1"/>
-          </p:cNvSpPr>
-          <p:nvPr>
-            <p:ph type="sldImg"/>
-          </p:nvPr>
-        </p:nvSpPr>
-        <p:spPr bwMode="auto">
-          <a:xfrm>
-            <a:off x="1143000" y="685800"/>
-            <a:ext cx="4572000" cy="3429000"/>
-          </a:xfrm>
-          <a:prstGeom prst="rect">
-            <a:avLst/>
-          </a:prstGeom>
-          <a:noFill/>
-          <a:ln w="12700">
-            <a:solidFill>
-              <a:srgbClr val="000000"/>
-            </a:solidFill>
-            <a:miter lim="800000"/>
-            <a:headEnd/>
-            <a:tailEnd/>
-          </a:ln>
-          <a:extLst>
-            <a:ext uri="{909E8E84-426E-40DD-AFC4-6F175D3DCCD1}">
-              <a14:hiddenFill xmlns:a14="http://schemas.microsoft.com/office/drawing/2010/main">
-                <a:solidFill>
-                  <a:srgbClr val="FFFFFF"/>
-                </a:solidFill>
-              </a14:hiddenFill>
-            </a:ext>
-          </a:extLst>
-        </p:spPr>
-      </p:sp>
-      <p:sp>
-        <p:nvSpPr>
-          <p:cNvPr id="57347" name="Notes Placeholder 2"/>
-          <p:cNvSpPr>
-            <a:spLocks noGrp="1"/>
-          </p:cNvSpPr>
-          <p:nvPr>
-            <p:ph type="body" idx="1"/>
-          </p:nvPr>
-        </p:nvSpPr>
-        <p:spPr bwMode="auto">
-          <a:noFill/>
-          <a:extLst>
-            <a:ext uri="{909E8E84-426E-40DD-AFC4-6F175D3DCCD1}">
-              <a14:hiddenFill xmlns:a14="http://schemas.microsoft.com/office/drawing/2010/main">
-                <a:solidFill>
-                  <a:srgbClr val="FFFFFF"/>
-                </a:solidFill>
-              </a14:hiddenFill>
-            </a:ext>
-            <a:ext uri="{91240B29-F687-4F45-9708-019B960494DF}">
-              <a14:hiddenLine xmlns:a14="http://schemas.microsoft.com/office/drawing/2010/main" w="9525">
-                <a:solidFill>
-                  <a:srgbClr val="000000"/>
-                </a:solidFill>
-                <a:miter lim="800000"/>
-                <a:headEnd/>
-                <a:tailEnd/>
-              </a14:hiddenLine>
-            </a:ext>
-          </a:extLst>
-        </p:spPr>
-        <p:txBody>
-          <a:bodyPr wrap="square" numCol="1" anchor="t" anchorCtr="0" compatLnSpc="1">
-            <a:prstTxWarp prst="textNoShape">
-              <a:avLst/>
-            </a:prstTxWarp>
-          </a:bodyPr>
-          <a:lstStyle/>
-          <a:p>
-            <a:pPr>
-              <a:spcBef>
-                <a:spcPct val="0"/>
-              </a:spcBef>
-            </a:pPr>
-            <a:r>
-              <a:rPr lang="en-US" b="1" smtClean="0"/>
-              <a:t>Content Slide: </a:t>
-            </a:r>
-            <a:r>
-              <a:rPr lang="en-US" smtClean="0"/>
-              <a:t>This is usually the most frequently used slide in every presentation. </a:t>
-            </a:r>
-          </a:p>
-          <a:p>
-            <a:pPr>
-              <a:spcBef>
-                <a:spcPct val="0"/>
-              </a:spcBef>
-            </a:pPr>
-            <a:endParaRPr lang="en-US" smtClean="0"/>
-          </a:p>
-          <a:p>
-            <a:pPr>
-              <a:spcBef>
-                <a:spcPct val="0"/>
-              </a:spcBef>
-            </a:pPr>
-            <a:r>
-              <a:rPr lang="en-US" smtClean="0"/>
-              <a:t>Use this slide for Text heavy slides. Text can only be used in bullet points</a:t>
-            </a:r>
-          </a:p>
-          <a:p>
-            <a:pPr>
-              <a:spcBef>
-                <a:spcPct val="0"/>
-              </a:spcBef>
-            </a:pPr>
-            <a:endParaRPr lang="en-US" smtClean="0"/>
-          </a:p>
-          <a:p>
-            <a:pPr>
-              <a:spcBef>
-                <a:spcPct val="0"/>
-              </a:spcBef>
-            </a:pPr>
-            <a:r>
-              <a:rPr lang="en-US" smtClean="0"/>
-              <a:t>Title Heading – font size 30, Arial bold</a:t>
-            </a:r>
-          </a:p>
-          <a:p>
-            <a:pPr>
-              <a:spcBef>
-                <a:spcPct val="0"/>
-              </a:spcBef>
-            </a:pPr>
-            <a:endParaRPr lang="en-US" smtClean="0"/>
-          </a:p>
-          <a:p>
-            <a:pPr>
-              <a:spcBef>
-                <a:spcPct val="0"/>
-              </a:spcBef>
-            </a:pPr>
-            <a:r>
-              <a:rPr lang="en-US" smtClean="0"/>
-              <a:t>Slide Content – Should not reduce beyond Arial font 16</a:t>
-            </a:r>
-          </a:p>
-          <a:p>
-            <a:pPr>
-              <a:spcBef>
-                <a:spcPct val="0"/>
-              </a:spcBef>
-            </a:pPr>
-            <a:endParaRPr lang="en-US" smtClean="0"/>
-          </a:p>
-          <a:p>
-            <a:pPr>
-              <a:spcBef>
-                <a:spcPct val="0"/>
-              </a:spcBef>
-            </a:pPr>
-            <a:r>
-              <a:rPr lang="en-US" smtClean="0"/>
-              <a:t>If you need to use sub bullets please use the indent buttons located next to the bullets buttons in the tool bar and this will automatically provide you with the second, third, fourth &amp; fifth level bullet styles and font sizes</a:t>
-            </a:r>
-          </a:p>
-          <a:p>
-            <a:pPr>
-              <a:spcBef>
-                <a:spcPct val="0"/>
-              </a:spcBef>
-            </a:pPr>
-            <a:endParaRPr lang="en-US" smtClean="0"/>
-          </a:p>
-          <a:p>
-            <a:pPr>
-              <a:spcBef>
-                <a:spcPct val="0"/>
-              </a:spcBef>
-            </a:pPr>
-            <a:r>
-              <a:rPr lang="en-US" smtClean="0"/>
-              <a:t>Please note you can also press the tab key to create the different levels of bulleted content</a:t>
-            </a:r>
-          </a:p>
-          <a:p>
-            <a:pPr>
-              <a:spcBef>
-                <a:spcPct val="0"/>
-              </a:spcBef>
-            </a:pPr>
-            <a:endParaRPr lang="en-US" smtClean="0"/>
-          </a:p>
-          <a:p>
-            <a:pPr>
-              <a:spcBef>
-                <a:spcPct val="0"/>
-              </a:spcBef>
-            </a:pPr>
-            <a:endParaRPr lang="en-US" smtClean="0"/>
-          </a:p>
-          <a:p>
-            <a:pPr>
-              <a:spcBef>
-                <a:spcPct val="0"/>
-              </a:spcBef>
-            </a:pPr>
-            <a:endParaRPr lang="en-IN" smtClean="0"/>
-          </a:p>
-        </p:txBody>
-      </p:sp>
-      <p:sp>
-        <p:nvSpPr>
-          <p:cNvPr id="57348" name="Slide Number Placeholder 3"/>
-          <p:cNvSpPr>
-            <a:spLocks noGrp="1"/>
-          </p:cNvSpPr>
-          <p:nvPr>
-            <p:ph type="sldNum" sz="quarter" idx="5"/>
-          </p:nvPr>
-        </p:nvSpPr>
-        <p:spPr bwMode="auto">
-          <a:noFill/>
-          <a:extLst>
-            <a:ext uri="{909E8E84-426E-40DD-AFC4-6F175D3DCCD1}">
-              <a14:hiddenFill xmlns:a14="http://schemas.microsoft.com/office/drawing/2010/main">
-                <a:solidFill>
-                  <a:srgbClr val="FFFFFF"/>
-                </a:solidFill>
-              </a14:hiddenFill>
-            </a:ext>
-            <a:ext uri="{91240B29-F687-4F45-9708-019B960494DF}">
-              <a14:hiddenLine xmlns:a14="http://schemas.microsoft.com/office/drawing/2010/main" w="9525">
-                <a:solidFill>
-                  <a:srgbClr val="000000"/>
-                </a:solidFill>
-                <a:miter lim="800000"/>
-                <a:headEnd/>
-                <a:tailEnd/>
-              </a14:hiddenLine>
-            </a:ext>
-          </a:extLst>
-        </p:spPr>
-        <p:txBody>
-          <a:bodyPr wrap="square" numCol="1" anchorCtr="0" compatLnSpc="1">
-            <a:prstTxWarp prst="textNoShape">
-              <a:avLst/>
-            </a:prstTxWarp>
-          </a:bodyPr>
-          <a:lstStyle>
-            <a:lvl1pPr>
-              <a:defRPr>
-                <a:solidFill>
-                  <a:schemeClr val="tx1"/>
-                </a:solidFill>
-                <a:latin typeface="Arial" charset="0"/>
-              </a:defRPr>
-            </a:lvl1pPr>
-            <a:lvl2pPr marL="742950" indent="-285750">
-              <a:defRPr>
-                <a:solidFill>
-                  <a:schemeClr val="tx1"/>
-                </a:solidFill>
-                <a:latin typeface="Arial" charset="0"/>
-              </a:defRPr>
-            </a:lvl2pPr>
-            <a:lvl3pPr marL="1143000" indent="-228600">
-              <a:defRPr>
-                <a:solidFill>
-                  <a:schemeClr val="tx1"/>
-                </a:solidFill>
-                <a:latin typeface="Arial" charset="0"/>
-              </a:defRPr>
-            </a:lvl3pPr>
-            <a:lvl4pPr marL="1600200" indent="-228600">
-              <a:defRPr>
-                <a:solidFill>
-                  <a:schemeClr val="tx1"/>
-                </a:solidFill>
-                <a:latin typeface="Arial" charset="0"/>
-              </a:defRPr>
-            </a:lvl4pPr>
-            <a:lvl5pPr marL="2057400" indent="-228600">
-              <a:defRPr>
-                <a:solidFill>
-                  <a:schemeClr val="tx1"/>
-                </a:solidFill>
-                <a:latin typeface="Arial" charset="0"/>
-              </a:defRPr>
-            </a:lvl5pPr>
-            <a:lvl6pPr marL="2514600" indent="-228600" defTabSz="457200" fontAlgn="base">
-              <a:spcBef>
-                <a:spcPct val="0"/>
-              </a:spcBef>
-              <a:spcAft>
-                <a:spcPct val="0"/>
-              </a:spcAft>
-              <a:defRPr>
-                <a:solidFill>
-                  <a:schemeClr val="tx1"/>
-                </a:solidFill>
-                <a:latin typeface="Arial" charset="0"/>
-              </a:defRPr>
-            </a:lvl6pPr>
-            <a:lvl7pPr marL="2971800" indent="-228600" defTabSz="457200" fontAlgn="base">
-              <a:spcBef>
-                <a:spcPct val="0"/>
-              </a:spcBef>
-              <a:spcAft>
-                <a:spcPct val="0"/>
-              </a:spcAft>
-              <a:defRPr>
-                <a:solidFill>
-                  <a:schemeClr val="tx1"/>
-                </a:solidFill>
-                <a:latin typeface="Arial" charset="0"/>
-              </a:defRPr>
-            </a:lvl7pPr>
-            <a:lvl8pPr marL="3429000" indent="-228600" defTabSz="457200" fontAlgn="base">
-              <a:spcBef>
-                <a:spcPct val="0"/>
-              </a:spcBef>
-              <a:spcAft>
-                <a:spcPct val="0"/>
-              </a:spcAft>
-              <a:defRPr>
-                <a:solidFill>
-                  <a:schemeClr val="tx1"/>
-                </a:solidFill>
-                <a:latin typeface="Arial" charset="0"/>
-              </a:defRPr>
-            </a:lvl8pPr>
-            <a:lvl9pPr marL="3886200" indent="-228600" defTabSz="457200" fontAlgn="base">
-              <a:spcBef>
-                <a:spcPct val="0"/>
-              </a:spcBef>
-              <a:spcAft>
-                <a:spcPct val="0"/>
-              </a:spcAft>
-              <a:defRPr>
-                <a:solidFill>
-                  <a:schemeClr val="tx1"/>
-                </a:solidFill>
-                <a:latin typeface="Arial" charset="0"/>
-              </a:defRPr>
-            </a:lvl9pPr>
-          </a:lstStyle>
-          <a:p>
-            <a:pPr fontAlgn="base">
-              <a:spcBef>
-                <a:spcPct val="0"/>
-              </a:spcBef>
-              <a:spcAft>
-                <a:spcPct val="0"/>
-              </a:spcAft>
-            </a:pPr>
-            <a:fld id="{FBECDFFA-508C-4021-A148-6B95A21285D8}" type="slidenum">
-              <a:rPr lang="en-US">
-                <a:latin typeface="Calibri" pitchFamily="34" charset="0"/>
-              </a:rPr>
-              <a:pPr fontAlgn="base">
-                <a:spcBef>
-                  <a:spcPct val="0"/>
-                </a:spcBef>
-                <a:spcAft>
-                  <a:spcPct val="0"/>
-                </a:spcAft>
-              </a:pPr>
-              <a:t>55</a:t>
-            </a:fld>
-            <a:endParaRPr lang="en-US">
-              <a:latin typeface="Calibri" pitchFamily="34" charset="0"/>
-            </a:endParaRPr>
-          </a:p>
-        </p:txBody>
-      </p:sp>
-    </p:spTree>
-    <p:extLst>
-      <p:ext uri="{BB962C8B-B14F-4D97-AF65-F5344CB8AC3E}">
-        <p14:creationId xmlns:p14="http://schemas.microsoft.com/office/powerpoint/2010/main" val="3441762517"/>
-      </p:ext>
-    </p:extLst>
-  </p:cSld>
-  <p:clrMapOvr>
-    <a:masterClrMapping/>
-  </p:clrMapOvr>
-</p:notes>
-</file>
-
-<file path=ppt/notesSlides/notesSlide56.xml><?xml version="1.0" encoding="utf-8"?>
-<p:notes xmlns:a="http://schemas.openxmlformats.org/drawingml/2006/main" xmlns:r="http://schemas.openxmlformats.org/officeDocument/2006/relationships" xmlns:p="http://schemas.openxmlformats.org/presentationml/2006/main">
-  <p:cSld>
-    <p:spTree>
-      <p:nvGrpSpPr>
-        <p:cNvPr id="1" name=""/>
-        <p:cNvGrpSpPr/>
-        <p:nvPr/>
-      </p:nvGrpSpPr>
-      <p:grpSpPr>
-        <a:xfrm>
-          <a:off x="0" y="0"/>
-          <a:ext cx="0" cy="0"/>
-          <a:chOff x="0" y="0"/>
-          <a:chExt cx="0" cy="0"/>
-        </a:xfrm>
-      </p:grpSpPr>
-      <p:sp>
-        <p:nvSpPr>
-          <p:cNvPr id="57346" name="Slide Image Placeholder 1"/>
-          <p:cNvSpPr>
-            <a:spLocks noGrp="1" noRot="1" noChangeAspect="1"/>
-          </p:cNvSpPr>
-          <p:nvPr>
-            <p:ph type="sldImg"/>
-          </p:nvPr>
-        </p:nvSpPr>
-        <p:spPr bwMode="auto">
-          <a:xfrm>
-            <a:off x="1143000" y="685800"/>
-            <a:ext cx="4572000" cy="3429000"/>
-          </a:xfrm>
-          <a:prstGeom prst="rect">
-            <a:avLst/>
-          </a:prstGeom>
-          <a:noFill/>
-          <a:ln w="12700">
-            <a:solidFill>
-              <a:srgbClr val="000000"/>
-            </a:solidFill>
-            <a:miter lim="800000"/>
-            <a:headEnd/>
-            <a:tailEnd/>
-          </a:ln>
-          <a:extLst>
-            <a:ext uri="{909E8E84-426E-40DD-AFC4-6F175D3DCCD1}">
-              <a14:hiddenFill xmlns:a14="http://schemas.microsoft.com/office/drawing/2010/main">
-                <a:solidFill>
-                  <a:srgbClr val="FFFFFF"/>
-                </a:solidFill>
-              </a14:hiddenFill>
-            </a:ext>
-          </a:extLst>
-        </p:spPr>
-      </p:sp>
-      <p:sp>
-        <p:nvSpPr>
-          <p:cNvPr id="57347" name="Notes Placeholder 2"/>
-          <p:cNvSpPr>
-            <a:spLocks noGrp="1"/>
-          </p:cNvSpPr>
-          <p:nvPr>
-            <p:ph type="body" idx="1"/>
-          </p:nvPr>
-        </p:nvSpPr>
-        <p:spPr bwMode="auto">
-          <a:noFill/>
-          <a:extLst>
-            <a:ext uri="{909E8E84-426E-40DD-AFC4-6F175D3DCCD1}">
-              <a14:hiddenFill xmlns:a14="http://schemas.microsoft.com/office/drawing/2010/main">
-                <a:solidFill>
-                  <a:srgbClr val="FFFFFF"/>
-                </a:solidFill>
-              </a14:hiddenFill>
-            </a:ext>
-            <a:ext uri="{91240B29-F687-4F45-9708-019B960494DF}">
-              <a14:hiddenLine xmlns:a14="http://schemas.microsoft.com/office/drawing/2010/main" w="9525">
-                <a:solidFill>
-                  <a:srgbClr val="000000"/>
-                </a:solidFill>
-                <a:miter lim="800000"/>
-                <a:headEnd/>
-                <a:tailEnd/>
-              </a14:hiddenLine>
-            </a:ext>
-          </a:extLst>
-        </p:spPr>
-        <p:txBody>
-          <a:bodyPr wrap="square" numCol="1" anchor="t" anchorCtr="0" compatLnSpc="1">
-            <a:prstTxWarp prst="textNoShape">
-              <a:avLst/>
-            </a:prstTxWarp>
-          </a:bodyPr>
-          <a:lstStyle/>
-          <a:p>
-            <a:pPr>
-              <a:spcBef>
-                <a:spcPct val="0"/>
-              </a:spcBef>
-            </a:pPr>
-            <a:r>
-              <a:rPr lang="en-US" b="1" smtClean="0"/>
-              <a:t>Content Slide: </a:t>
-            </a:r>
-            <a:r>
-              <a:rPr lang="en-US" smtClean="0"/>
-              <a:t>This is usually the most frequently used slide in every presentation. </a:t>
-            </a:r>
-          </a:p>
-          <a:p>
-            <a:pPr>
-              <a:spcBef>
-                <a:spcPct val="0"/>
-              </a:spcBef>
-            </a:pPr>
-            <a:endParaRPr lang="en-US" smtClean="0"/>
-          </a:p>
-          <a:p>
-            <a:pPr>
-              <a:spcBef>
-                <a:spcPct val="0"/>
-              </a:spcBef>
-            </a:pPr>
-            <a:r>
-              <a:rPr lang="en-US" smtClean="0"/>
-              <a:t>Use this slide for Text heavy slides. Text can only be used in bullet points</a:t>
-            </a:r>
-          </a:p>
-          <a:p>
-            <a:pPr>
-              <a:spcBef>
-                <a:spcPct val="0"/>
-              </a:spcBef>
-            </a:pPr>
-            <a:endParaRPr lang="en-US" smtClean="0"/>
-          </a:p>
-          <a:p>
-            <a:pPr>
-              <a:spcBef>
-                <a:spcPct val="0"/>
-              </a:spcBef>
-            </a:pPr>
-            <a:r>
-              <a:rPr lang="en-US" smtClean="0"/>
-              <a:t>Title Heading – font size 30, Arial bold</a:t>
-            </a:r>
-          </a:p>
-          <a:p>
-            <a:pPr>
-              <a:spcBef>
-                <a:spcPct val="0"/>
-              </a:spcBef>
-            </a:pPr>
-            <a:endParaRPr lang="en-US" smtClean="0"/>
-          </a:p>
-          <a:p>
-            <a:pPr>
-              <a:spcBef>
-                <a:spcPct val="0"/>
-              </a:spcBef>
-            </a:pPr>
-            <a:r>
-              <a:rPr lang="en-US" smtClean="0"/>
-              <a:t>Slide Content – Should not reduce beyond Arial font 16</a:t>
-            </a:r>
-          </a:p>
-          <a:p>
-            <a:pPr>
-              <a:spcBef>
-                <a:spcPct val="0"/>
-              </a:spcBef>
-            </a:pPr>
-            <a:endParaRPr lang="en-US" smtClean="0"/>
-          </a:p>
-          <a:p>
-            <a:pPr>
-              <a:spcBef>
-                <a:spcPct val="0"/>
-              </a:spcBef>
-            </a:pPr>
-            <a:r>
-              <a:rPr lang="en-US" smtClean="0"/>
-              <a:t>If you need to use sub bullets please use the indent buttons located next to the bullets buttons in the tool bar and this will automatically provide you with the second, third, fourth &amp; fifth level bullet styles and font sizes</a:t>
-            </a:r>
-          </a:p>
-          <a:p>
-            <a:pPr>
-              <a:spcBef>
-                <a:spcPct val="0"/>
-              </a:spcBef>
-            </a:pPr>
-            <a:endParaRPr lang="en-US" smtClean="0"/>
-          </a:p>
-          <a:p>
-            <a:pPr>
-              <a:spcBef>
-                <a:spcPct val="0"/>
-              </a:spcBef>
-            </a:pPr>
-            <a:r>
-              <a:rPr lang="en-US" smtClean="0"/>
-              <a:t>Please note you can also press the tab key to create the different levels of bulleted content</a:t>
-            </a:r>
-          </a:p>
-          <a:p>
-            <a:pPr>
-              <a:spcBef>
-                <a:spcPct val="0"/>
-              </a:spcBef>
-            </a:pPr>
-            <a:endParaRPr lang="en-US" smtClean="0"/>
-          </a:p>
-          <a:p>
-            <a:pPr>
-              <a:spcBef>
-                <a:spcPct val="0"/>
-              </a:spcBef>
-            </a:pPr>
-            <a:endParaRPr lang="en-US" smtClean="0"/>
-          </a:p>
-          <a:p>
-            <a:pPr>
-              <a:spcBef>
-                <a:spcPct val="0"/>
-              </a:spcBef>
-            </a:pPr>
-            <a:endParaRPr lang="en-IN" smtClean="0"/>
-          </a:p>
-        </p:txBody>
-      </p:sp>
-      <p:sp>
-        <p:nvSpPr>
-          <p:cNvPr id="57348" name="Slide Number Placeholder 3"/>
-          <p:cNvSpPr>
-            <a:spLocks noGrp="1"/>
-          </p:cNvSpPr>
-          <p:nvPr>
-            <p:ph type="sldNum" sz="quarter" idx="5"/>
-          </p:nvPr>
-        </p:nvSpPr>
-        <p:spPr bwMode="auto">
-          <a:noFill/>
-          <a:extLst>
-            <a:ext uri="{909E8E84-426E-40DD-AFC4-6F175D3DCCD1}">
-              <a14:hiddenFill xmlns:a14="http://schemas.microsoft.com/office/drawing/2010/main">
-                <a:solidFill>
-                  <a:srgbClr val="FFFFFF"/>
-                </a:solidFill>
-              </a14:hiddenFill>
-            </a:ext>
-            <a:ext uri="{91240B29-F687-4F45-9708-019B960494DF}">
-              <a14:hiddenLine xmlns:a14="http://schemas.microsoft.com/office/drawing/2010/main" w="9525">
-                <a:solidFill>
-                  <a:srgbClr val="000000"/>
-                </a:solidFill>
-                <a:miter lim="800000"/>
-                <a:headEnd/>
-                <a:tailEnd/>
-              </a14:hiddenLine>
-            </a:ext>
-          </a:extLst>
-        </p:spPr>
-        <p:txBody>
-          <a:bodyPr wrap="square" numCol="1" anchorCtr="0" compatLnSpc="1">
-            <a:prstTxWarp prst="textNoShape">
-              <a:avLst/>
-            </a:prstTxWarp>
-          </a:bodyPr>
-          <a:lstStyle>
-            <a:lvl1pPr>
-              <a:defRPr>
-                <a:solidFill>
-                  <a:schemeClr val="tx1"/>
-                </a:solidFill>
-                <a:latin typeface="Arial" charset="0"/>
-              </a:defRPr>
-            </a:lvl1pPr>
-            <a:lvl2pPr marL="742950" indent="-285750">
-              <a:defRPr>
-                <a:solidFill>
-                  <a:schemeClr val="tx1"/>
-                </a:solidFill>
-                <a:latin typeface="Arial" charset="0"/>
-              </a:defRPr>
-            </a:lvl2pPr>
-            <a:lvl3pPr marL="1143000" indent="-228600">
-              <a:defRPr>
-                <a:solidFill>
-                  <a:schemeClr val="tx1"/>
-                </a:solidFill>
-                <a:latin typeface="Arial" charset="0"/>
-              </a:defRPr>
-            </a:lvl3pPr>
-            <a:lvl4pPr marL="1600200" indent="-228600">
-              <a:defRPr>
-                <a:solidFill>
-                  <a:schemeClr val="tx1"/>
-                </a:solidFill>
-                <a:latin typeface="Arial" charset="0"/>
-              </a:defRPr>
-            </a:lvl4pPr>
-            <a:lvl5pPr marL="2057400" indent="-228600">
-              <a:defRPr>
-                <a:solidFill>
-                  <a:schemeClr val="tx1"/>
-                </a:solidFill>
-                <a:latin typeface="Arial" charset="0"/>
-              </a:defRPr>
-            </a:lvl5pPr>
-            <a:lvl6pPr marL="2514600" indent="-228600" defTabSz="457200" fontAlgn="base">
-              <a:spcBef>
-                <a:spcPct val="0"/>
-              </a:spcBef>
-              <a:spcAft>
-                <a:spcPct val="0"/>
-              </a:spcAft>
-              <a:defRPr>
-                <a:solidFill>
-                  <a:schemeClr val="tx1"/>
-                </a:solidFill>
-                <a:latin typeface="Arial" charset="0"/>
-              </a:defRPr>
-            </a:lvl6pPr>
-            <a:lvl7pPr marL="2971800" indent="-228600" defTabSz="457200" fontAlgn="base">
-              <a:spcBef>
-                <a:spcPct val="0"/>
-              </a:spcBef>
-              <a:spcAft>
-                <a:spcPct val="0"/>
-              </a:spcAft>
-              <a:defRPr>
-                <a:solidFill>
-                  <a:schemeClr val="tx1"/>
-                </a:solidFill>
-                <a:latin typeface="Arial" charset="0"/>
-              </a:defRPr>
-            </a:lvl7pPr>
-            <a:lvl8pPr marL="3429000" indent="-228600" defTabSz="457200" fontAlgn="base">
-              <a:spcBef>
-                <a:spcPct val="0"/>
-              </a:spcBef>
-              <a:spcAft>
-                <a:spcPct val="0"/>
-              </a:spcAft>
-              <a:defRPr>
-                <a:solidFill>
-                  <a:schemeClr val="tx1"/>
-                </a:solidFill>
-                <a:latin typeface="Arial" charset="0"/>
-              </a:defRPr>
-            </a:lvl8pPr>
-            <a:lvl9pPr marL="3886200" indent="-228600" defTabSz="457200" fontAlgn="base">
-              <a:spcBef>
-                <a:spcPct val="0"/>
-              </a:spcBef>
-              <a:spcAft>
-                <a:spcPct val="0"/>
-              </a:spcAft>
-              <a:defRPr>
-                <a:solidFill>
-                  <a:schemeClr val="tx1"/>
-                </a:solidFill>
-                <a:latin typeface="Arial" charset="0"/>
-              </a:defRPr>
-            </a:lvl9pPr>
-          </a:lstStyle>
-          <a:p>
-            <a:pPr fontAlgn="base">
-              <a:spcBef>
-                <a:spcPct val="0"/>
-              </a:spcBef>
-              <a:spcAft>
-                <a:spcPct val="0"/>
-              </a:spcAft>
-            </a:pPr>
-            <a:fld id="{FBECDFFA-508C-4021-A148-6B95A21285D8}" type="slidenum">
-              <a:rPr lang="en-US">
-                <a:latin typeface="Calibri" pitchFamily="34" charset="0"/>
-              </a:rPr>
-              <a:pPr fontAlgn="base">
-                <a:spcBef>
-                  <a:spcPct val="0"/>
-                </a:spcBef>
-                <a:spcAft>
-                  <a:spcPct val="0"/>
-                </a:spcAft>
-              </a:pPr>
-              <a:t>56</a:t>
-            </a:fld>
-            <a:endParaRPr lang="en-US">
-              <a:latin typeface="Calibri" pitchFamily="34" charset="0"/>
-            </a:endParaRPr>
-          </a:p>
-        </p:txBody>
-      </p:sp>
-    </p:spTree>
-    <p:extLst>
-      <p:ext uri="{BB962C8B-B14F-4D97-AF65-F5344CB8AC3E}">
-        <p14:creationId xmlns:p14="http://schemas.microsoft.com/office/powerpoint/2010/main" val="109102275"/>
-      </p:ext>
-    </p:extLst>
-  </p:cSld>
-  <p:clrMapOvr>
-    <a:masterClrMapping/>
-  </p:clrMapOvr>
-</p:notes>
-</file>
-
-<file path=ppt/notesSlides/notesSlide57.xml><?xml version="1.0" encoding="utf-8"?>
 <p:notes xmlns:a="http://schemas.openxmlformats.org/drawingml/2006/main" xmlns:r="http://schemas.openxmlformats.org/officeDocument/2006/relationships" xmlns:p="http://schemas.openxmlformats.org/presentationml/2006/main">
   <p:cSld>
     <p:spTree>
@@ -24822,7 +24004,7 @@
                   <a:spcPct val="0"/>
                 </a:spcAft>
               </a:pPr>
-              <a:t>57</a:t>
+              <a:t>55</a:t>
             </a:fld>
             <a:endParaRPr lang="en-US">
               <a:latin typeface="Calibri" pitchFamily="34" charset="0"/>
@@ -50771,11 +49953,7 @@
             </a:pPr>
             <a:r>
               <a:rPr lang="pt-BR" sz="3200" dirty="0" smtClean="0"/>
-              <a:t>Setup the </a:t>
-            </a:r>
-            <a:r>
-              <a:rPr lang="pt-BR" sz="3200" dirty="0" smtClean="0"/>
-              <a:t>environment</a:t>
+              <a:t>Setup the environment</a:t>
             </a:r>
           </a:p>
           <a:p>
@@ -54503,49 +53681,21 @@
             <a:pPr lvl="1"/>
             <a:r>
               <a:rPr lang="en-US" dirty="0"/>
-              <a:t>Default is none</a:t>
-            </a:r>
-          </a:p>
-          <a:p>
+              <a:t>Default is </a:t>
+            </a:r>
+            <a:r>
+              <a:rPr lang="en-US" dirty="0" smtClean="0"/>
+              <a:t>none</a:t>
+            </a:r>
+          </a:p>
+          <a:p>
+            <a:r>
+              <a:rPr lang="en-US" dirty="0" smtClean="0"/>
+              <a:t>Fetching </a:t>
+            </a:r>
             <a:r>
               <a:rPr lang="en-US" dirty="0"/>
-              <a:t>Orphan Removal</a:t>
-            </a:r>
-          </a:p>
-          <a:p>
-            <a:pPr lvl="1"/>
-            <a:r>
-              <a:rPr lang="en-US" dirty="0"/>
-              <a:t>For @</a:t>
-            </a:r>
-            <a:r>
-              <a:rPr lang="en-US" dirty="0" err="1"/>
-              <a:t>OneToOne</a:t>
-            </a:r>
-            <a:r>
-              <a:rPr lang="en-US" dirty="0"/>
-              <a:t> and @</a:t>
-            </a:r>
-            <a:r>
-              <a:rPr lang="en-US" dirty="0" err="1"/>
-              <a:t>OneToMany</a:t>
-            </a:r>
-            <a:r>
-              <a:rPr lang="en-US" dirty="0"/>
-              <a:t> relationships</a:t>
-            </a:r>
-          </a:p>
-          <a:p>
-            <a:pPr lvl="1"/>
-            <a:r>
-              <a:rPr lang="en-US" dirty="0"/>
-              <a:t>Default is false</a:t>
-            </a:r>
-          </a:p>
-          <a:p>
-            <a:r>
-              <a:rPr lang="en-US" dirty="0"/>
-              <a:t>Fetching Strategies</a:t>
+              <a:t>Strategies</a:t>
             </a:r>
           </a:p>
           <a:p>
@@ -54769,6 +53919,11 @@
               <a:rPr lang="pt-BR" sz="2000" dirty="0" smtClean="0"/>
               <a:t>Change the fetch property of the @ManyToMany </a:t>
             </a:r>
+            <a:r>
+              <a:rPr lang="pt-BR" sz="2000" dirty="0" smtClean="0"/>
+              <a:t>(Course.java)</a:t>
+            </a:r>
+            <a:endParaRPr lang="pt-BR" sz="2000" dirty="0" smtClean="0"/>
           </a:p>
           <a:p>
             <a:pPr marL="968375" lvl="1" indent="-457200" fontAlgn="auto">
@@ -54934,8 +54089,8 @@
         </p:nvSpPr>
         <p:spPr>
           <a:xfrm>
-            <a:off x="628959" y="1519353"/>
-            <a:ext cx="8229600" cy="5139869"/>
+            <a:off x="460375" y="1122844"/>
+            <a:ext cx="8229600" cy="4539704"/>
           </a:xfrm>
         </p:spPr>
         <p:txBody>
@@ -54950,17 +54105,25 @@
             </a:pPr>
             <a:r>
               <a:rPr lang="pt-BR" sz="3200" dirty="0" smtClean="0"/>
-              <a:t>Exercise 7</a:t>
-            </a:r>
-          </a:p>
-          <a:p>
-            <a:pPr fontAlgn="auto">
-              <a:spcAft>
-                <a:spcPts val="0"/>
-              </a:spcAft>
-              <a:defRPr/>
-            </a:pPr>
-            <a:endParaRPr lang="pt-BR" sz="3200" dirty="0" smtClean="0"/>
+              <a:t>Exercise </a:t>
+            </a:r>
+            <a:r>
+              <a:rPr lang="pt-BR" sz="3200" dirty="0" smtClean="0"/>
+              <a:t>7 (c</a:t>
+            </a:r>
+            <a:r>
+              <a:rPr lang="pt-BR" sz="2500" dirty="0" smtClean="0"/>
+              <a:t>heck </a:t>
+            </a:r>
+            <a:r>
+              <a:rPr lang="pt-BR" sz="2500" dirty="0" smtClean="0"/>
+              <a:t>the difference between the </a:t>
+            </a:r>
+            <a:r>
+              <a:rPr lang="pt-BR" sz="2500" dirty="0" smtClean="0"/>
+              <a:t>cascades types)</a:t>
+            </a:r>
+            <a:endParaRPr lang="pt-BR" sz="2500" dirty="0" smtClean="0"/>
           </a:p>
           <a:p>
             <a:pPr marL="457200" indent="-457200" fontAlgn="auto">
@@ -54971,10 +54134,7 @@
               <a:buChar char="-"/>
               <a:defRPr/>
             </a:pPr>
-            <a:r>
-              <a:rPr lang="pt-BR" sz="3200" dirty="0" smtClean="0"/>
-              <a:t>Check the difference between the cascades</a:t>
-            </a:r>
+            <a:endParaRPr lang="pt-BR" sz="2500" dirty="0" smtClean="0"/>
           </a:p>
           <a:p>
             <a:pPr marL="457200" indent="-457200" fontAlgn="auto">
@@ -54985,7 +54145,10 @@
               <a:buChar char="-"/>
               <a:defRPr/>
             </a:pPr>
-            <a:endParaRPr lang="pt-BR" sz="3200" dirty="0"/>
+            <a:r>
+              <a:rPr lang="pt-BR" sz="2500" dirty="0" smtClean="0"/>
+              <a:t>Create a new student with a scholarship. </a:t>
+            </a:r>
           </a:p>
           <a:p>
             <a:pPr marL="457200" indent="-457200" fontAlgn="auto">
@@ -54996,10 +54159,7 @@
               <a:buChar char="-"/>
               <a:defRPr/>
             </a:pPr>
-            <a:r>
-              <a:rPr lang="pt-BR" sz="3200" dirty="0" smtClean="0"/>
-              <a:t>Remove the scholarshipDAO save method </a:t>
-            </a:r>
+            <a:endParaRPr lang="pt-BR" sz="2500" dirty="0"/>
           </a:p>
           <a:p>
             <a:pPr marL="457200" indent="-457200" fontAlgn="auto">
@@ -55010,7 +54170,18 @@
               <a:buChar char="-"/>
               <a:defRPr/>
             </a:pPr>
-            <a:endParaRPr lang="pt-BR" sz="3200" dirty="0" smtClean="0"/>
+            <a:r>
+              <a:rPr lang="pt-BR" sz="2500" dirty="0" smtClean="0"/>
+              <a:t>Remove the cascade type of the Student.java (line 43) and re-run </a:t>
+            </a:r>
+            <a:r>
+              <a:rPr lang="pt-BR" sz="2500" dirty="0" smtClean="0"/>
+              <a:t>the main </a:t>
+            </a:r>
+            <a:r>
+              <a:rPr lang="pt-BR" sz="2500" dirty="0" smtClean="0"/>
+              <a:t>method.</a:t>
+            </a:r>
           </a:p>
           <a:p>
             <a:pPr marL="457200" indent="-457200" fontAlgn="auto">
@@ -55021,11 +54192,7 @@
               <a:buChar char="-"/>
               <a:defRPr/>
             </a:pPr>
-            <a:r>
-              <a:rPr lang="pt-BR" sz="3200" dirty="0" smtClean="0"/>
-              <a:t>Re-run the main method</a:t>
-            </a:r>
-            <a:endParaRPr lang="pt-BR" sz="3200" dirty="0"/>
+            <a:endParaRPr lang="pt-BR" sz="2500" dirty="0"/>
           </a:p>
           <a:p>
             <a:pPr marL="457200" indent="-457200" fontAlgn="auto">
@@ -55036,7 +54203,22 @@
               <a:buChar char="-"/>
               <a:defRPr/>
             </a:pPr>
-            <a:endParaRPr lang="pt-BR" sz="800" dirty="0" smtClean="0"/>
+            <a:r>
+              <a:rPr lang="pt-BR" sz="2500" dirty="0" smtClean="0"/>
+              <a:t>How to fix it?</a:t>
+            </a:r>
+            <a:endParaRPr lang="pt-BR" sz="2500" dirty="0"/>
+          </a:p>
+          <a:p>
+            <a:pPr marL="457200" indent="-457200" fontAlgn="auto">
+              <a:spcAft>
+                <a:spcPts val="0"/>
+              </a:spcAft>
+              <a:buFontTx/>
+              <a:buChar char="-"/>
+              <a:defRPr/>
+            </a:pPr>
+            <a:endParaRPr lang="pt-BR" sz="2500" dirty="0" smtClean="0"/>
           </a:p>
           <a:p>
             <a:pPr marL="0" indent="0" fontAlgn="auto">
@@ -55169,28 +54351,12 @@
           </a:p>
           <a:p>
             <a:r>
+              <a:rPr lang="en-US" dirty="0" smtClean="0"/>
+              <a:t>Entity </a:t>
+            </a:r>
+            <a:r>
               <a:rPr lang="en-US" dirty="0"/>
-              <a:t>Persistence Context (PC) </a:t>
-            </a:r>
-          </a:p>
-          <a:p>
-            <a:pPr lvl="1"/>
-            <a:r>
-              <a:rPr lang="en-US" dirty="0"/>
-              <a:t>Set of managed entity instances that exist in a particular data store </a:t>
-            </a:r>
-          </a:p>
-          <a:p>
-            <a:pPr lvl="1"/>
-            <a:r>
-              <a:rPr lang="en-US" dirty="0"/>
-              <a:t>Runtime context</a:t>
-            </a:r>
-          </a:p>
-          <a:p>
-            <a:r>
-              <a:rPr lang="en-US" dirty="0"/>
-              <a:t>Entity Manager (EM)</a:t>
+              <a:t>Manager (EM)</a:t>
             </a:r>
           </a:p>
           <a:p>
@@ -55225,8 +54391,25 @@
             <a:pPr lvl="1"/>
             <a:r>
               <a:rPr lang="en-US" dirty="0"/>
-              <a:t>Runs queries on entities</a:t>
-            </a:r>
+              <a:t>Runs queries on </a:t>
+            </a:r>
+            <a:r>
+              <a:rPr lang="en-US" dirty="0" smtClean="0"/>
+              <a:t>entities</a:t>
+            </a:r>
+          </a:p>
+          <a:p>
+            <a:r>
+              <a:rPr lang="pt-BR" dirty="0" smtClean="0"/>
+              <a:t>Session</a:t>
+            </a:r>
+            <a:endParaRPr lang="en-US" dirty="0" smtClean="0"/>
+          </a:p>
+          <a:p>
+            <a:pPr marL="457200" lvl="1" indent="0">
+              <a:buNone/>
+            </a:pPr>
+            <a:endParaRPr lang="en-US" dirty="0"/>
           </a:p>
           <a:p>
             <a:pPr marL="0" indent="0">
@@ -55880,172 +55063,6 @@
 </file>
 
 <file path=ppt/slides/slide41.xml><?xml version="1.0" encoding="utf-8"?>
-<p:sld xmlns:a="http://schemas.openxmlformats.org/drawingml/2006/main" xmlns:r="http://schemas.openxmlformats.org/officeDocument/2006/relationships" xmlns:p="http://schemas.openxmlformats.org/presentationml/2006/main">
-  <p:cSld>
-    <p:spTree>
-      <p:nvGrpSpPr>
-        <p:cNvPr id="1" name=""/>
-        <p:cNvGrpSpPr/>
-        <p:nvPr/>
-      </p:nvGrpSpPr>
-      <p:grpSpPr>
-        <a:xfrm>
-          <a:off x="0" y="0"/>
-          <a:ext cx="0" cy="0"/>
-          <a:chOff x="0" y="0"/>
-          <a:chExt cx="0" cy="0"/>
-        </a:xfrm>
-      </p:grpSpPr>
-      <p:sp>
-        <p:nvSpPr>
-          <p:cNvPr id="2" name="Text Placeholder 1"/>
-          <p:cNvSpPr>
-            <a:spLocks noGrp="1"/>
-          </p:cNvSpPr>
-          <p:nvPr>
-            <p:ph type="body" sz="quarter" idx="11"/>
-          </p:nvPr>
-        </p:nvSpPr>
-        <p:spPr>
-          <a:xfrm>
-            <a:off x="460375" y="144463"/>
-            <a:ext cx="8229600" cy="584775"/>
-          </a:xfrm>
-        </p:spPr>
-        <p:txBody>
-          <a:bodyPr/>
-          <a:lstStyle/>
-          <a:p>
-            <a:pPr fontAlgn="auto">
-              <a:spcAft>
-                <a:spcPts val="0"/>
-              </a:spcAft>
-              <a:defRPr/>
-            </a:pPr>
-            <a:r>
-              <a:rPr lang="pt-BR" sz="3200" dirty="0"/>
-              <a:t>Persistence Context</a:t>
-            </a:r>
-            <a:endParaRPr sz="3200" dirty="0"/>
-          </a:p>
-        </p:txBody>
-      </p:sp>
-      <p:pic>
-        <p:nvPicPr>
-          <p:cNvPr id="4" name="Content Placeholder 3"/>
-          <p:cNvPicPr>
-            <a:picLocks noChangeAspect="1"/>
-          </p:cNvPicPr>
-          <p:nvPr/>
-        </p:nvPicPr>
-        <p:blipFill>
-          <a:blip r:embed="rId3"/>
-          <a:stretch>
-            <a:fillRect/>
-          </a:stretch>
-        </p:blipFill>
-        <p:spPr>
-          <a:xfrm>
-            <a:off x="528963" y="1337252"/>
-            <a:ext cx="8141491" cy="4351338"/>
-          </a:xfrm>
-          <a:prstGeom prst="rect">
-            <a:avLst/>
-          </a:prstGeom>
-        </p:spPr>
-      </p:pic>
-    </p:spTree>
-    <p:extLst>
-      <p:ext uri="{BB962C8B-B14F-4D97-AF65-F5344CB8AC3E}">
-        <p14:creationId xmlns:p14="http://schemas.microsoft.com/office/powerpoint/2010/main" val="2004330454"/>
-      </p:ext>
-    </p:extLst>
-  </p:cSld>
-  <p:clrMapOvr>
-    <a:masterClrMapping/>
-  </p:clrMapOvr>
-  <p:timing>
-    <p:tnLst>
-      <p:par>
-        <p:cTn id="1" dur="indefinite" restart="never" nodeType="tmRoot"/>
-      </p:par>
-    </p:tnLst>
-  </p:timing>
-</p:sld>
-</file>
-
-<file path=ppt/slides/slide42.xml><?xml version="1.0" encoding="utf-8"?>
-<p:sld xmlns:a="http://schemas.openxmlformats.org/drawingml/2006/main" xmlns:r="http://schemas.openxmlformats.org/officeDocument/2006/relationships" xmlns:p="http://schemas.openxmlformats.org/presentationml/2006/main">
-  <p:cSld>
-    <p:spTree>
-      <p:nvGrpSpPr>
-        <p:cNvPr id="1" name=""/>
-        <p:cNvGrpSpPr/>
-        <p:nvPr/>
-      </p:nvGrpSpPr>
-      <p:grpSpPr>
-        <a:xfrm>
-          <a:off x="0" y="0"/>
-          <a:ext cx="0" cy="0"/>
-          <a:chOff x="0" y="0"/>
-          <a:chExt cx="0" cy="0"/>
-        </a:xfrm>
-      </p:grpSpPr>
-      <p:sp>
-        <p:nvSpPr>
-          <p:cNvPr id="2" name="Text Placeholder 1"/>
-          <p:cNvSpPr>
-            <a:spLocks noGrp="1"/>
-          </p:cNvSpPr>
-          <p:nvPr>
-            <p:ph type="body" sz="quarter" idx="11"/>
-          </p:nvPr>
-        </p:nvSpPr>
-        <p:spPr>
-          <a:xfrm>
-            <a:off x="460375" y="144463"/>
-            <a:ext cx="8229600" cy="584775"/>
-          </a:xfrm>
-        </p:spPr>
-        <p:txBody>
-          <a:bodyPr/>
-          <a:lstStyle/>
-          <a:p>
-            <a:pPr fontAlgn="auto">
-              <a:spcAft>
-                <a:spcPts val="0"/>
-              </a:spcAft>
-              <a:defRPr/>
-            </a:pPr>
-            <a:r>
-              <a:rPr lang="pt-BR" sz="3200" dirty="0"/>
-              <a:t>Persistence Context</a:t>
-            </a:r>
-            <a:endParaRPr sz="3200" dirty="0"/>
-          </a:p>
-        </p:txBody>
-      </p:sp>
-    </p:spTree>
-    <p:extLst>
-      <p:ext uri="{BB962C8B-B14F-4D97-AF65-F5344CB8AC3E}">
-        <p14:creationId xmlns:p14="http://schemas.microsoft.com/office/powerpoint/2010/main" val="1868353770"/>
-      </p:ext>
-    </p:extLst>
-  </p:cSld>
-  <p:clrMapOvr>
-    <a:masterClrMapping/>
-  </p:clrMapOvr>
-  <p:timing>
-    <p:tnLst>
-      <p:par>
-        <p:cTn id="1" dur="indefinite" restart="never" nodeType="tmRoot"/>
-      </p:par>
-    </p:tnLst>
-  </p:timing>
-</p:sld>
-</file>
-
-<file path=ppt/slides/slide43.xml><?xml version="1.0" encoding="utf-8"?>
 <p:sld xmlns:a="http://schemas.openxmlformats.org/drawingml/2006/main" xmlns:r="http://schemas.openxmlformats.org/officeDocument/2006/relationships" xmlns:p="http://schemas.openxmlformats.org/presentationml/2006/main">
   <p:cSld>
     <p:spTree>
@@ -56345,7 +55362,7 @@
 </p:sld>
 </file>
 
-<file path=ppt/slides/slide44.xml><?xml version="1.0" encoding="utf-8"?>
+<file path=ppt/slides/slide42.xml><?xml version="1.0" encoding="utf-8"?>
 <p:sld xmlns:a="http://schemas.openxmlformats.org/drawingml/2006/main" xmlns:r="http://schemas.openxmlformats.org/officeDocument/2006/relationships" xmlns:p="http://schemas.openxmlformats.org/presentationml/2006/main">
   <p:cSld>
     <p:spTree>
@@ -56440,7 +55457,7 @@
 </p:sld>
 </file>
 
-<file path=ppt/slides/slide45.xml><?xml version="1.0" encoding="utf-8"?>
+<file path=ppt/slides/slide43.xml><?xml version="1.0" encoding="utf-8"?>
 <p:sld xmlns:a="http://schemas.openxmlformats.org/drawingml/2006/main" xmlns:r="http://schemas.openxmlformats.org/officeDocument/2006/relationships" xmlns:p="http://schemas.openxmlformats.org/presentationml/2006/main">
   <p:cSld>
     <p:spTree>
@@ -56484,126 +55501,317 @@
               <a:defRPr/>
             </a:pPr>
             <a:r>
-              <a:rPr lang="en-US" sz="3200" dirty="0"/>
-              <a:t>Finding Entities</a:t>
+              <a:rPr lang="pt-BR" sz="3200" dirty="0"/>
+              <a:t>Persistence Context</a:t>
             </a:r>
             <a:endParaRPr sz="3200" dirty="0"/>
           </a:p>
         </p:txBody>
       </p:sp>
+      <p:pic>
+        <p:nvPicPr>
+          <p:cNvPr id="4" name="Content Placeholder 3"/>
+          <p:cNvPicPr>
+            <a:picLocks noChangeAspect="1"/>
+          </p:cNvPicPr>
+          <p:nvPr/>
+        </p:nvPicPr>
+        <p:blipFill>
+          <a:blip r:embed="rId3"/>
+          <a:stretch>
+            <a:fillRect/>
+          </a:stretch>
+        </p:blipFill>
+        <p:spPr>
+          <a:xfrm>
+            <a:off x="528963" y="1337252"/>
+            <a:ext cx="8141491" cy="4351338"/>
+          </a:xfrm>
+          <a:prstGeom prst="rect">
+            <a:avLst/>
+          </a:prstGeom>
+        </p:spPr>
+      </p:pic>
+    </p:spTree>
+    <p:extLst>
+      <p:ext uri="{BB962C8B-B14F-4D97-AF65-F5344CB8AC3E}">
+        <p14:creationId xmlns:p14="http://schemas.microsoft.com/office/powerpoint/2010/main" val="2004330454"/>
+      </p:ext>
+    </p:extLst>
+  </p:cSld>
+  <p:clrMapOvr>
+    <a:masterClrMapping/>
+  </p:clrMapOvr>
+  <p:timing>
+    <p:tnLst>
+      <p:par>
+        <p:cTn id="1" dur="indefinite" restart="never" nodeType="tmRoot"/>
+      </p:par>
+    </p:tnLst>
+  </p:timing>
+</p:sld>
+</file>
+
+<file path=ppt/slides/slide44.xml><?xml version="1.0" encoding="utf-8"?>
+<p:sld xmlns:a="http://schemas.openxmlformats.org/drawingml/2006/main" xmlns:r="http://schemas.openxmlformats.org/officeDocument/2006/relationships" xmlns:p="http://schemas.openxmlformats.org/presentationml/2006/main">
+  <p:cSld>
+    <p:spTree>
+      <p:nvGrpSpPr>
+        <p:cNvPr id="1" name=""/>
+        <p:cNvGrpSpPr/>
+        <p:nvPr/>
+      </p:nvGrpSpPr>
+      <p:grpSpPr>
+        <a:xfrm>
+          <a:off x="0" y="0"/>
+          <a:ext cx="0" cy="0"/>
+          <a:chOff x="0" y="0"/>
+          <a:chExt cx="0" cy="0"/>
+        </a:xfrm>
+      </p:grpSpPr>
       <p:sp>
         <p:nvSpPr>
-          <p:cNvPr id="32771" name="Text Placeholder 2"/>
+          <p:cNvPr id="2" name="Text Placeholder 1"/>
           <p:cNvSpPr>
             <a:spLocks noGrp="1"/>
           </p:cNvSpPr>
           <p:nvPr>
-            <p:ph type="body" sz="quarter" idx="16"/>
+            <p:ph type="body" sz="quarter" idx="11"/>
           </p:nvPr>
         </p:nvSpPr>
         <p:spPr>
           <a:xfrm>
-            <a:off x="457200" y="1360488"/>
-            <a:ext cx="8240713" cy="4666239"/>
+            <a:off x="460375" y="144463"/>
+            <a:ext cx="8229600" cy="584775"/>
           </a:xfrm>
         </p:spPr>
         <p:txBody>
           <a:bodyPr/>
           <a:lstStyle/>
           <a:p>
-            <a:r>
-              <a:rPr lang="en-US" dirty="0"/>
-              <a:t>Find entity by primary key using </a:t>
-            </a:r>
-            <a:r>
-              <a:rPr lang="en-US" dirty="0" err="1"/>
-              <a:t>EntityManager</a:t>
-            </a:r>
-            <a:r>
-              <a:rPr lang="en-US" dirty="0"/>
-              <a:t> </a:t>
-            </a:r>
-          </a:p>
-          <a:p>
-            <a:r>
-              <a:rPr lang="en-US" dirty="0"/>
-              <a:t>For complex queries use</a:t>
-            </a:r>
-          </a:p>
-          <a:p>
-            <a:pPr lvl="1"/>
-            <a:r>
-              <a:rPr lang="en-US" dirty="0"/>
-              <a:t>Java Persistence Query Language (JPQL) or Hibernate Query Language (HQL)</a:t>
-            </a:r>
-          </a:p>
-          <a:p>
-            <a:pPr lvl="1"/>
-            <a:r>
-              <a:rPr lang="en-US" dirty="0"/>
-              <a:t>Both are object model focused query languages similar in nature to SQL. JPQL is a heavily-inspired-by subset of HQL. A JPQL query is always a valid HQL query, the reverse is not true however. </a:t>
-            </a:r>
-          </a:p>
-          <a:p>
-            <a:pPr lvl="1"/>
-            <a:r>
-              <a:rPr lang="en-US" dirty="0"/>
-              <a:t>Criteria API </a:t>
-            </a:r>
-          </a:p>
-          <a:p>
-            <a:pPr lvl="1"/>
-            <a:r>
-              <a:rPr lang="en-US" dirty="0"/>
-              <a:t>Native Queries </a:t>
-            </a:r>
-          </a:p>
-          <a:p>
-            <a:r>
-              <a:rPr lang="en-US" dirty="0" err="1"/>
-              <a:t>EntityManager</a:t>
-            </a:r>
-            <a:r>
-              <a:rPr lang="en-US" dirty="0"/>
-              <a:t> provides methods for creating Query objects </a:t>
-            </a:r>
-          </a:p>
-          <a:p>
-            <a:pPr lvl="1"/>
-            <a:r>
-              <a:rPr lang="en-US" dirty="0" err="1"/>
-              <a:t>createQuery</a:t>
-            </a:r>
-            <a:r>
-              <a:rPr lang="en-US" dirty="0"/>
-              <a:t> </a:t>
-            </a:r>
-          </a:p>
-          <a:p>
-            <a:pPr lvl="1"/>
-            <a:r>
-              <a:rPr lang="en-US" dirty="0" err="1"/>
-              <a:t>createNativeQuery</a:t>
-            </a:r>
-            <a:r>
-              <a:rPr lang="en-US" dirty="0"/>
-              <a:t> (using plain SQL - not recommended)</a:t>
-            </a:r>
-          </a:p>
-          <a:p>
-            <a:pPr marL="0" indent="0">
-              <a:buNone/>
-            </a:pPr>
-            <a:endParaRPr lang="pt-BR" dirty="0" smtClean="0">
-              <a:cs typeface="Arial" charset="0"/>
-            </a:endParaRPr>
+            <a:pPr fontAlgn="auto">
+              <a:spcAft>
+                <a:spcPts val="0"/>
+              </a:spcAft>
+              <a:defRPr/>
+            </a:pPr>
+            <a:r>
+              <a:rPr lang="pt-BR" sz="3200" dirty="0"/>
+              <a:t>Persistence Context</a:t>
+            </a:r>
+            <a:endParaRPr sz="3200" dirty="0"/>
+          </a:p>
+        </p:txBody>
+      </p:sp>
+      <p:pic>
+        <p:nvPicPr>
+          <p:cNvPr id="1026" name="Picture 2" descr="HibernateEntityStates"/>
+          <p:cNvPicPr>
+            <a:picLocks noChangeAspect="1" noChangeArrowheads="1"/>
+          </p:cNvPicPr>
+          <p:nvPr/>
+        </p:nvPicPr>
+        <p:blipFill>
+          <a:blip r:embed="rId3">
+            <a:extLst>
+              <a:ext uri="{28A0092B-C50C-407E-A947-70E740481C1C}">
+                <a14:useLocalDpi xmlns:a14="http://schemas.microsoft.com/office/drawing/2010/main" val="0"/>
+              </a:ext>
+            </a:extLst>
+          </a:blip>
+          <a:srcRect/>
+          <a:stretch>
+            <a:fillRect/>
+          </a:stretch>
+        </p:blipFill>
+        <p:spPr bwMode="auto">
+          <a:xfrm>
+            <a:off x="579731" y="1252396"/>
+            <a:ext cx="8281047" cy="5210160"/>
+          </a:xfrm>
+          <a:prstGeom prst="rect">
+            <a:avLst/>
+          </a:prstGeom>
+          <a:noFill/>
+          <a:extLst>
+            <a:ext uri="{909E8E84-426E-40DD-AFC4-6F175D3DCCD1}">
+              <a14:hiddenFill xmlns:a14="http://schemas.microsoft.com/office/drawing/2010/main">
+                <a:solidFill>
+                  <a:srgbClr val="FFFFFF"/>
+                </a:solidFill>
+              </a14:hiddenFill>
+            </a:ext>
+          </a:extLst>
+        </p:spPr>
+      </p:pic>
+    </p:spTree>
+    <p:extLst>
+      <p:ext uri="{BB962C8B-B14F-4D97-AF65-F5344CB8AC3E}">
+        <p14:creationId xmlns:p14="http://schemas.microsoft.com/office/powerpoint/2010/main" val="2667668173"/>
+      </p:ext>
+    </p:extLst>
+  </p:cSld>
+  <p:clrMapOvr>
+    <a:masterClrMapping/>
+  </p:clrMapOvr>
+  <p:timing>
+    <p:tnLst>
+      <p:par>
+        <p:cTn id="1" dur="indefinite" restart="never" nodeType="tmRoot"/>
+      </p:par>
+    </p:tnLst>
+  </p:timing>
+</p:sld>
+</file>
+
+<file path=ppt/slides/slide45.xml><?xml version="1.0" encoding="utf-8"?>
+<p:sld xmlns:a="http://schemas.openxmlformats.org/drawingml/2006/main" xmlns:r="http://schemas.openxmlformats.org/officeDocument/2006/relationships" xmlns:p="http://schemas.openxmlformats.org/presentationml/2006/main">
+  <p:cSld>
+    <p:spTree>
+      <p:nvGrpSpPr>
+        <p:cNvPr id="1" name=""/>
+        <p:cNvGrpSpPr/>
+        <p:nvPr/>
+      </p:nvGrpSpPr>
+      <p:grpSpPr>
+        <a:xfrm>
+          <a:off x="0" y="0"/>
+          <a:ext cx="0" cy="0"/>
+          <a:chOff x="0" y="0"/>
+          <a:chExt cx="0" cy="0"/>
+        </a:xfrm>
+      </p:grpSpPr>
+      <p:sp>
+        <p:nvSpPr>
+          <p:cNvPr id="2" name="Text Placeholder 1"/>
+          <p:cNvSpPr>
+            <a:spLocks noGrp="1"/>
+          </p:cNvSpPr>
+          <p:nvPr>
+            <p:ph type="body" sz="quarter" idx="11"/>
+          </p:nvPr>
+        </p:nvSpPr>
+        <p:spPr>
+          <a:xfrm>
+            <a:off x="460375" y="144463"/>
+            <a:ext cx="8229600" cy="892552"/>
+          </a:xfrm>
+        </p:spPr>
+        <p:txBody>
+          <a:bodyPr/>
+          <a:lstStyle/>
+          <a:p>
+            <a:pPr fontAlgn="auto">
+              <a:spcAft>
+                <a:spcPts val="0"/>
+              </a:spcAft>
+              <a:defRPr/>
+            </a:pPr>
+            <a:r>
+              <a:rPr lang="pt-BR" sz="3200" dirty="0"/>
+              <a:t>Simple </a:t>
+            </a:r>
+            <a:r>
+              <a:rPr lang="pt-BR" sz="3200" dirty="0" smtClean="0"/>
+              <a:t>Mapping </a:t>
+            </a:r>
+          </a:p>
+          <a:p>
+            <a:pPr fontAlgn="auto">
+              <a:spcAft>
+                <a:spcPts val="0"/>
+              </a:spcAft>
+              <a:defRPr/>
+            </a:pPr>
+            <a:r>
+              <a:rPr lang="en-US" sz="2000" dirty="0" smtClean="0"/>
+              <a:t>Enhance </a:t>
+            </a:r>
+            <a:r>
+              <a:rPr lang="en-US" sz="2000" dirty="0"/>
+              <a:t>Java domain classes with JPA annotations </a:t>
+            </a:r>
+            <a:endParaRPr sz="2000" dirty="0"/>
+          </a:p>
+        </p:txBody>
+      </p:sp>
+      <p:sp>
+        <p:nvSpPr>
+          <p:cNvPr id="4" name="Text Placeholder 1"/>
+          <p:cNvSpPr>
+            <a:spLocks noGrp="1"/>
+          </p:cNvSpPr>
+          <p:nvPr>
+            <p:ph type="body" sz="quarter" idx="11"/>
+          </p:nvPr>
+        </p:nvSpPr>
+        <p:spPr>
+          <a:xfrm>
+            <a:off x="460375" y="1122844"/>
+            <a:ext cx="8229600" cy="1846659"/>
+          </a:xfrm>
+        </p:spPr>
+        <p:txBody>
+          <a:bodyPr/>
+          <a:lstStyle/>
+          <a:p>
+            <a:pPr fontAlgn="auto">
+              <a:spcAft>
+                <a:spcPts val="0"/>
+              </a:spcAft>
+              <a:defRPr/>
+            </a:pPr>
+            <a:r>
+              <a:rPr lang="pt-BR" sz="3200" dirty="0" smtClean="0"/>
+              <a:t>Exercise </a:t>
+            </a:r>
+            <a:r>
+              <a:rPr lang="pt-BR" sz="3200" dirty="0" smtClean="0"/>
+              <a:t>8</a:t>
+            </a:r>
+            <a:endParaRPr lang="pt-BR" sz="2500" dirty="0" smtClean="0"/>
+          </a:p>
+          <a:p>
+            <a:pPr marL="457200" indent="-457200" fontAlgn="auto">
+              <a:spcAft>
+                <a:spcPts val="0"/>
+              </a:spcAft>
+              <a:buFontTx/>
+              <a:buChar char="-"/>
+              <a:defRPr/>
+            </a:pPr>
+            <a:endParaRPr lang="pt-BR" sz="2500" dirty="0" smtClean="0"/>
+          </a:p>
+          <a:p>
+            <a:pPr marL="457200" indent="-457200" fontAlgn="auto">
+              <a:spcAft>
+                <a:spcPts val="0"/>
+              </a:spcAft>
+              <a:buFontTx/>
+              <a:buChar char="-"/>
+              <a:defRPr/>
+            </a:pPr>
+            <a:r>
+              <a:rPr lang="pt-BR" sz="2500" dirty="0" smtClean="0"/>
+              <a:t>JPA object cycle</a:t>
+            </a:r>
+            <a:endParaRPr lang="pt-BR" sz="2500" dirty="0" smtClean="0"/>
+          </a:p>
+          <a:p>
+            <a:pPr marL="0" indent="0" fontAlgn="auto">
+              <a:spcAft>
+                <a:spcPts val="0"/>
+              </a:spcAft>
+              <a:defRPr/>
+            </a:pPr>
+            <a:endParaRPr lang="pt-BR" sz="3200" dirty="0"/>
           </a:p>
         </p:txBody>
       </p:sp>
     </p:spTree>
     <p:extLst>
       <p:ext uri="{BB962C8B-B14F-4D97-AF65-F5344CB8AC3E}">
-        <p14:creationId xmlns:p14="http://schemas.microsoft.com/office/powerpoint/2010/main" val="2004330454"/>
+        <p14:creationId xmlns:p14="http://schemas.microsoft.com/office/powerpoint/2010/main" val="3680013107"/>
       </p:ext>
     </p:extLst>
   </p:cSld>
@@ -56665,7 +55873,7 @@
             </a:pPr>
             <a:r>
               <a:rPr lang="en-US" sz="3200" dirty="0"/>
-              <a:t>JPQL/HQL</a:t>
+              <a:t>Finding Entities</a:t>
             </a:r>
             <a:endParaRPr sz="3200" dirty="0"/>
           </a:p>
@@ -56684,7 +55892,7 @@
         <p:spPr>
           <a:xfrm>
             <a:off x="457200" y="1360488"/>
-            <a:ext cx="8240713" cy="4759757"/>
+            <a:ext cx="8240713" cy="4666239"/>
           </a:xfrm>
         </p:spPr>
         <p:txBody>
@@ -56693,73 +55901,11 @@
           <a:p>
             <a:r>
               <a:rPr lang="en-US" dirty="0"/>
-              <a:t>Similar to SQL </a:t>
-            </a:r>
-          </a:p>
-          <a:p>
-            <a:r>
-              <a:rPr lang="en-US" dirty="0"/>
-              <a:t>Works with entities as defined in the application and </a:t>
-            </a:r>
-            <a:r>
-              <a:rPr lang="en-US" b="1" dirty="0"/>
-              <a:t>not</a:t>
-            </a:r>
-            <a:r>
-              <a:rPr lang="en-US" dirty="0"/>
-              <a:t> with SQL table names and attribute names </a:t>
-            </a:r>
-          </a:p>
-          <a:p>
-            <a:r>
-              <a:rPr lang="en-US" dirty="0"/>
-              <a:t>Portable (they abstract from vendor-specific SQL) </a:t>
-            </a:r>
-          </a:p>
-          <a:p>
-            <a:r>
-              <a:rPr lang="en-US" dirty="0"/>
-              <a:t>Returns entities (no need to worry about result sets and their manual conversion to POJOs) </a:t>
-            </a:r>
-          </a:p>
-          <a:p>
-            <a:r>
-              <a:rPr lang="en-US" dirty="0"/>
-              <a:t>Select, update, delete </a:t>
-            </a:r>
-          </a:p>
-          <a:p>
-            <a:r>
-              <a:rPr lang="en-US" dirty="0"/>
-              <a:t>Support for:</a:t>
-            </a:r>
-          </a:p>
-          <a:p>
-            <a:pPr lvl="1"/>
-            <a:r>
-              <a:rPr lang="en-US" dirty="0"/>
-              <a:t>Joins </a:t>
-            </a:r>
-          </a:p>
-          <a:p>
-            <a:pPr lvl="1"/>
-            <a:r>
-              <a:rPr lang="en-US" dirty="0"/>
-              <a:t>Conditional Expressions </a:t>
-            </a:r>
-          </a:p>
-          <a:p>
-            <a:pPr lvl="1"/>
-            <a:r>
-              <a:rPr lang="en-US" dirty="0"/>
-              <a:t>Functional Expressions </a:t>
-            </a:r>
-          </a:p>
-          <a:p>
-            <a:pPr lvl="1"/>
+              <a:t>Find entity by primary key using </a:t>
+            </a:r>
             <a:r>
               <a:rPr lang="en-US" dirty="0" err="1"/>
-              <a:t>Subqueries</a:t>
+              <a:t>EntityManager</a:t>
             </a:r>
             <a:r>
               <a:rPr lang="en-US" dirty="0"/>
@@ -56767,10 +55913,69 @@
             </a:r>
           </a:p>
           <a:p>
+            <a:r>
+              <a:rPr lang="en-US" dirty="0"/>
+              <a:t>For complex queries use</a:t>
+            </a:r>
+          </a:p>
+          <a:p>
             <a:pPr lvl="1"/>
             <a:r>
               <a:rPr lang="en-US" dirty="0"/>
-              <a:t>Order by, group by, having</a:t>
+              <a:t>Java Persistence Query Language (JPQL) or Hibernate Query Language (HQL)</a:t>
+            </a:r>
+          </a:p>
+          <a:p>
+            <a:pPr lvl="1"/>
+            <a:r>
+              <a:rPr lang="en-US" dirty="0"/>
+              <a:t>Both are object model focused query languages similar in nature to SQL. JPQL is a heavily-inspired-by subset of HQL. A JPQL query is always a valid HQL query, the reverse is not true however. </a:t>
+            </a:r>
+          </a:p>
+          <a:p>
+            <a:pPr lvl="1"/>
+            <a:r>
+              <a:rPr lang="en-US" dirty="0"/>
+              <a:t>Criteria API </a:t>
+            </a:r>
+          </a:p>
+          <a:p>
+            <a:pPr lvl="1"/>
+            <a:r>
+              <a:rPr lang="en-US" dirty="0"/>
+              <a:t>Native Queries </a:t>
+            </a:r>
+          </a:p>
+          <a:p>
+            <a:r>
+              <a:rPr lang="en-US" dirty="0" err="1"/>
+              <a:t>EntityManager</a:t>
+            </a:r>
+            <a:r>
+              <a:rPr lang="en-US" dirty="0"/>
+              <a:t> provides methods for creating Query objects </a:t>
+            </a:r>
+          </a:p>
+          <a:p>
+            <a:pPr lvl="1"/>
+            <a:r>
+              <a:rPr lang="en-US" dirty="0" err="1"/>
+              <a:t>createQuery</a:t>
+            </a:r>
+            <a:r>
+              <a:rPr lang="en-US" dirty="0"/>
+              <a:t> </a:t>
+            </a:r>
+          </a:p>
+          <a:p>
+            <a:pPr lvl="1"/>
+            <a:r>
+              <a:rPr lang="en-US" dirty="0" err="1"/>
+              <a:t>createNativeQuery</a:t>
+            </a:r>
+            <a:r>
+              <a:rPr lang="en-US" dirty="0"/>
+              <a:t> (using plain SQL - not recommended)</a:t>
             </a:r>
           </a:p>
           <a:p>
@@ -56786,7 +55991,7 @@
     </p:spTree>
     <p:extLst>
       <p:ext uri="{BB962C8B-B14F-4D97-AF65-F5344CB8AC3E}">
-        <p14:creationId xmlns:p14="http://schemas.microsoft.com/office/powerpoint/2010/main" val="3134159792"/>
+        <p14:creationId xmlns:p14="http://schemas.microsoft.com/office/powerpoint/2010/main" val="2004330454"/>
       </p:ext>
     </p:extLst>
   </p:cSld>
@@ -56847,41 +56052,129 @@
               <a:defRPr/>
             </a:pPr>
             <a:r>
-              <a:rPr lang="en-US" sz="3200" dirty="0" smtClean="0"/>
-              <a:t>HQL</a:t>
+              <a:rPr lang="en-US" sz="3200" dirty="0"/>
+              <a:t>JPQL/HQL</a:t>
             </a:r>
             <a:endParaRPr sz="3200" dirty="0"/>
           </a:p>
         </p:txBody>
       </p:sp>
-      <p:pic>
-        <p:nvPicPr>
-          <p:cNvPr id="4" name="Picture 3"/>
-          <p:cNvPicPr>
-            <a:picLocks noChangeAspect="1"/>
-          </p:cNvPicPr>
-          <p:nvPr/>
-        </p:nvPicPr>
-        <p:blipFill>
-          <a:blip r:embed="rId3"/>
-          <a:stretch>
-            <a:fillRect/>
-          </a:stretch>
-        </p:blipFill>
+      <p:sp>
+        <p:nvSpPr>
+          <p:cNvPr id="32771" name="Text Placeholder 2"/>
+          <p:cNvSpPr>
+            <a:spLocks noGrp="1"/>
+          </p:cNvSpPr>
+          <p:nvPr>
+            <p:ph type="body" sz="quarter" idx="16"/>
+          </p:nvPr>
+        </p:nvSpPr>
         <p:spPr>
           <a:xfrm>
-            <a:off x="766973" y="1558180"/>
-            <a:ext cx="6800850" cy="4162425"/>
+            <a:off x="457200" y="1360488"/>
+            <a:ext cx="8240713" cy="4759757"/>
           </a:xfrm>
-          <a:prstGeom prst="rect">
-            <a:avLst/>
-          </a:prstGeom>
         </p:spPr>
-      </p:pic>
+        <p:txBody>
+          <a:bodyPr/>
+          <a:lstStyle/>
+          <a:p>
+            <a:r>
+              <a:rPr lang="en-US" dirty="0"/>
+              <a:t>Similar to SQL </a:t>
+            </a:r>
+          </a:p>
+          <a:p>
+            <a:r>
+              <a:rPr lang="en-US" dirty="0"/>
+              <a:t>Works with entities as defined in the application and </a:t>
+            </a:r>
+            <a:r>
+              <a:rPr lang="en-US" b="1" dirty="0"/>
+              <a:t>not</a:t>
+            </a:r>
+            <a:r>
+              <a:rPr lang="en-US" dirty="0"/>
+              <a:t> with SQL table names and attribute names </a:t>
+            </a:r>
+          </a:p>
+          <a:p>
+            <a:r>
+              <a:rPr lang="en-US" dirty="0"/>
+              <a:t>Portable (they abstract from vendor-specific SQL) </a:t>
+            </a:r>
+          </a:p>
+          <a:p>
+            <a:r>
+              <a:rPr lang="en-US" dirty="0"/>
+              <a:t>Returns entities (no need to worry about result sets and their manual conversion to POJOs) </a:t>
+            </a:r>
+          </a:p>
+          <a:p>
+            <a:r>
+              <a:rPr lang="en-US" dirty="0"/>
+              <a:t>Select, update, delete </a:t>
+            </a:r>
+          </a:p>
+          <a:p>
+            <a:r>
+              <a:rPr lang="en-US" dirty="0"/>
+              <a:t>Support for:</a:t>
+            </a:r>
+          </a:p>
+          <a:p>
+            <a:pPr lvl="1"/>
+            <a:r>
+              <a:rPr lang="en-US" dirty="0"/>
+              <a:t>Joins </a:t>
+            </a:r>
+          </a:p>
+          <a:p>
+            <a:pPr lvl="1"/>
+            <a:r>
+              <a:rPr lang="en-US" dirty="0"/>
+              <a:t>Conditional Expressions </a:t>
+            </a:r>
+          </a:p>
+          <a:p>
+            <a:pPr lvl="1"/>
+            <a:r>
+              <a:rPr lang="en-US" dirty="0"/>
+              <a:t>Functional Expressions </a:t>
+            </a:r>
+          </a:p>
+          <a:p>
+            <a:pPr lvl="1"/>
+            <a:r>
+              <a:rPr lang="en-US" dirty="0" err="1"/>
+              <a:t>Subqueries</a:t>
+            </a:r>
+            <a:r>
+              <a:rPr lang="en-US" dirty="0"/>
+              <a:t> </a:t>
+            </a:r>
+          </a:p>
+          <a:p>
+            <a:pPr lvl="1"/>
+            <a:r>
+              <a:rPr lang="en-US" dirty="0"/>
+              <a:t>Order by, group by, having</a:t>
+            </a:r>
+          </a:p>
+          <a:p>
+            <a:pPr marL="0" indent="0">
+              <a:buNone/>
+            </a:pPr>
+            <a:endParaRPr lang="pt-BR" dirty="0" smtClean="0">
+              <a:cs typeface="Arial" charset="0"/>
+            </a:endParaRPr>
+          </a:p>
+        </p:txBody>
+      </p:sp>
     </p:spTree>
     <p:extLst>
       <p:ext uri="{BB962C8B-B14F-4D97-AF65-F5344CB8AC3E}">
-        <p14:creationId xmlns:p14="http://schemas.microsoft.com/office/powerpoint/2010/main" val="2288421103"/>
+        <p14:creationId xmlns:p14="http://schemas.microsoft.com/office/powerpoint/2010/main" val="3134159792"/>
       </p:ext>
     </p:extLst>
   </p:cSld>
@@ -56951,70 +56244,21 @@
       </p:sp>
       <p:pic>
         <p:nvPicPr>
-          <p:cNvPr id="3" name="Picture 2"/>
+          <p:cNvPr id="4" name="Picture 3"/>
           <p:cNvPicPr>
             <a:picLocks noChangeAspect="1"/>
           </p:cNvPicPr>
           <p:nvPr/>
         </p:nvPicPr>
-        <p:blipFill>
+        <p:blipFill rotWithShape="1">
           <a:blip r:embed="rId3"/>
-          <a:stretch>
-            <a:fillRect/>
-          </a:stretch>
+          <a:srcRect b="26428"/>
+          <a:stretch/>
         </p:blipFill>
         <p:spPr>
           <a:xfrm>
-            <a:off x="460375" y="1195640"/>
-            <a:ext cx="7458075" cy="1666875"/>
-          </a:xfrm>
-          <a:prstGeom prst="rect">
-            <a:avLst/>
-          </a:prstGeom>
-        </p:spPr>
-      </p:pic>
-      <p:pic>
-        <p:nvPicPr>
-          <p:cNvPr id="5" name="Picture 4"/>
-          <p:cNvPicPr>
-            <a:picLocks noChangeAspect="1"/>
-          </p:cNvPicPr>
-          <p:nvPr/>
-        </p:nvPicPr>
-        <p:blipFill>
-          <a:blip r:embed="rId4"/>
-          <a:stretch>
-            <a:fillRect/>
-          </a:stretch>
-        </p:blipFill>
-        <p:spPr>
-          <a:xfrm>
-            <a:off x="598558" y="3328917"/>
-            <a:ext cx="6457950" cy="638175"/>
-          </a:xfrm>
-          <a:prstGeom prst="rect">
-            <a:avLst/>
-          </a:prstGeom>
-        </p:spPr>
-      </p:pic>
-      <p:pic>
-        <p:nvPicPr>
-          <p:cNvPr id="6" name="Picture 5"/>
-          <p:cNvPicPr>
-            <a:picLocks noChangeAspect="1"/>
-          </p:cNvPicPr>
-          <p:nvPr/>
-        </p:nvPicPr>
-        <p:blipFill>
-          <a:blip r:embed="rId5"/>
-          <a:stretch>
-            <a:fillRect/>
-          </a:stretch>
-        </p:blipFill>
-        <p:spPr>
-          <a:xfrm>
-            <a:off x="579508" y="4066781"/>
-            <a:ext cx="6496050" cy="733425"/>
+            <a:off x="766973" y="1558181"/>
+            <a:ext cx="6800850" cy="3062372"/>
           </a:xfrm>
           <a:prstGeom prst="rect">
             <a:avLst/>
@@ -57024,7 +56268,7 @@
     </p:spTree>
     <p:extLst>
       <p:ext uri="{BB962C8B-B14F-4D97-AF65-F5344CB8AC3E}">
-        <p14:creationId xmlns:p14="http://schemas.microsoft.com/office/powerpoint/2010/main" val="2337075248"/>
+        <p14:creationId xmlns:p14="http://schemas.microsoft.com/office/powerpoint/2010/main" val="2288421103"/>
       </p:ext>
     </p:extLst>
   </p:cSld>
@@ -57094,22 +56338,21 @@
       </p:sp>
       <p:pic>
         <p:nvPicPr>
-          <p:cNvPr id="4" name="Picture 3"/>
+          <p:cNvPr id="3" name="Picture 2"/>
           <p:cNvPicPr>
             <a:picLocks noChangeAspect="1"/>
           </p:cNvPicPr>
           <p:nvPr/>
         </p:nvPicPr>
-        <p:blipFill>
+        <p:blipFill rotWithShape="1">
           <a:blip r:embed="rId3"/>
-          <a:stretch>
-            <a:fillRect/>
-          </a:stretch>
+          <a:srcRect t="5944"/>
+          <a:stretch/>
         </p:blipFill>
         <p:spPr>
           <a:xfrm>
-            <a:off x="614741" y="1680151"/>
-            <a:ext cx="6457950" cy="1895475"/>
+            <a:off x="460375" y="1294726"/>
+            <a:ext cx="7458075" cy="1567789"/>
           </a:xfrm>
           <a:prstGeom prst="rect">
             <a:avLst/>
@@ -57118,7 +56361,7 @@
       </p:pic>
       <p:pic>
         <p:nvPicPr>
-          <p:cNvPr id="7" name="Picture 6"/>
+          <p:cNvPr id="5" name="Picture 4"/>
           <p:cNvPicPr>
             <a:picLocks noChangeAspect="1"/>
           </p:cNvPicPr>
@@ -57132,8 +56375,32 @@
         </p:blipFill>
         <p:spPr>
           <a:xfrm>
-            <a:off x="700466" y="4278031"/>
-            <a:ext cx="6372225" cy="600075"/>
+            <a:off x="617608" y="3250756"/>
+            <a:ext cx="6457950" cy="638175"/>
+          </a:xfrm>
+          <a:prstGeom prst="rect">
+            <a:avLst/>
+          </a:prstGeom>
+        </p:spPr>
+      </p:pic>
+      <p:pic>
+        <p:nvPicPr>
+          <p:cNvPr id="6" name="Picture 5"/>
+          <p:cNvPicPr>
+            <a:picLocks noChangeAspect="1"/>
+          </p:cNvPicPr>
+          <p:nvPr/>
+        </p:nvPicPr>
+        <p:blipFill>
+          <a:blip r:embed="rId5"/>
+          <a:stretch>
+            <a:fillRect/>
+          </a:stretch>
+        </p:blipFill>
+        <p:spPr>
+          <a:xfrm>
+            <a:off x="579508" y="4430923"/>
+            <a:ext cx="6496050" cy="733425"/>
           </a:xfrm>
           <a:prstGeom prst="rect">
             <a:avLst/>
@@ -57143,7 +56410,7 @@
     </p:spTree>
     <p:extLst>
       <p:ext uri="{BB962C8B-B14F-4D97-AF65-F5344CB8AC3E}">
-        <p14:creationId xmlns:p14="http://schemas.microsoft.com/office/powerpoint/2010/main" val="1270136464"/>
+        <p14:creationId xmlns:p14="http://schemas.microsoft.com/office/powerpoint/2010/main" val="2337075248"/>
       </p:ext>
     </p:extLst>
   </p:cSld>
@@ -57324,7 +56591,7 @@
       </p:sp>
       <p:pic>
         <p:nvPicPr>
-          <p:cNvPr id="6" name="Picture 5"/>
+          <p:cNvPr id="4" name="Picture 3"/>
           <p:cNvPicPr>
             <a:picLocks noChangeAspect="1"/>
           </p:cNvPicPr>
@@ -57338,8 +56605,32 @@
         </p:blipFill>
         <p:spPr>
           <a:xfrm>
-            <a:off x="1176970" y="2357690"/>
-            <a:ext cx="6496050" cy="3305175"/>
+            <a:off x="614741" y="1680151"/>
+            <a:ext cx="6457950" cy="1895475"/>
+          </a:xfrm>
+          <a:prstGeom prst="rect">
+            <a:avLst/>
+          </a:prstGeom>
+        </p:spPr>
+      </p:pic>
+      <p:pic>
+        <p:nvPicPr>
+          <p:cNvPr id="7" name="Picture 6"/>
+          <p:cNvPicPr>
+            <a:picLocks noChangeAspect="1"/>
+          </p:cNvPicPr>
+          <p:nvPr/>
+        </p:nvPicPr>
+        <p:blipFill>
+          <a:blip r:embed="rId4"/>
+          <a:stretch>
+            <a:fillRect/>
+          </a:stretch>
+        </p:blipFill>
+        <p:spPr>
+          <a:xfrm>
+            <a:off x="700466" y="4278031"/>
+            <a:ext cx="6372225" cy="600075"/>
           </a:xfrm>
           <a:prstGeom prst="rect">
             <a:avLst/>
@@ -57349,7 +56640,7 @@
     </p:spTree>
     <p:extLst>
       <p:ext uri="{BB962C8B-B14F-4D97-AF65-F5344CB8AC3E}">
-        <p14:creationId xmlns:p14="http://schemas.microsoft.com/office/powerpoint/2010/main" val="1905057222"/>
+        <p14:creationId xmlns:p14="http://schemas.microsoft.com/office/powerpoint/2010/main" val="1270136464"/>
       </p:ext>
     </p:extLst>
   </p:cSld>
@@ -57410,93 +56701,41 @@
               <a:defRPr/>
             </a:pPr>
             <a:r>
-              <a:rPr lang="en-US" sz="3200" dirty="0"/>
-              <a:t>Querying Entities with JPQL</a:t>
+              <a:rPr lang="en-US" sz="3200" dirty="0" smtClean="0"/>
+              <a:t>HQL</a:t>
             </a:r>
             <a:endParaRPr sz="3200" dirty="0"/>
           </a:p>
         </p:txBody>
       </p:sp>
-      <p:sp>
-        <p:nvSpPr>
-          <p:cNvPr id="32771" name="Text Placeholder 2"/>
-          <p:cNvSpPr>
-            <a:spLocks noGrp="1"/>
-          </p:cNvSpPr>
-          <p:nvPr>
-            <p:ph type="body" sz="quarter" idx="16"/>
-          </p:nvPr>
-        </p:nvSpPr>
+      <p:pic>
+        <p:nvPicPr>
+          <p:cNvPr id="6" name="Picture 5"/>
+          <p:cNvPicPr>
+            <a:picLocks noChangeAspect="1"/>
+          </p:cNvPicPr>
+          <p:nvPr/>
+        </p:nvPicPr>
+        <p:blipFill>
+          <a:blip r:embed="rId3"/>
+          <a:stretch>
+            <a:fillRect/>
+          </a:stretch>
+        </p:blipFill>
         <p:spPr>
           <a:xfrm>
-            <a:off x="457200" y="1360488"/>
-            <a:ext cx="8240713" cy="4666239"/>
+            <a:off x="363411" y="1483750"/>
+            <a:ext cx="8423527" cy="4285871"/>
           </a:xfrm>
+          <a:prstGeom prst="rect">
+            <a:avLst/>
+          </a:prstGeom>
         </p:spPr>
-        <p:txBody>
-          <a:bodyPr/>
-          <a:lstStyle/>
-          <a:p>
-            <a:endParaRPr lang="en-US" dirty="0" smtClean="0"/>
-          </a:p>
-          <a:p>
-            <a:r>
-              <a:rPr lang="en-US" dirty="0" smtClean="0"/>
-              <a:t>Dynamic </a:t>
-            </a:r>
-            <a:r>
-              <a:rPr lang="en-US" dirty="0"/>
-              <a:t>Query </a:t>
-            </a:r>
-          </a:p>
-          <a:p>
-            <a:pPr lvl="1"/>
-            <a:r>
-              <a:rPr lang="en-US" dirty="0"/>
-              <a:t>Use parameter substitution and do not concatenate the JPQL string with the parameter values</a:t>
-            </a:r>
-          </a:p>
-          <a:p>
-            <a:endParaRPr lang="en-US" dirty="0" smtClean="0"/>
-          </a:p>
-          <a:p>
-            <a:r>
-              <a:rPr lang="en-US" dirty="0" smtClean="0"/>
-              <a:t>Static </a:t>
-            </a:r>
-            <a:r>
-              <a:rPr lang="en-US" dirty="0"/>
-              <a:t>Query </a:t>
-            </a:r>
-          </a:p>
-          <a:p>
-            <a:pPr lvl="1"/>
-            <a:r>
-              <a:rPr lang="en-US" dirty="0"/>
-              <a:t>Named Query </a:t>
-            </a:r>
-          </a:p>
-          <a:p>
-            <a:pPr lvl="1"/>
-            <a:r>
-              <a:rPr lang="en-US" dirty="0"/>
-              <a:t>Recommended, as it may leverage use of query cache</a:t>
-            </a:r>
-          </a:p>
-          <a:p>
-            <a:pPr marL="0" indent="0">
-              <a:buNone/>
-            </a:pPr>
-            <a:endParaRPr lang="pt-BR" dirty="0" smtClean="0">
-              <a:cs typeface="Arial" charset="0"/>
-            </a:endParaRPr>
-          </a:p>
-        </p:txBody>
-      </p:sp>
+      </p:pic>
     </p:spTree>
     <p:extLst>
       <p:ext uri="{BB962C8B-B14F-4D97-AF65-F5344CB8AC3E}">
-        <p14:creationId xmlns:p14="http://schemas.microsoft.com/office/powerpoint/2010/main" val="3134159792"/>
+        <p14:creationId xmlns:p14="http://schemas.microsoft.com/office/powerpoint/2010/main" val="1905057222"/>
       </p:ext>
     </p:extLst>
   </p:cSld>
@@ -57558,7 +56797,7 @@
             </a:pPr>
             <a:r>
               <a:rPr lang="en-US" sz="3200" dirty="0"/>
-              <a:t>Criteria API</a:t>
+              <a:t>Querying Entities with JPQL</a:t>
             </a:r>
             <a:endParaRPr sz="3200" dirty="0"/>
           </a:p>
@@ -57589,11 +56828,18 @@
           <a:p>
             <a:r>
               <a:rPr lang="en-US" dirty="0" smtClean="0"/>
-              <a:t>Alternative </a:t>
+              <a:t>Dynamic </a:t>
             </a:r>
             <a:r>
               <a:rPr lang="en-US" dirty="0"/>
-              <a:t>to JPQL, same scope </a:t>
+              <a:t>Query </a:t>
+            </a:r>
+          </a:p>
+          <a:p>
+            <a:pPr lvl="1"/>
+            <a:r>
+              <a:rPr lang="en-US" dirty="0"/>
+              <a:t>Use parameter substitution and do not concatenate the JPQL string with the parameter values</a:t>
             </a:r>
           </a:p>
           <a:p>
@@ -57602,78 +56848,25 @@
           <a:p>
             <a:r>
               <a:rPr lang="en-US" dirty="0" smtClean="0"/>
-              <a:t>Dynamic </a:t>
+              <a:t>Static </a:t>
             </a:r>
             <a:r>
               <a:rPr lang="en-US" dirty="0"/>
-              <a:t>Queries only </a:t>
-            </a:r>
-          </a:p>
-          <a:p>
-            <a:endParaRPr lang="en-US" dirty="0" smtClean="0"/>
-          </a:p>
-          <a:p>
-            <a:r>
-              <a:rPr lang="en-US" dirty="0" smtClean="0"/>
-              <a:t>Clauses </a:t>
-            </a:r>
+              <a:t>Query </a:t>
+            </a:r>
+          </a:p>
+          <a:p>
+            <a:pPr lvl="1"/>
             <a:r>
               <a:rPr lang="en-US" dirty="0"/>
-              <a:t>are set using Java programming language objects </a:t>
+              <a:t>Named Query </a:t>
             </a:r>
           </a:p>
           <a:p>
             <a:pPr lvl="1"/>
             <a:r>
               <a:rPr lang="en-US" dirty="0"/>
-              <a:t>the query can be created in a </a:t>
-            </a:r>
-            <a:r>
-              <a:rPr lang="en-US" dirty="0" err="1"/>
-              <a:t>typesafe</a:t>
-            </a:r>
-            <a:r>
-              <a:rPr lang="en-US" dirty="0"/>
-              <a:t> manner</a:t>
-            </a:r>
-          </a:p>
-          <a:p>
-            <a:endParaRPr lang="en-US" dirty="0" smtClean="0"/>
-          </a:p>
-          <a:p>
-            <a:r>
-              <a:rPr lang="en-US" dirty="0" smtClean="0"/>
-              <a:t>Obtain </a:t>
-            </a:r>
-            <a:r>
-              <a:rPr lang="en-US" dirty="0"/>
-              <a:t>a </a:t>
-            </a:r>
-            <a:r>
-              <a:rPr lang="en-US" sz="2400" dirty="0" err="1">
-                <a:latin typeface="Consolas" panose="020B0609020204030204" pitchFamily="49" charset="0"/>
-                <a:cs typeface="Consolas" panose="020B0609020204030204" pitchFamily="49" charset="0"/>
-              </a:rPr>
-              <a:t>CriteriaBuilder</a:t>
-            </a:r>
-            <a:r>
-              <a:rPr lang="en-US" sz="2400" dirty="0"/>
-              <a:t> </a:t>
-            </a:r>
-            <a:r>
-              <a:rPr lang="en-US" dirty="0"/>
-              <a:t>instance by using the </a:t>
-            </a:r>
-            <a:r>
-              <a:rPr lang="en-US" sz="2400" dirty="0" err="1">
-                <a:latin typeface="Consolas" panose="020B0609020204030204" pitchFamily="49" charset="0"/>
-                <a:cs typeface="Consolas" panose="020B0609020204030204" pitchFamily="49" charset="0"/>
-              </a:rPr>
-              <a:t>EntityManager.getCriteriaBuilder</a:t>
-            </a:r>
-            <a:r>
-              <a:rPr lang="en-US" dirty="0"/>
-              <a:t> method</a:t>
+              <a:t>Recommended, as it may leverage use of query cache</a:t>
             </a:r>
           </a:p>
           <a:p>
@@ -57750,9 +56943,10 @@
               <a:defRPr/>
             </a:pPr>
             <a:r>
-              <a:rPr lang="en-US" sz="3200" dirty="0" smtClean="0"/>
-              <a:t>Transaction</a:t>
-            </a:r>
+              <a:rPr lang="en-US" sz="3200" dirty="0"/>
+              <a:t>Wrap up </a:t>
+            </a:r>
+            <a:endParaRPr lang="en-US" sz="3200" dirty="0" smtClean="0"/>
           </a:p>
           <a:p>
             <a:pPr fontAlgn="auto">
@@ -57763,11 +56957,11 @@
             </a:pPr>
             <a:r>
               <a:rPr lang="en-US" sz="2000" dirty="0" smtClean="0"/>
-              <a:t>What </a:t>
+              <a:t>Lessons </a:t>
             </a:r>
             <a:r>
               <a:rPr lang="en-US" sz="2000" dirty="0"/>
-              <a:t>exactly makes a database transaction?</a:t>
+              <a:t>learned today</a:t>
             </a:r>
             <a:endParaRPr sz="2000" dirty="0"/>
           </a:p>
@@ -57793,47 +56987,34 @@
           <a:bodyPr/>
           <a:lstStyle/>
           <a:p>
+            <a:endParaRPr lang="en-US" dirty="0" smtClean="0"/>
+          </a:p>
+          <a:p>
+            <a:r>
+              <a:rPr lang="en-US" dirty="0" smtClean="0"/>
+              <a:t>JPA/Hibernate </a:t>
+            </a:r>
             <a:r>
               <a:rPr lang="en-US" dirty="0"/>
-              <a:t>A transaction is a sequence of operations, performed as a single logical unit of work. The single logical unit of work must have four properties in order to qualify it as a transaction. </a:t>
-            </a:r>
-          </a:p>
-          <a:p>
-            <a:endParaRPr lang="en-US" b="1" dirty="0" smtClean="0"/>
-          </a:p>
-          <a:p>
-            <a:r>
-              <a:rPr lang="en-US" b="1" dirty="0" smtClean="0"/>
-              <a:t>Atomicity </a:t>
-            </a:r>
-            <a:endParaRPr lang="en-US" b="1" dirty="0"/>
-          </a:p>
-          <a:p>
-            <a:pPr marL="457200" lvl="1" indent="0">
-              <a:buNone/>
-            </a:pPr>
+              <a:t>provide a powerful ORM feature for Java-based applications </a:t>
+            </a:r>
+          </a:p>
+          <a:p>
+            <a:endParaRPr lang="en-US" dirty="0"/>
+          </a:p>
+          <a:p>
             <a:r>
               <a:rPr lang="en-US" dirty="0"/>
-              <a:t>A transaction must be an atomic unit of work, i.e., all of its data modifications are performed, or no modification is performed at all.</a:t>
-            </a:r>
-          </a:p>
-          <a:p>
-            <a:endParaRPr lang="en-US" b="1" dirty="0" smtClean="0"/>
-          </a:p>
-          <a:p>
-            <a:r>
-              <a:rPr lang="en-US" b="1" dirty="0" smtClean="0"/>
-              <a:t>Consistency </a:t>
-            </a:r>
-            <a:endParaRPr lang="en-US" b="1" dirty="0"/>
-          </a:p>
-          <a:p>
-            <a:pPr marL="457200" lvl="1" indent="0">
-              <a:buNone/>
-            </a:pPr>
+              <a:t>Lot’s of magic happens under the hood - know the data engineering basics first! </a:t>
+            </a:r>
+          </a:p>
+          <a:p>
+            <a:endParaRPr lang="en-US" dirty="0"/>
+          </a:p>
+          <a:p>
             <a:r>
               <a:rPr lang="en-US" dirty="0"/>
-              <a:t>After a transaction is completed, all data must be left in a consistent state. The written data must confirm to the defined rules such as constraints, triggers, cascades, etc. All internal data structures, such as indexes, must be correct at the end of the transaction.</a:t>
+              <a:t>Before putting your persistence layer into production, thoroughly test it using unit test</a:t>
             </a:r>
           </a:p>
           <a:p>
@@ -57849,7 +57030,7 @@
     </p:spTree>
     <p:extLst>
       <p:ext uri="{BB962C8B-B14F-4D97-AF65-F5344CB8AC3E}">
-        <p14:creationId xmlns:p14="http://schemas.microsoft.com/office/powerpoint/2010/main" val="3134159792"/>
+        <p14:creationId xmlns:p14="http://schemas.microsoft.com/office/powerpoint/2010/main" val="314877317"/>
       </p:ext>
     </p:extLst>
   </p:cSld>
@@ -57896,7 +57077,7 @@
         <p:spPr>
           <a:xfrm>
             <a:off x="460375" y="144463"/>
-            <a:ext cx="8229600" cy="1384995"/>
+            <a:ext cx="8229600" cy="892552"/>
           </a:xfrm>
         </p:spPr>
         <p:txBody>
@@ -57911,7 +57092,11 @@
             </a:pPr>
             <a:r>
               <a:rPr lang="en-US" sz="3200" dirty="0"/>
-              <a:t>Transaction</a:t>
+              <a:t>Good </a:t>
+            </a:r>
+            <a:r>
+              <a:rPr lang="en-US" sz="3200" dirty="0" smtClean="0"/>
+              <a:t>Practices</a:t>
             </a:r>
           </a:p>
           <a:p>
@@ -57922,18 +57107,14 @@
               <a:defRPr/>
             </a:pPr>
             <a:r>
+              <a:rPr lang="en-US" sz="2000" dirty="0" smtClean="0"/>
+              <a:t>Making </a:t>
+            </a:r>
+            <a:r>
               <a:rPr lang="en-US" sz="2000" dirty="0"/>
-              <a:t>What exactly makes a database transaction?</a:t>
-            </a:r>
-          </a:p>
-          <a:p>
-            <a:pPr fontAlgn="auto">
-              <a:spcAft>
-                <a:spcPts val="0"/>
-              </a:spcAft>
-              <a:defRPr/>
-            </a:pPr>
-            <a:endParaRPr sz="3200" dirty="0"/>
+              <a:t>your life easier with Hibernate</a:t>
+            </a:r>
+            <a:endParaRPr sz="2000" dirty="0"/>
           </a:p>
         </p:txBody>
       </p:sp>
@@ -57957,22 +57138,48 @@
           <a:bodyPr/>
           <a:lstStyle/>
           <a:p>
+            <a:r>
+              <a:rPr lang="en-US" dirty="0"/>
+              <a:t>Always implement consistently the </a:t>
+            </a:r>
+            <a:r>
+              <a:rPr lang="en-US" dirty="0">
+                <a:latin typeface="Consolas" panose="020B0609020204030204" pitchFamily="49" charset="0"/>
+                <a:cs typeface="Consolas" panose="020B0609020204030204" pitchFamily="49" charset="0"/>
+              </a:rPr>
+              <a:t>equals</a:t>
+            </a:r>
+            <a:r>
+              <a:rPr lang="en-US" dirty="0">
+                <a:cs typeface="Consolas" panose="020B0609020204030204" pitchFamily="49" charset="0"/>
+              </a:rPr>
+              <a:t> and </a:t>
+            </a:r>
+            <a:r>
+              <a:rPr lang="en-US" dirty="0" err="1">
+                <a:latin typeface="Consolas" panose="020B0609020204030204" pitchFamily="49" charset="0"/>
+                <a:cs typeface="Consolas" panose="020B0609020204030204" pitchFamily="49" charset="0"/>
+              </a:rPr>
+              <a:t>hashcode</a:t>
+            </a:r>
+            <a:r>
+              <a:rPr lang="en-US" dirty="0">
+                <a:cs typeface="Consolas" panose="020B0609020204030204" pitchFamily="49" charset="0"/>
+              </a:rPr>
+              <a:t> methods;</a:t>
+            </a:r>
+          </a:p>
+          <a:p>
             <a:endParaRPr lang="en-US" dirty="0" smtClean="0"/>
           </a:p>
           <a:p>
             <a:r>
-              <a:rPr lang="en-US" b="1" dirty="0" smtClean="0"/>
-              <a:t>Isolation </a:t>
-            </a:r>
-            <a:endParaRPr lang="en-US" b="1" dirty="0"/>
-          </a:p>
-          <a:p>
-            <a:pPr marL="457200" lvl="1" indent="0">
-              <a:buNone/>
-            </a:pPr>
+              <a:rPr lang="en-US" dirty="0" smtClean="0"/>
+              <a:t>Make </a:t>
+            </a:r>
             <a:r>
               <a:rPr lang="en-US" dirty="0"/>
-              <a:t>Modifications of a given transaction must be isolated from modifications made by other concurrent transactions. A transaction never recognizes data in an intermediate state, which was potentially caused by another concurrent transaction. </a:t>
+              <a:t>sure not to manually set an ID of an entity;</a:t>
             </a:r>
           </a:p>
           <a:p>
@@ -57980,19 +57187,44 @@
           </a:p>
           <a:p>
             <a:r>
-              <a:rPr lang="en-US" b="1" dirty="0" smtClean="0"/>
-              <a:t>Durability </a:t>
-            </a:r>
-            <a:endParaRPr lang="en-US" b="1" dirty="0"/>
-          </a:p>
-          <a:p>
-            <a:pPr marL="457200" lvl="1" indent="0">
-              <a:buNone/>
-            </a:pPr>
+              <a:rPr lang="en-US" dirty="0" smtClean="0"/>
+              <a:t>Make </a:t>
+            </a:r>
             <a:r>
               <a:rPr lang="en-US" dirty="0"/>
-              <a:t>After a transaction has been completed, its effects are permanently stored in the system. Modifications persist even in the case of a system failure. </a:t>
-            </a:r>
+              <a:t>sure not to manually set a collection instance;</a:t>
+            </a:r>
+          </a:p>
+          <a:p>
+            <a:endParaRPr lang="pt-BR" dirty="0" smtClean="0"/>
+          </a:p>
+          <a:p>
+            <a:r>
+              <a:rPr lang="pt-BR" dirty="0" smtClean="0"/>
+              <a:t>If </a:t>
+            </a:r>
+            <a:r>
+              <a:rPr lang="pt-BR" dirty="0"/>
+              <a:t>possible, always use simple primary keys;</a:t>
+            </a:r>
+          </a:p>
+          <a:p>
+            <a:endParaRPr lang="pt-BR" dirty="0" smtClean="0"/>
+          </a:p>
+          <a:p>
+            <a:r>
+              <a:rPr lang="pt-BR" dirty="0" smtClean="0"/>
+              <a:t>A </a:t>
+            </a:r>
+            <a:r>
+              <a:rPr lang="pt-BR" dirty="0"/>
+              <a:t>method returning a collection should never return </a:t>
+            </a:r>
+            <a:r>
+              <a:rPr lang="pt-BR" dirty="0" smtClean="0"/>
+              <a:t>null.</a:t>
+            </a:r>
+            <a:endParaRPr lang="pt-BR" dirty="0"/>
           </a:p>
           <a:p>
             <a:pPr marL="0" indent="0">
@@ -58025,363 +57257,6 @@
 </file>
 
 <file path=ppt/slides/slide55.xml><?xml version="1.0" encoding="utf-8"?>
-<p:sld xmlns:a="http://schemas.openxmlformats.org/drawingml/2006/main" xmlns:r="http://schemas.openxmlformats.org/officeDocument/2006/relationships" xmlns:p="http://schemas.openxmlformats.org/presentationml/2006/main">
-  <p:cSld>
-    <p:spTree>
-      <p:nvGrpSpPr>
-        <p:cNvPr id="1" name=""/>
-        <p:cNvGrpSpPr/>
-        <p:nvPr/>
-      </p:nvGrpSpPr>
-      <p:grpSpPr>
-        <a:xfrm>
-          <a:off x="0" y="0"/>
-          <a:ext cx="0" cy="0"/>
-          <a:chOff x="0" y="0"/>
-          <a:chExt cx="0" cy="0"/>
-        </a:xfrm>
-      </p:grpSpPr>
-      <p:sp>
-        <p:nvSpPr>
-          <p:cNvPr id="2" name="Text Placeholder 1"/>
-          <p:cNvSpPr>
-            <a:spLocks noGrp="1"/>
-          </p:cNvSpPr>
-          <p:nvPr>
-            <p:ph type="body" sz="quarter" idx="11"/>
-          </p:nvPr>
-        </p:nvSpPr>
-        <p:spPr>
-          <a:xfrm>
-            <a:off x="460375" y="144463"/>
-            <a:ext cx="8229600" cy="892552"/>
-          </a:xfrm>
-        </p:spPr>
-        <p:txBody>
-          <a:bodyPr/>
-          <a:lstStyle/>
-          <a:p>
-            <a:pPr fontAlgn="auto">
-              <a:spcAft>
-                <a:spcPts val="0"/>
-              </a:spcAft>
-              <a:defRPr/>
-            </a:pPr>
-            <a:r>
-              <a:rPr lang="en-US" sz="3200" dirty="0"/>
-              <a:t>Wrap up </a:t>
-            </a:r>
-            <a:endParaRPr lang="en-US" sz="3200" dirty="0" smtClean="0"/>
-          </a:p>
-          <a:p>
-            <a:pPr fontAlgn="auto">
-              <a:spcAft>
-                <a:spcPts val="0"/>
-              </a:spcAft>
-              <a:defRPr/>
-            </a:pPr>
-            <a:r>
-              <a:rPr lang="en-US" sz="2000" dirty="0" smtClean="0"/>
-              <a:t>Lessons </a:t>
-            </a:r>
-            <a:r>
-              <a:rPr lang="en-US" sz="2000" dirty="0"/>
-              <a:t>learned today</a:t>
-            </a:r>
-            <a:endParaRPr sz="2000" dirty="0"/>
-          </a:p>
-        </p:txBody>
-      </p:sp>
-      <p:sp>
-        <p:nvSpPr>
-          <p:cNvPr id="32771" name="Text Placeholder 2"/>
-          <p:cNvSpPr>
-            <a:spLocks noGrp="1"/>
-          </p:cNvSpPr>
-          <p:nvPr>
-            <p:ph type="body" sz="quarter" idx="16"/>
-          </p:nvPr>
-        </p:nvSpPr>
-        <p:spPr>
-          <a:xfrm>
-            <a:off x="457200" y="1360488"/>
-            <a:ext cx="8240713" cy="4666239"/>
-          </a:xfrm>
-        </p:spPr>
-        <p:txBody>
-          <a:bodyPr/>
-          <a:lstStyle/>
-          <a:p>
-            <a:endParaRPr lang="en-US" dirty="0" smtClean="0"/>
-          </a:p>
-          <a:p>
-            <a:r>
-              <a:rPr lang="en-US" dirty="0" smtClean="0"/>
-              <a:t>JPA/Hibernate </a:t>
-            </a:r>
-            <a:r>
-              <a:rPr lang="en-US" dirty="0"/>
-              <a:t>provide a powerful ORM feature for Java-based applications </a:t>
-            </a:r>
-          </a:p>
-          <a:p>
-            <a:endParaRPr lang="en-US" dirty="0"/>
-          </a:p>
-          <a:p>
-            <a:r>
-              <a:rPr lang="en-US" dirty="0"/>
-              <a:t>Lot’s of magic happens under the hood - know the data engineering basics first! </a:t>
-            </a:r>
-          </a:p>
-          <a:p>
-            <a:endParaRPr lang="en-US" dirty="0"/>
-          </a:p>
-          <a:p>
-            <a:r>
-              <a:rPr lang="en-US" dirty="0"/>
-              <a:t>Before putting your persistence layer into production, thoroughly test it using unit test</a:t>
-            </a:r>
-          </a:p>
-          <a:p>
-            <a:pPr marL="0" indent="0">
-              <a:buNone/>
-            </a:pPr>
-            <a:endParaRPr lang="pt-BR" dirty="0" smtClean="0">
-              <a:cs typeface="Arial" charset="0"/>
-            </a:endParaRPr>
-          </a:p>
-        </p:txBody>
-      </p:sp>
-    </p:spTree>
-    <p:extLst>
-      <p:ext uri="{BB962C8B-B14F-4D97-AF65-F5344CB8AC3E}">
-        <p14:creationId xmlns:p14="http://schemas.microsoft.com/office/powerpoint/2010/main" val="314877317"/>
-      </p:ext>
-    </p:extLst>
-  </p:cSld>
-  <p:clrMapOvr>
-    <a:masterClrMapping/>
-  </p:clrMapOvr>
-  <p:timing>
-    <p:tnLst>
-      <p:par>
-        <p:cTn id="1" dur="indefinite" restart="never" nodeType="tmRoot"/>
-      </p:par>
-    </p:tnLst>
-  </p:timing>
-</p:sld>
-</file>
-
-<file path=ppt/slides/slide56.xml><?xml version="1.0" encoding="utf-8"?>
-<p:sld xmlns:a="http://schemas.openxmlformats.org/drawingml/2006/main" xmlns:r="http://schemas.openxmlformats.org/officeDocument/2006/relationships" xmlns:p="http://schemas.openxmlformats.org/presentationml/2006/main">
-  <p:cSld>
-    <p:spTree>
-      <p:nvGrpSpPr>
-        <p:cNvPr id="1" name=""/>
-        <p:cNvGrpSpPr/>
-        <p:nvPr/>
-      </p:nvGrpSpPr>
-      <p:grpSpPr>
-        <a:xfrm>
-          <a:off x="0" y="0"/>
-          <a:ext cx="0" cy="0"/>
-          <a:chOff x="0" y="0"/>
-          <a:chExt cx="0" cy="0"/>
-        </a:xfrm>
-      </p:grpSpPr>
-      <p:sp>
-        <p:nvSpPr>
-          <p:cNvPr id="2" name="Text Placeholder 1"/>
-          <p:cNvSpPr>
-            <a:spLocks noGrp="1"/>
-          </p:cNvSpPr>
-          <p:nvPr>
-            <p:ph type="body" sz="quarter" idx="11"/>
-          </p:nvPr>
-        </p:nvSpPr>
-        <p:spPr>
-          <a:xfrm>
-            <a:off x="460375" y="144463"/>
-            <a:ext cx="8229600" cy="892552"/>
-          </a:xfrm>
-        </p:spPr>
-        <p:txBody>
-          <a:bodyPr/>
-          <a:lstStyle/>
-          <a:p>
-            <a:pPr fontAlgn="auto">
-              <a:spcAft>
-                <a:spcPts val="0"/>
-              </a:spcAft>
-              <a:defRPr/>
-            </a:pPr>
-            <a:r>
-              <a:rPr lang="en-US" sz="3200" dirty="0"/>
-              <a:t>Good </a:t>
-            </a:r>
-            <a:r>
-              <a:rPr lang="en-US" sz="3200" dirty="0" smtClean="0"/>
-              <a:t>Practices</a:t>
-            </a:r>
-          </a:p>
-          <a:p>
-            <a:pPr fontAlgn="auto">
-              <a:spcAft>
-                <a:spcPts val="0"/>
-              </a:spcAft>
-              <a:defRPr/>
-            </a:pPr>
-            <a:r>
-              <a:rPr lang="en-US" sz="2000" dirty="0" smtClean="0"/>
-              <a:t>Making </a:t>
-            </a:r>
-            <a:r>
-              <a:rPr lang="en-US" sz="2000" dirty="0"/>
-              <a:t>your life easier with Hibernate</a:t>
-            </a:r>
-            <a:endParaRPr sz="2000" dirty="0"/>
-          </a:p>
-        </p:txBody>
-      </p:sp>
-      <p:sp>
-        <p:nvSpPr>
-          <p:cNvPr id="32771" name="Text Placeholder 2"/>
-          <p:cNvSpPr>
-            <a:spLocks noGrp="1"/>
-          </p:cNvSpPr>
-          <p:nvPr>
-            <p:ph type="body" sz="quarter" idx="16"/>
-          </p:nvPr>
-        </p:nvSpPr>
-        <p:spPr>
-          <a:xfrm>
-            <a:off x="457200" y="1360488"/>
-            <a:ext cx="8240713" cy="4666239"/>
-          </a:xfrm>
-        </p:spPr>
-        <p:txBody>
-          <a:bodyPr/>
-          <a:lstStyle/>
-          <a:p>
-            <a:r>
-              <a:rPr lang="en-US" dirty="0"/>
-              <a:t>Always implement consistently the </a:t>
-            </a:r>
-            <a:r>
-              <a:rPr lang="en-US" dirty="0">
-                <a:latin typeface="Consolas" panose="020B0609020204030204" pitchFamily="49" charset="0"/>
-                <a:cs typeface="Consolas" panose="020B0609020204030204" pitchFamily="49" charset="0"/>
-              </a:rPr>
-              <a:t>equals</a:t>
-            </a:r>
-            <a:r>
-              <a:rPr lang="en-US" dirty="0">
-                <a:cs typeface="Consolas" panose="020B0609020204030204" pitchFamily="49" charset="0"/>
-              </a:rPr>
-              <a:t> and </a:t>
-            </a:r>
-            <a:r>
-              <a:rPr lang="en-US" dirty="0" err="1">
-                <a:latin typeface="Consolas" panose="020B0609020204030204" pitchFamily="49" charset="0"/>
-                <a:cs typeface="Consolas" panose="020B0609020204030204" pitchFamily="49" charset="0"/>
-              </a:rPr>
-              <a:t>hashcode</a:t>
-            </a:r>
-            <a:r>
-              <a:rPr lang="en-US" dirty="0">
-                <a:cs typeface="Consolas" panose="020B0609020204030204" pitchFamily="49" charset="0"/>
-              </a:rPr>
-              <a:t> methods;</a:t>
-            </a:r>
-          </a:p>
-          <a:p>
-            <a:endParaRPr lang="en-US" dirty="0" smtClean="0"/>
-          </a:p>
-          <a:p>
-            <a:r>
-              <a:rPr lang="en-US" dirty="0" smtClean="0"/>
-              <a:t>Make </a:t>
-            </a:r>
-            <a:r>
-              <a:rPr lang="en-US" dirty="0"/>
-              <a:t>sure not to manually set an ID of an entity;</a:t>
-            </a:r>
-          </a:p>
-          <a:p>
-            <a:endParaRPr lang="en-US" dirty="0" smtClean="0"/>
-          </a:p>
-          <a:p>
-            <a:r>
-              <a:rPr lang="en-US" dirty="0" smtClean="0"/>
-              <a:t>Make </a:t>
-            </a:r>
-            <a:r>
-              <a:rPr lang="en-US" dirty="0"/>
-              <a:t>sure not to manually set a collection instance;</a:t>
-            </a:r>
-          </a:p>
-          <a:p>
-            <a:endParaRPr lang="pt-BR" dirty="0" smtClean="0"/>
-          </a:p>
-          <a:p>
-            <a:r>
-              <a:rPr lang="pt-BR" dirty="0" smtClean="0"/>
-              <a:t>If </a:t>
-            </a:r>
-            <a:r>
-              <a:rPr lang="pt-BR" dirty="0"/>
-              <a:t>possible, always use simple primary keys;</a:t>
-            </a:r>
-          </a:p>
-          <a:p>
-            <a:endParaRPr lang="pt-BR" dirty="0" smtClean="0"/>
-          </a:p>
-          <a:p>
-            <a:r>
-              <a:rPr lang="pt-BR" dirty="0" smtClean="0"/>
-              <a:t>A </a:t>
-            </a:r>
-            <a:r>
-              <a:rPr lang="pt-BR" dirty="0"/>
-              <a:t>method returning a collection should never return </a:t>
-            </a:r>
-            <a:r>
-              <a:rPr lang="pt-BR" dirty="0" smtClean="0"/>
-              <a:t>null.</a:t>
-            </a:r>
-            <a:endParaRPr lang="pt-BR" dirty="0"/>
-          </a:p>
-          <a:p>
-            <a:pPr marL="0" indent="0">
-              <a:buNone/>
-            </a:pPr>
-            <a:endParaRPr lang="pt-BR" dirty="0" smtClean="0">
-              <a:cs typeface="Arial" charset="0"/>
-            </a:endParaRPr>
-          </a:p>
-        </p:txBody>
-      </p:sp>
-    </p:spTree>
-    <p:extLst>
-      <p:ext uri="{BB962C8B-B14F-4D97-AF65-F5344CB8AC3E}">
-        <p14:creationId xmlns:p14="http://schemas.microsoft.com/office/powerpoint/2010/main" val="3134159792"/>
-      </p:ext>
-    </p:extLst>
-  </p:cSld>
-  <p:clrMapOvr>
-    <a:masterClrMapping/>
-  </p:clrMapOvr>
-  <p:timing>
-    <p:tnLst>
-      <p:par>
-        <p:cTn id="1" dur="indefinite" restart="never" nodeType="tmRoot"/>
-      </p:par>
-    </p:tnLst>
-  </p:timing>
-</p:sld>
-</file>
-
-<file path=ppt/slides/slide57.xml><?xml version="1.0" encoding="utf-8"?>
 <p:sld xmlns:a="http://schemas.openxmlformats.org/drawingml/2006/main" xmlns:r="http://schemas.openxmlformats.org/officeDocument/2006/relationships" xmlns:p="http://schemas.openxmlformats.org/presentationml/2006/main">
   <p:cSld>
     <p:spTree>

--- a/Java Persistence API and Hibernate.pptx
+++ b/Java Persistence API and Hibernate.pptx
@@ -13,14 +13,14 @@
   </p:handoutMasterIdLst>
   <p:sldIdLst>
     <p:sldId id="296" r:id="rId3"/>
-    <p:sldId id="354" r:id="rId4"/>
-    <p:sldId id="330" r:id="rId5"/>
-    <p:sldId id="410" r:id="rId6"/>
-    <p:sldId id="411" r:id="rId7"/>
-    <p:sldId id="412" r:id="rId8"/>
-    <p:sldId id="414" r:id="rId9"/>
-    <p:sldId id="413" r:id="rId10"/>
-    <p:sldId id="416" r:id="rId11"/>
+    <p:sldId id="411" r:id="rId4"/>
+    <p:sldId id="412" r:id="rId5"/>
+    <p:sldId id="414" r:id="rId6"/>
+    <p:sldId id="413" r:id="rId7"/>
+    <p:sldId id="471" r:id="rId8"/>
+    <p:sldId id="472" r:id="rId9"/>
+    <p:sldId id="330" r:id="rId10"/>
+    <p:sldId id="470" r:id="rId11"/>
     <p:sldId id="417" r:id="rId12"/>
     <p:sldId id="418" r:id="rId13"/>
     <p:sldId id="420" r:id="rId14"/>
@@ -217,2559 +217,6 @@
 </p:presentation>
 </file>
 
-<file path=ppt/diagrams/colors1.xml><?xml version="1.0" encoding="utf-8"?>
-<dgm:colorsDef xmlns:dgm="http://schemas.openxmlformats.org/drawingml/2006/diagram" xmlns:a="http://schemas.openxmlformats.org/drawingml/2006/main" uniqueId="urn:microsoft.com/office/officeart/2005/8/colors/accent1_2">
-  <dgm:title val=""/>
-  <dgm:desc val=""/>
-  <dgm:catLst>
-    <dgm:cat type="accent1" pri="11200"/>
-  </dgm:catLst>
-  <dgm:styleLbl name="node0">
-    <dgm:fillClrLst meth="repeat">
-      <a:schemeClr val="accent1"/>
-    </dgm:fillClrLst>
-    <dgm:linClrLst meth="repeat">
-      <a:schemeClr val="lt1"/>
-    </dgm:linClrLst>
-    <dgm:effectClrLst/>
-    <dgm:txLinClrLst/>
-    <dgm:txFillClrLst/>
-    <dgm:txEffectClrLst/>
-  </dgm:styleLbl>
-  <dgm:styleLbl name="alignNode1">
-    <dgm:fillClrLst meth="repeat">
-      <a:schemeClr val="accent1"/>
-    </dgm:fillClrLst>
-    <dgm:linClrLst meth="repeat">
-      <a:schemeClr val="accent1"/>
-    </dgm:linClrLst>
-    <dgm:effectClrLst/>
-    <dgm:txLinClrLst/>
-    <dgm:txFillClrLst/>
-    <dgm:txEffectClrLst/>
-  </dgm:styleLbl>
-  <dgm:styleLbl name="node1">
-    <dgm:fillClrLst meth="repeat">
-      <a:schemeClr val="accent1"/>
-    </dgm:fillClrLst>
-    <dgm:linClrLst meth="repeat">
-      <a:schemeClr val="lt1"/>
-    </dgm:linClrLst>
-    <dgm:effectClrLst/>
-    <dgm:txLinClrLst/>
-    <dgm:txFillClrLst/>
-    <dgm:txEffectClrLst/>
-  </dgm:styleLbl>
-  <dgm:styleLbl name="lnNode1">
-    <dgm:fillClrLst meth="repeat">
-      <a:schemeClr val="accent1"/>
-    </dgm:fillClrLst>
-    <dgm:linClrLst meth="repeat">
-      <a:schemeClr val="lt1"/>
-    </dgm:linClrLst>
-    <dgm:effectClrLst/>
-    <dgm:txLinClrLst/>
-    <dgm:txFillClrLst/>
-    <dgm:txEffectClrLst/>
-  </dgm:styleLbl>
-  <dgm:styleLbl name="vennNode1">
-    <dgm:fillClrLst meth="repeat">
-      <a:schemeClr val="accent1">
-        <a:alpha val="50000"/>
-      </a:schemeClr>
-    </dgm:fillClrLst>
-    <dgm:linClrLst meth="repeat">
-      <a:schemeClr val="lt1"/>
-    </dgm:linClrLst>
-    <dgm:effectClrLst/>
-    <dgm:txLinClrLst/>
-    <dgm:txFillClrLst/>
-    <dgm:txEffectClrLst/>
-  </dgm:styleLbl>
-  <dgm:styleLbl name="node2">
-    <dgm:fillClrLst meth="repeat">
-      <a:schemeClr val="accent1"/>
-    </dgm:fillClrLst>
-    <dgm:linClrLst meth="repeat">
-      <a:schemeClr val="lt1"/>
-    </dgm:linClrLst>
-    <dgm:effectClrLst/>
-    <dgm:txLinClrLst/>
-    <dgm:txFillClrLst/>
-    <dgm:txEffectClrLst/>
-  </dgm:styleLbl>
-  <dgm:styleLbl name="node3">
-    <dgm:fillClrLst meth="repeat">
-      <a:schemeClr val="accent1"/>
-    </dgm:fillClrLst>
-    <dgm:linClrLst meth="repeat">
-      <a:schemeClr val="lt1"/>
-    </dgm:linClrLst>
-    <dgm:effectClrLst/>
-    <dgm:txLinClrLst/>
-    <dgm:txFillClrLst/>
-    <dgm:txEffectClrLst/>
-  </dgm:styleLbl>
-  <dgm:styleLbl name="node4">
-    <dgm:fillClrLst meth="repeat">
-      <a:schemeClr val="accent1"/>
-    </dgm:fillClrLst>
-    <dgm:linClrLst meth="repeat">
-      <a:schemeClr val="lt1"/>
-    </dgm:linClrLst>
-    <dgm:effectClrLst/>
-    <dgm:txLinClrLst/>
-    <dgm:txFillClrLst/>
-    <dgm:txEffectClrLst/>
-  </dgm:styleLbl>
-  <dgm:styleLbl name="fgImgPlace1">
-    <dgm:fillClrLst meth="repeat">
-      <a:schemeClr val="accent1">
-        <a:tint val="50000"/>
-      </a:schemeClr>
-    </dgm:fillClrLst>
-    <dgm:linClrLst meth="repeat">
-      <a:schemeClr val="lt1"/>
-    </dgm:linClrLst>
-    <dgm:effectClrLst/>
-    <dgm:txLinClrLst/>
-    <dgm:txFillClrLst meth="repeat">
-      <a:schemeClr val="lt1"/>
-    </dgm:txFillClrLst>
-    <dgm:txEffectClrLst/>
-  </dgm:styleLbl>
-  <dgm:styleLbl name="alignImgPlace1">
-    <dgm:fillClrLst meth="repeat">
-      <a:schemeClr val="accent1">
-        <a:tint val="50000"/>
-      </a:schemeClr>
-    </dgm:fillClrLst>
-    <dgm:linClrLst meth="repeat">
-      <a:schemeClr val="lt1"/>
-    </dgm:linClrLst>
-    <dgm:effectClrLst/>
-    <dgm:txLinClrLst/>
-    <dgm:txFillClrLst meth="repeat">
-      <a:schemeClr val="lt1"/>
-    </dgm:txFillClrLst>
-    <dgm:txEffectClrLst/>
-  </dgm:styleLbl>
-  <dgm:styleLbl name="bgImgPlace1">
-    <dgm:fillClrLst meth="repeat">
-      <a:schemeClr val="accent1">
-        <a:tint val="50000"/>
-      </a:schemeClr>
-    </dgm:fillClrLst>
-    <dgm:linClrLst meth="repeat">
-      <a:schemeClr val="lt1"/>
-    </dgm:linClrLst>
-    <dgm:effectClrLst/>
-    <dgm:txLinClrLst/>
-    <dgm:txFillClrLst meth="repeat">
-      <a:schemeClr val="lt1"/>
-    </dgm:txFillClrLst>
-    <dgm:txEffectClrLst/>
-  </dgm:styleLbl>
-  <dgm:styleLbl name="sibTrans2D1">
-    <dgm:fillClrLst meth="repeat">
-      <a:schemeClr val="accent1">
-        <a:tint val="60000"/>
-      </a:schemeClr>
-    </dgm:fillClrLst>
-    <dgm:linClrLst meth="repeat">
-      <a:schemeClr val="accent1">
-        <a:tint val="60000"/>
-      </a:schemeClr>
-    </dgm:linClrLst>
-    <dgm:effectClrLst/>
-    <dgm:txLinClrLst/>
-    <dgm:txFillClrLst/>
-    <dgm:txEffectClrLst/>
-  </dgm:styleLbl>
-  <dgm:styleLbl name="fgSibTrans2D1">
-    <dgm:fillClrLst meth="repeat">
-      <a:schemeClr val="accent1">
-        <a:tint val="60000"/>
-      </a:schemeClr>
-    </dgm:fillClrLst>
-    <dgm:linClrLst meth="repeat">
-      <a:schemeClr val="accent1">
-        <a:tint val="60000"/>
-      </a:schemeClr>
-    </dgm:linClrLst>
-    <dgm:effectClrLst/>
-    <dgm:txLinClrLst/>
-    <dgm:txFillClrLst/>
-    <dgm:txEffectClrLst/>
-  </dgm:styleLbl>
-  <dgm:styleLbl name="bgSibTrans2D1">
-    <dgm:fillClrLst meth="repeat">
-      <a:schemeClr val="accent1">
-        <a:tint val="60000"/>
-      </a:schemeClr>
-    </dgm:fillClrLst>
-    <dgm:linClrLst meth="repeat">
-      <a:schemeClr val="accent1">
-        <a:tint val="60000"/>
-      </a:schemeClr>
-    </dgm:linClrLst>
-    <dgm:effectClrLst/>
-    <dgm:txLinClrLst/>
-    <dgm:txFillClrLst/>
-    <dgm:txEffectClrLst/>
-  </dgm:styleLbl>
-  <dgm:styleLbl name="sibTrans1D1">
-    <dgm:fillClrLst meth="repeat">
-      <a:schemeClr val="accent1"/>
-    </dgm:fillClrLst>
-    <dgm:linClrLst meth="repeat">
-      <a:schemeClr val="accent1"/>
-    </dgm:linClrLst>
-    <dgm:effectClrLst/>
-    <dgm:txLinClrLst/>
-    <dgm:txFillClrLst meth="repeat">
-      <a:schemeClr val="tx1"/>
-    </dgm:txFillClrLst>
-    <dgm:txEffectClrLst/>
-  </dgm:styleLbl>
-  <dgm:styleLbl name="callout">
-    <dgm:fillClrLst meth="repeat">
-      <a:schemeClr val="accent1"/>
-    </dgm:fillClrLst>
-    <dgm:linClrLst meth="repeat">
-      <a:schemeClr val="accent1">
-        <a:tint val="50000"/>
-      </a:schemeClr>
-    </dgm:linClrLst>
-    <dgm:effectClrLst/>
-    <dgm:txLinClrLst/>
-    <dgm:txFillClrLst meth="repeat">
-      <a:schemeClr val="tx1"/>
-    </dgm:txFillClrLst>
-    <dgm:txEffectClrLst/>
-  </dgm:styleLbl>
-  <dgm:styleLbl name="asst0">
-    <dgm:fillClrLst meth="repeat">
-      <a:schemeClr val="accent1"/>
-    </dgm:fillClrLst>
-    <dgm:linClrLst meth="repeat">
-      <a:schemeClr val="lt1"/>
-    </dgm:linClrLst>
-    <dgm:effectClrLst/>
-    <dgm:txLinClrLst/>
-    <dgm:txFillClrLst/>
-    <dgm:txEffectClrLst/>
-  </dgm:styleLbl>
-  <dgm:styleLbl name="asst1">
-    <dgm:fillClrLst meth="repeat">
-      <a:schemeClr val="accent1"/>
-    </dgm:fillClrLst>
-    <dgm:linClrLst meth="repeat">
-      <a:schemeClr val="lt1"/>
-    </dgm:linClrLst>
-    <dgm:effectClrLst/>
-    <dgm:txLinClrLst/>
-    <dgm:txFillClrLst/>
-    <dgm:txEffectClrLst/>
-  </dgm:styleLbl>
-  <dgm:styleLbl name="asst2">
-    <dgm:fillClrLst meth="repeat">
-      <a:schemeClr val="accent1"/>
-    </dgm:fillClrLst>
-    <dgm:linClrLst meth="repeat">
-      <a:schemeClr val="lt1"/>
-    </dgm:linClrLst>
-    <dgm:effectClrLst/>
-    <dgm:txLinClrLst/>
-    <dgm:txFillClrLst/>
-    <dgm:txEffectClrLst/>
-  </dgm:styleLbl>
-  <dgm:styleLbl name="asst3">
-    <dgm:fillClrLst meth="repeat">
-      <a:schemeClr val="accent1"/>
-    </dgm:fillClrLst>
-    <dgm:linClrLst meth="repeat">
-      <a:schemeClr val="lt1"/>
-    </dgm:linClrLst>
-    <dgm:effectClrLst/>
-    <dgm:txLinClrLst/>
-    <dgm:txFillClrLst/>
-    <dgm:txEffectClrLst/>
-  </dgm:styleLbl>
-  <dgm:styleLbl name="asst4">
-    <dgm:fillClrLst meth="repeat">
-      <a:schemeClr val="accent1"/>
-    </dgm:fillClrLst>
-    <dgm:linClrLst meth="repeat">
-      <a:schemeClr val="lt1"/>
-    </dgm:linClrLst>
-    <dgm:effectClrLst/>
-    <dgm:txLinClrLst/>
-    <dgm:txFillClrLst/>
-    <dgm:txEffectClrLst/>
-  </dgm:styleLbl>
-  <dgm:styleLbl name="parChTrans2D1">
-    <dgm:fillClrLst meth="repeat">
-      <a:schemeClr val="accent1">
-        <a:tint val="60000"/>
-      </a:schemeClr>
-    </dgm:fillClrLst>
-    <dgm:linClrLst meth="repeat">
-      <a:schemeClr val="accent1">
-        <a:tint val="60000"/>
-      </a:schemeClr>
-    </dgm:linClrLst>
-    <dgm:effectClrLst/>
-    <dgm:txLinClrLst/>
-    <dgm:txFillClrLst meth="repeat">
-      <a:schemeClr val="lt1"/>
-    </dgm:txFillClrLst>
-    <dgm:txEffectClrLst/>
-  </dgm:styleLbl>
-  <dgm:styleLbl name="parChTrans2D2">
-    <dgm:fillClrLst meth="repeat">
-      <a:schemeClr val="accent1"/>
-    </dgm:fillClrLst>
-    <dgm:linClrLst meth="repeat">
-      <a:schemeClr val="accent1"/>
-    </dgm:linClrLst>
-    <dgm:effectClrLst/>
-    <dgm:txLinClrLst/>
-    <dgm:txFillClrLst meth="repeat">
-      <a:schemeClr val="lt1"/>
-    </dgm:txFillClrLst>
-    <dgm:txEffectClrLst/>
-  </dgm:styleLbl>
-  <dgm:styleLbl name="parChTrans2D3">
-    <dgm:fillClrLst meth="repeat">
-      <a:schemeClr val="accent1"/>
-    </dgm:fillClrLst>
-    <dgm:linClrLst meth="repeat">
-      <a:schemeClr val="accent1"/>
-    </dgm:linClrLst>
-    <dgm:effectClrLst/>
-    <dgm:txLinClrLst/>
-    <dgm:txFillClrLst meth="repeat">
-      <a:schemeClr val="lt1"/>
-    </dgm:txFillClrLst>
-    <dgm:txEffectClrLst/>
-  </dgm:styleLbl>
-  <dgm:styleLbl name="parChTrans2D4">
-    <dgm:fillClrLst meth="repeat">
-      <a:schemeClr val="accent1"/>
-    </dgm:fillClrLst>
-    <dgm:linClrLst meth="repeat">
-      <a:schemeClr val="accent1"/>
-    </dgm:linClrLst>
-    <dgm:effectClrLst/>
-    <dgm:txLinClrLst/>
-    <dgm:txFillClrLst meth="repeat">
-      <a:schemeClr val="lt1"/>
-    </dgm:txFillClrLst>
-    <dgm:txEffectClrLst/>
-  </dgm:styleLbl>
-  <dgm:styleLbl name="parChTrans1D1">
-    <dgm:fillClrLst meth="repeat">
-      <a:schemeClr val="accent1"/>
-    </dgm:fillClrLst>
-    <dgm:linClrLst meth="repeat">
-      <a:schemeClr val="accent1">
-        <a:shade val="60000"/>
-      </a:schemeClr>
-    </dgm:linClrLst>
-    <dgm:effectClrLst/>
-    <dgm:txLinClrLst/>
-    <dgm:txFillClrLst meth="repeat">
-      <a:schemeClr val="tx1"/>
-    </dgm:txFillClrLst>
-    <dgm:txEffectClrLst/>
-  </dgm:styleLbl>
-  <dgm:styleLbl name="parChTrans1D2">
-    <dgm:fillClrLst meth="repeat">
-      <a:schemeClr val="accent1"/>
-    </dgm:fillClrLst>
-    <dgm:linClrLst meth="repeat">
-      <a:schemeClr val="accent1">
-        <a:shade val="60000"/>
-      </a:schemeClr>
-    </dgm:linClrLst>
-    <dgm:effectClrLst/>
-    <dgm:txLinClrLst/>
-    <dgm:txFillClrLst meth="repeat">
-      <a:schemeClr val="tx1"/>
-    </dgm:txFillClrLst>
-    <dgm:txEffectClrLst/>
-  </dgm:styleLbl>
-  <dgm:styleLbl name="parChTrans1D3">
-    <dgm:fillClrLst meth="repeat">
-      <a:schemeClr val="accent1"/>
-    </dgm:fillClrLst>
-    <dgm:linClrLst meth="repeat">
-      <a:schemeClr val="accent1">
-        <a:shade val="80000"/>
-      </a:schemeClr>
-    </dgm:linClrLst>
-    <dgm:effectClrLst/>
-    <dgm:txLinClrLst/>
-    <dgm:txFillClrLst meth="repeat">
-      <a:schemeClr val="tx1"/>
-    </dgm:txFillClrLst>
-    <dgm:txEffectClrLst/>
-  </dgm:styleLbl>
-  <dgm:styleLbl name="parChTrans1D4">
-    <dgm:fillClrLst meth="repeat">
-      <a:schemeClr val="accent1"/>
-    </dgm:fillClrLst>
-    <dgm:linClrLst meth="repeat">
-      <a:schemeClr val="accent1">
-        <a:shade val="80000"/>
-      </a:schemeClr>
-    </dgm:linClrLst>
-    <dgm:effectClrLst/>
-    <dgm:txLinClrLst/>
-    <dgm:txFillClrLst meth="repeat">
-      <a:schemeClr val="tx1"/>
-    </dgm:txFillClrLst>
-    <dgm:txEffectClrLst/>
-  </dgm:styleLbl>
-  <dgm:styleLbl name="fgAcc1">
-    <dgm:fillClrLst meth="repeat">
-      <a:schemeClr val="lt1">
-        <a:alpha val="90000"/>
-      </a:schemeClr>
-    </dgm:fillClrLst>
-    <dgm:linClrLst meth="repeat">
-      <a:schemeClr val="accent1"/>
-    </dgm:linClrLst>
-    <dgm:effectClrLst/>
-    <dgm:txLinClrLst/>
-    <dgm:txFillClrLst meth="repeat">
-      <a:schemeClr val="dk1"/>
-    </dgm:txFillClrLst>
-    <dgm:txEffectClrLst/>
-  </dgm:styleLbl>
-  <dgm:styleLbl name="conFgAcc1">
-    <dgm:fillClrLst meth="repeat">
-      <a:schemeClr val="lt1">
-        <a:alpha val="90000"/>
-      </a:schemeClr>
-    </dgm:fillClrLst>
-    <dgm:linClrLst meth="repeat">
-      <a:schemeClr val="accent1"/>
-    </dgm:linClrLst>
-    <dgm:effectClrLst/>
-    <dgm:txLinClrLst/>
-    <dgm:txFillClrLst meth="repeat">
-      <a:schemeClr val="dk1"/>
-    </dgm:txFillClrLst>
-    <dgm:txEffectClrLst/>
-  </dgm:styleLbl>
-  <dgm:styleLbl name="alignAcc1">
-    <dgm:fillClrLst meth="repeat">
-      <a:schemeClr val="lt1">
-        <a:alpha val="90000"/>
-      </a:schemeClr>
-    </dgm:fillClrLst>
-    <dgm:linClrLst meth="repeat">
-      <a:schemeClr val="accent1"/>
-    </dgm:linClrLst>
-    <dgm:effectClrLst/>
-    <dgm:txLinClrLst/>
-    <dgm:txFillClrLst meth="repeat">
-      <a:schemeClr val="dk1"/>
-    </dgm:txFillClrLst>
-    <dgm:txEffectClrLst/>
-  </dgm:styleLbl>
-  <dgm:styleLbl name="trAlignAcc1">
-    <dgm:fillClrLst meth="repeat">
-      <a:schemeClr val="lt1">
-        <a:alpha val="40000"/>
-      </a:schemeClr>
-    </dgm:fillClrLst>
-    <dgm:linClrLst meth="repeat">
-      <a:schemeClr val="accent1"/>
-    </dgm:linClrLst>
-    <dgm:effectClrLst/>
-    <dgm:txLinClrLst/>
-    <dgm:txFillClrLst meth="repeat">
-      <a:schemeClr val="dk1"/>
-    </dgm:txFillClrLst>
-    <dgm:txEffectClrLst/>
-  </dgm:styleLbl>
-  <dgm:styleLbl name="bgAcc1">
-    <dgm:fillClrLst meth="repeat">
-      <a:schemeClr val="lt1">
-        <a:alpha val="90000"/>
-      </a:schemeClr>
-    </dgm:fillClrLst>
-    <dgm:linClrLst meth="repeat">
-      <a:schemeClr val="accent1"/>
-    </dgm:linClrLst>
-    <dgm:effectClrLst/>
-    <dgm:txLinClrLst/>
-    <dgm:txFillClrLst meth="repeat">
-      <a:schemeClr val="dk1"/>
-    </dgm:txFillClrLst>
-    <dgm:txEffectClrLst/>
-  </dgm:styleLbl>
-  <dgm:styleLbl name="solidFgAcc1">
-    <dgm:fillClrLst meth="repeat">
-      <a:schemeClr val="lt1"/>
-    </dgm:fillClrLst>
-    <dgm:linClrLst meth="repeat">
-      <a:schemeClr val="accent1"/>
-    </dgm:linClrLst>
-    <dgm:effectClrLst/>
-    <dgm:txLinClrLst/>
-    <dgm:txFillClrLst meth="repeat">
-      <a:schemeClr val="dk1"/>
-    </dgm:txFillClrLst>
-    <dgm:txEffectClrLst/>
-  </dgm:styleLbl>
-  <dgm:styleLbl name="solidAlignAcc1">
-    <dgm:fillClrLst meth="repeat">
-      <a:schemeClr val="lt1"/>
-    </dgm:fillClrLst>
-    <dgm:linClrLst meth="repeat">
-      <a:schemeClr val="accent1"/>
-    </dgm:linClrLst>
-    <dgm:effectClrLst/>
-    <dgm:txLinClrLst/>
-    <dgm:txFillClrLst meth="repeat">
-      <a:schemeClr val="dk1"/>
-    </dgm:txFillClrLst>
-    <dgm:txEffectClrLst/>
-  </dgm:styleLbl>
-  <dgm:styleLbl name="solidBgAcc1">
-    <dgm:fillClrLst meth="repeat">
-      <a:schemeClr val="lt1"/>
-    </dgm:fillClrLst>
-    <dgm:linClrLst meth="repeat">
-      <a:schemeClr val="accent1"/>
-    </dgm:linClrLst>
-    <dgm:effectClrLst/>
-    <dgm:txLinClrLst/>
-    <dgm:txFillClrLst meth="repeat">
-      <a:schemeClr val="dk1"/>
-    </dgm:txFillClrLst>
-    <dgm:txEffectClrLst/>
-  </dgm:styleLbl>
-  <dgm:styleLbl name="fgAccFollowNode1">
-    <dgm:fillClrLst meth="repeat">
-      <a:schemeClr val="accent1">
-        <a:alpha val="90000"/>
-        <a:tint val="40000"/>
-      </a:schemeClr>
-    </dgm:fillClrLst>
-    <dgm:linClrLst meth="repeat">
-      <a:schemeClr val="accent1">
-        <a:alpha val="90000"/>
-        <a:tint val="40000"/>
-      </a:schemeClr>
-    </dgm:linClrLst>
-    <dgm:effectClrLst/>
-    <dgm:txLinClrLst/>
-    <dgm:txFillClrLst meth="repeat">
-      <a:schemeClr val="dk1"/>
-    </dgm:txFillClrLst>
-    <dgm:txEffectClrLst/>
-  </dgm:styleLbl>
-  <dgm:styleLbl name="alignAccFollowNode1">
-    <dgm:fillClrLst meth="repeat">
-      <a:schemeClr val="accent1">
-        <a:alpha val="90000"/>
-        <a:tint val="40000"/>
-      </a:schemeClr>
-    </dgm:fillClrLst>
-    <dgm:linClrLst meth="repeat">
-      <a:schemeClr val="accent1">
-        <a:alpha val="90000"/>
-        <a:tint val="40000"/>
-      </a:schemeClr>
-    </dgm:linClrLst>
-    <dgm:effectClrLst/>
-    <dgm:txLinClrLst/>
-    <dgm:txFillClrLst meth="repeat">
-      <a:schemeClr val="dk1"/>
-    </dgm:txFillClrLst>
-    <dgm:txEffectClrLst/>
-  </dgm:styleLbl>
-  <dgm:styleLbl name="bgAccFollowNode1">
-    <dgm:fillClrLst meth="repeat">
-      <a:schemeClr val="accent1">
-        <a:alpha val="90000"/>
-        <a:tint val="40000"/>
-      </a:schemeClr>
-    </dgm:fillClrLst>
-    <dgm:linClrLst meth="repeat">
-      <a:schemeClr val="accent1">
-        <a:alpha val="90000"/>
-        <a:tint val="40000"/>
-      </a:schemeClr>
-    </dgm:linClrLst>
-    <dgm:effectClrLst/>
-    <dgm:txLinClrLst/>
-    <dgm:txFillClrLst meth="repeat">
-      <a:schemeClr val="dk1"/>
-    </dgm:txFillClrLst>
-    <dgm:txEffectClrLst/>
-  </dgm:styleLbl>
-  <dgm:styleLbl name="fgAcc0">
-    <dgm:fillClrLst meth="repeat">
-      <a:schemeClr val="lt1">
-        <a:alpha val="90000"/>
-      </a:schemeClr>
-    </dgm:fillClrLst>
-    <dgm:linClrLst meth="repeat">
-      <a:schemeClr val="accent1"/>
-    </dgm:linClrLst>
-    <dgm:effectClrLst/>
-    <dgm:txLinClrLst/>
-    <dgm:txFillClrLst meth="repeat">
-      <a:schemeClr val="dk1"/>
-    </dgm:txFillClrLst>
-    <dgm:txEffectClrLst/>
-  </dgm:styleLbl>
-  <dgm:styleLbl name="fgAcc2">
-    <dgm:fillClrLst meth="repeat">
-      <a:schemeClr val="lt1">
-        <a:alpha val="90000"/>
-      </a:schemeClr>
-    </dgm:fillClrLst>
-    <dgm:linClrLst meth="repeat">
-      <a:schemeClr val="accent1"/>
-    </dgm:linClrLst>
-    <dgm:effectClrLst/>
-    <dgm:txLinClrLst/>
-    <dgm:txFillClrLst meth="repeat">
-      <a:schemeClr val="dk1"/>
-    </dgm:txFillClrLst>
-    <dgm:txEffectClrLst/>
-  </dgm:styleLbl>
-  <dgm:styleLbl name="fgAcc3">
-    <dgm:fillClrLst meth="repeat">
-      <a:schemeClr val="lt1">
-        <a:alpha val="90000"/>
-      </a:schemeClr>
-    </dgm:fillClrLst>
-    <dgm:linClrLst meth="repeat">
-      <a:schemeClr val="accent1"/>
-    </dgm:linClrLst>
-    <dgm:effectClrLst/>
-    <dgm:txLinClrLst/>
-    <dgm:txFillClrLst meth="repeat">
-      <a:schemeClr val="dk1"/>
-    </dgm:txFillClrLst>
-    <dgm:txEffectClrLst/>
-  </dgm:styleLbl>
-  <dgm:styleLbl name="fgAcc4">
-    <dgm:fillClrLst meth="repeat">
-      <a:schemeClr val="lt1">
-        <a:alpha val="90000"/>
-      </a:schemeClr>
-    </dgm:fillClrLst>
-    <dgm:linClrLst meth="repeat">
-      <a:schemeClr val="accent1"/>
-    </dgm:linClrLst>
-    <dgm:effectClrLst/>
-    <dgm:txLinClrLst/>
-    <dgm:txFillClrLst meth="repeat">
-      <a:schemeClr val="dk1"/>
-    </dgm:txFillClrLst>
-    <dgm:txEffectClrLst/>
-  </dgm:styleLbl>
-  <dgm:styleLbl name="bgShp">
-    <dgm:fillClrLst meth="repeat">
-      <a:schemeClr val="accent1">
-        <a:tint val="40000"/>
-      </a:schemeClr>
-    </dgm:fillClrLst>
-    <dgm:linClrLst meth="repeat">
-      <a:schemeClr val="accent1"/>
-    </dgm:linClrLst>
-    <dgm:effectClrLst/>
-    <dgm:txLinClrLst/>
-    <dgm:txFillClrLst meth="repeat">
-      <a:schemeClr val="dk1"/>
-    </dgm:txFillClrLst>
-    <dgm:txEffectClrLst/>
-  </dgm:styleLbl>
-  <dgm:styleLbl name="dkBgShp">
-    <dgm:fillClrLst meth="repeat">
-      <a:schemeClr val="accent1">
-        <a:shade val="80000"/>
-      </a:schemeClr>
-    </dgm:fillClrLst>
-    <dgm:linClrLst meth="repeat">
-      <a:schemeClr val="accent1"/>
-    </dgm:linClrLst>
-    <dgm:effectClrLst/>
-    <dgm:txLinClrLst/>
-    <dgm:txFillClrLst meth="repeat">
-      <a:schemeClr val="lt1"/>
-    </dgm:txFillClrLst>
-    <dgm:txEffectClrLst/>
-  </dgm:styleLbl>
-  <dgm:styleLbl name="trBgShp">
-    <dgm:fillClrLst meth="repeat">
-      <a:schemeClr val="accent1">
-        <a:tint val="50000"/>
-        <a:alpha val="40000"/>
-      </a:schemeClr>
-    </dgm:fillClrLst>
-    <dgm:linClrLst meth="repeat">
-      <a:schemeClr val="accent1"/>
-    </dgm:linClrLst>
-    <dgm:effectClrLst/>
-    <dgm:txLinClrLst/>
-    <dgm:txFillClrLst meth="repeat">
-      <a:schemeClr val="lt1"/>
-    </dgm:txFillClrLst>
-    <dgm:txEffectClrLst/>
-  </dgm:styleLbl>
-  <dgm:styleLbl name="fgShp">
-    <dgm:fillClrLst meth="repeat">
-      <a:schemeClr val="accent1">
-        <a:tint val="60000"/>
-      </a:schemeClr>
-    </dgm:fillClrLst>
-    <dgm:linClrLst meth="repeat">
-      <a:schemeClr val="lt1"/>
-    </dgm:linClrLst>
-    <dgm:effectClrLst/>
-    <dgm:txLinClrLst/>
-    <dgm:txFillClrLst meth="repeat">
-      <a:schemeClr val="dk1"/>
-    </dgm:txFillClrLst>
-    <dgm:txEffectClrLst/>
-  </dgm:styleLbl>
-  <dgm:styleLbl name="revTx">
-    <dgm:fillClrLst meth="repeat">
-      <a:schemeClr val="lt1">
-        <a:alpha val="0"/>
-      </a:schemeClr>
-    </dgm:fillClrLst>
-    <dgm:linClrLst meth="repeat">
-      <a:schemeClr val="dk1">
-        <a:alpha val="0"/>
-      </a:schemeClr>
-    </dgm:linClrLst>
-    <dgm:effectClrLst/>
-    <dgm:txLinClrLst/>
-    <dgm:txFillClrLst meth="repeat">
-      <a:schemeClr val="tx1"/>
-    </dgm:txFillClrLst>
-    <dgm:txEffectClrLst/>
-  </dgm:styleLbl>
-</dgm:colorsDef>
-</file>
-
-<file path=ppt/diagrams/data1.xml><?xml version="1.0" encoding="utf-8"?>
-<dgm:dataModel xmlns:dgm="http://schemas.openxmlformats.org/drawingml/2006/diagram" xmlns:a="http://schemas.openxmlformats.org/drawingml/2006/main">
-  <dgm:ptLst>
-    <dgm:pt modelId="{2C5B44CC-4352-43CA-AFCF-A0204BA3BD7F}" type="doc">
-      <dgm:prSet loTypeId="urn:microsoft.com/office/officeart/2005/8/layout/vList2" loCatId="list" qsTypeId="urn:microsoft.com/office/officeart/2005/8/quickstyle/simple1" qsCatId="simple" csTypeId="urn:microsoft.com/office/officeart/2005/8/colors/accent1_2" csCatId="accent1" phldr="1"/>
-      <dgm:spPr/>
-      <dgm:t>
-        <a:bodyPr/>
-        <a:lstStyle/>
-        <a:p>
-          <a:endParaRPr lang="en-US"/>
-        </a:p>
-      </dgm:t>
-    </dgm:pt>
-    <dgm:pt modelId="{79422B78-FDB6-412A-BA0A-C95A6ECE8B27}">
-      <dgm:prSet phldrT="[Text]"/>
-      <dgm:spPr/>
-      <dgm:t>
-        <a:bodyPr/>
-        <a:lstStyle/>
-        <a:p>
-          <a:pPr algn="ctr"/>
-          <a:r>
-            <a:rPr lang="pt-BR" dirty="0" smtClean="0"/>
-            <a:t>Presentation layer</a:t>
-          </a:r>
-          <a:endParaRPr lang="en-US" dirty="0"/>
-        </a:p>
-      </dgm:t>
-    </dgm:pt>
-    <dgm:pt modelId="{4E533774-81EA-4178-A60A-72D83386F08F}" type="sibTrans" cxnId="{E60680C2-BBDA-4DC3-B538-753A2BB62282}">
-      <dgm:prSet/>
-      <dgm:spPr/>
-      <dgm:t>
-        <a:bodyPr/>
-        <a:lstStyle/>
-        <a:p>
-          <a:endParaRPr lang="en-US"/>
-        </a:p>
-      </dgm:t>
-    </dgm:pt>
-    <dgm:pt modelId="{4E9D956C-8D55-44E7-B910-594CA8081B5A}" type="parTrans" cxnId="{E60680C2-BBDA-4DC3-B538-753A2BB62282}">
-      <dgm:prSet/>
-      <dgm:spPr/>
-      <dgm:t>
-        <a:bodyPr/>
-        <a:lstStyle/>
-        <a:p>
-          <a:endParaRPr lang="en-US"/>
-        </a:p>
-      </dgm:t>
-    </dgm:pt>
-    <dgm:pt modelId="{4AEFBA80-F31A-4362-9253-10786BF24062}">
-      <dgm:prSet phldrT="[Text]"/>
-      <dgm:spPr/>
-      <dgm:t>
-        <a:bodyPr/>
-        <a:lstStyle/>
-        <a:p>
-          <a:pPr algn="ctr"/>
-          <a:r>
-            <a:rPr lang="pt-BR" dirty="0" smtClean="0"/>
-            <a:t>User</a:t>
-          </a:r>
-          <a:endParaRPr lang="en-US" dirty="0"/>
-        </a:p>
-      </dgm:t>
-    </dgm:pt>
-    <dgm:pt modelId="{62B03D80-85FE-4943-82E4-8140A620B137}" type="parTrans" cxnId="{626EF9FA-4337-4B2C-8286-645BC48314C8}">
-      <dgm:prSet/>
-      <dgm:spPr/>
-      <dgm:t>
-        <a:bodyPr/>
-        <a:lstStyle/>
-        <a:p>
-          <a:endParaRPr lang="pt-BR"/>
-        </a:p>
-      </dgm:t>
-    </dgm:pt>
-    <dgm:pt modelId="{1D9FE00E-A666-4D61-ABB5-A2A3A15EA90C}" type="sibTrans" cxnId="{626EF9FA-4337-4B2C-8286-645BC48314C8}">
-      <dgm:prSet/>
-      <dgm:spPr/>
-      <dgm:t>
-        <a:bodyPr/>
-        <a:lstStyle/>
-        <a:p>
-          <a:endParaRPr lang="pt-BR"/>
-        </a:p>
-      </dgm:t>
-    </dgm:pt>
-    <dgm:pt modelId="{0DE8B76D-1DDD-417F-A288-03B39AA5F063}">
-      <dgm:prSet phldrT="[Text]"/>
-      <dgm:spPr/>
-      <dgm:t>
-        <a:bodyPr/>
-        <a:lstStyle/>
-        <a:p>
-          <a:r>
-            <a:rPr lang="pt-BR" dirty="0" smtClean="0"/>
-            <a:t>Application logic layer</a:t>
-          </a:r>
-          <a:endParaRPr lang="en-US" dirty="0"/>
-        </a:p>
-      </dgm:t>
-    </dgm:pt>
-    <dgm:pt modelId="{CE0B04F3-EC6A-40E9-93AF-66722BCE1A63}" type="parTrans" cxnId="{6A402E04-61D4-4CA1-B453-C032C90A132C}">
-      <dgm:prSet/>
-      <dgm:spPr/>
-      <dgm:t>
-        <a:bodyPr/>
-        <a:lstStyle/>
-        <a:p>
-          <a:endParaRPr lang="pt-BR"/>
-        </a:p>
-      </dgm:t>
-    </dgm:pt>
-    <dgm:pt modelId="{72613CA9-DB7C-4CD6-922B-F9CC7063CF77}" type="sibTrans" cxnId="{6A402E04-61D4-4CA1-B453-C032C90A132C}">
-      <dgm:prSet/>
-      <dgm:spPr/>
-      <dgm:t>
-        <a:bodyPr/>
-        <a:lstStyle/>
-        <a:p>
-          <a:endParaRPr lang="pt-BR"/>
-        </a:p>
-      </dgm:t>
-    </dgm:pt>
-    <dgm:pt modelId="{D9E4468B-31F5-4CA7-8D41-72E412F4F0F0}">
-      <dgm:prSet phldrT="[Text]"/>
-      <dgm:spPr/>
-      <dgm:t>
-        <a:bodyPr/>
-        <a:lstStyle/>
-        <a:p>
-          <a:r>
-            <a:rPr lang="pt-BR" dirty="0" smtClean="0"/>
-            <a:t>Resource management layer</a:t>
-          </a:r>
-          <a:endParaRPr lang="en-US" dirty="0"/>
-        </a:p>
-      </dgm:t>
-    </dgm:pt>
-    <dgm:pt modelId="{1622F2F1-912F-4165-92A5-16D38AB713C0}" type="parTrans" cxnId="{A18225D9-A6AC-435D-8BFF-DA7D0AFBE2DE}">
-      <dgm:prSet/>
-      <dgm:spPr/>
-      <dgm:t>
-        <a:bodyPr/>
-        <a:lstStyle/>
-        <a:p>
-          <a:endParaRPr lang="pt-BR"/>
-        </a:p>
-      </dgm:t>
-    </dgm:pt>
-    <dgm:pt modelId="{0D836458-8F86-42F4-9D06-CDD0B49AB74B}" type="sibTrans" cxnId="{A18225D9-A6AC-435D-8BFF-DA7D0AFBE2DE}">
-      <dgm:prSet/>
-      <dgm:spPr/>
-      <dgm:t>
-        <a:bodyPr/>
-        <a:lstStyle/>
-        <a:p>
-          <a:endParaRPr lang="pt-BR"/>
-        </a:p>
-      </dgm:t>
-    </dgm:pt>
-    <dgm:pt modelId="{7B6A6211-0883-4C49-BE9F-9CBA54094CA1}" type="pres">
-      <dgm:prSet presAssocID="{2C5B44CC-4352-43CA-AFCF-A0204BA3BD7F}" presName="linear" presStyleCnt="0">
-        <dgm:presLayoutVars>
-          <dgm:animLvl val="lvl"/>
-          <dgm:resizeHandles val="exact"/>
-        </dgm:presLayoutVars>
-      </dgm:prSet>
-      <dgm:spPr/>
-      <dgm:t>
-        <a:bodyPr/>
-        <a:lstStyle/>
-        <a:p>
-          <a:endParaRPr lang="en-US"/>
-        </a:p>
-      </dgm:t>
-    </dgm:pt>
-    <dgm:pt modelId="{F3C7BE9D-5F22-4A8C-9A6B-2BF06E6D7FBC}" type="pres">
-      <dgm:prSet presAssocID="{4AEFBA80-F31A-4362-9253-10786BF24062}" presName="parentText" presStyleLbl="node1" presStyleIdx="0" presStyleCnt="4" custScaleX="84181" custScaleY="28115" custLinFactY="-23259" custLinFactNeighborX="0" custLinFactNeighborY="-100000">
-        <dgm:presLayoutVars>
-          <dgm:chMax val="0"/>
-          <dgm:bulletEnabled val="1"/>
-        </dgm:presLayoutVars>
-      </dgm:prSet>
-      <dgm:spPr/>
-      <dgm:t>
-        <a:bodyPr/>
-        <a:lstStyle/>
-        <a:p>
-          <a:endParaRPr lang="pt-BR"/>
-        </a:p>
-      </dgm:t>
-    </dgm:pt>
-    <dgm:pt modelId="{B8BAEFC6-9345-4725-B75D-93DC042AF226}" type="pres">
-      <dgm:prSet presAssocID="{1D9FE00E-A666-4D61-ABB5-A2A3A15EA90C}" presName="spacer" presStyleCnt="0"/>
-      <dgm:spPr/>
-    </dgm:pt>
-    <dgm:pt modelId="{CC0D16B9-F29A-411A-B8CA-57EE8A5B9BC7}" type="pres">
-      <dgm:prSet presAssocID="{79422B78-FDB6-412A-BA0A-C95A6ECE8B27}" presName="parentText" presStyleLbl="node1" presStyleIdx="1" presStyleCnt="4" custScaleX="84181" custScaleY="28115" custLinFactY="-9162" custLinFactNeighborX="0" custLinFactNeighborY="-100000">
-        <dgm:presLayoutVars>
-          <dgm:chMax val="0"/>
-          <dgm:bulletEnabled val="1"/>
-        </dgm:presLayoutVars>
-      </dgm:prSet>
-      <dgm:spPr/>
-      <dgm:t>
-        <a:bodyPr/>
-        <a:lstStyle/>
-        <a:p>
-          <a:endParaRPr lang="en-US"/>
-        </a:p>
-      </dgm:t>
-    </dgm:pt>
-    <dgm:pt modelId="{0B384F98-A393-4CAB-B96E-A7F35FBA3CC3}" type="pres">
-      <dgm:prSet presAssocID="{4E533774-81EA-4178-A60A-72D83386F08F}" presName="spacer" presStyleCnt="0"/>
-      <dgm:spPr/>
-    </dgm:pt>
-    <dgm:pt modelId="{C4F7877F-58FD-48D6-BE54-D0813D5F9BE2}" type="pres">
-      <dgm:prSet presAssocID="{0DE8B76D-1DDD-417F-A288-03B39AA5F063}" presName="parentText" presStyleLbl="node1" presStyleIdx="2" presStyleCnt="4" custScaleX="84181" custScaleY="28115" custLinFactNeighborX="0" custLinFactNeighborY="324">
-        <dgm:presLayoutVars>
-          <dgm:chMax val="0"/>
-          <dgm:bulletEnabled val="1"/>
-        </dgm:presLayoutVars>
-      </dgm:prSet>
-      <dgm:spPr/>
-      <dgm:t>
-        <a:bodyPr/>
-        <a:lstStyle/>
-        <a:p>
-          <a:endParaRPr lang="pt-BR"/>
-        </a:p>
-      </dgm:t>
-    </dgm:pt>
-    <dgm:pt modelId="{C6AE1FCA-2AF7-421D-A99B-A89472EB5859}" type="pres">
-      <dgm:prSet presAssocID="{72613CA9-DB7C-4CD6-922B-F9CC7063CF77}" presName="spacer" presStyleCnt="0"/>
-      <dgm:spPr/>
-    </dgm:pt>
-    <dgm:pt modelId="{3D69EB43-8145-4111-9FB6-51A6AFBD78E5}" type="pres">
-      <dgm:prSet presAssocID="{D9E4468B-31F5-4CA7-8D41-72E412F4F0F0}" presName="parentText" presStyleLbl="node1" presStyleIdx="3" presStyleCnt="4" custScaleX="84181" custScaleY="28115" custLinFactY="8639" custLinFactNeighborY="100000">
-        <dgm:presLayoutVars>
-          <dgm:chMax val="0"/>
-          <dgm:bulletEnabled val="1"/>
-        </dgm:presLayoutVars>
-      </dgm:prSet>
-      <dgm:spPr/>
-      <dgm:t>
-        <a:bodyPr/>
-        <a:lstStyle/>
-        <a:p>
-          <a:endParaRPr lang="pt-BR"/>
-        </a:p>
-      </dgm:t>
-    </dgm:pt>
-  </dgm:ptLst>
-  <dgm:cxnLst>
-    <dgm:cxn modelId="{626EF9FA-4337-4B2C-8286-645BC48314C8}" srcId="{2C5B44CC-4352-43CA-AFCF-A0204BA3BD7F}" destId="{4AEFBA80-F31A-4362-9253-10786BF24062}" srcOrd="0" destOrd="0" parTransId="{62B03D80-85FE-4943-82E4-8140A620B137}" sibTransId="{1D9FE00E-A666-4D61-ABB5-A2A3A15EA90C}"/>
-    <dgm:cxn modelId="{0F0F1E03-5D26-4D91-8385-7FF59EC7C98E}" type="presOf" srcId="{79422B78-FDB6-412A-BA0A-C95A6ECE8B27}" destId="{CC0D16B9-F29A-411A-B8CA-57EE8A5B9BC7}" srcOrd="0" destOrd="0" presId="urn:microsoft.com/office/officeart/2005/8/layout/vList2"/>
-    <dgm:cxn modelId="{A18225D9-A6AC-435D-8BFF-DA7D0AFBE2DE}" srcId="{2C5B44CC-4352-43CA-AFCF-A0204BA3BD7F}" destId="{D9E4468B-31F5-4CA7-8D41-72E412F4F0F0}" srcOrd="3" destOrd="0" parTransId="{1622F2F1-912F-4165-92A5-16D38AB713C0}" sibTransId="{0D836458-8F86-42F4-9D06-CDD0B49AB74B}"/>
-    <dgm:cxn modelId="{E60680C2-BBDA-4DC3-B538-753A2BB62282}" srcId="{2C5B44CC-4352-43CA-AFCF-A0204BA3BD7F}" destId="{79422B78-FDB6-412A-BA0A-C95A6ECE8B27}" srcOrd="1" destOrd="0" parTransId="{4E9D956C-8D55-44E7-B910-594CA8081B5A}" sibTransId="{4E533774-81EA-4178-A60A-72D83386F08F}"/>
-    <dgm:cxn modelId="{6A402E04-61D4-4CA1-B453-C032C90A132C}" srcId="{2C5B44CC-4352-43CA-AFCF-A0204BA3BD7F}" destId="{0DE8B76D-1DDD-417F-A288-03B39AA5F063}" srcOrd="2" destOrd="0" parTransId="{CE0B04F3-EC6A-40E9-93AF-66722BCE1A63}" sibTransId="{72613CA9-DB7C-4CD6-922B-F9CC7063CF77}"/>
-    <dgm:cxn modelId="{8E1650D7-D7BF-48A5-8E73-A92B30BBD452}" type="presOf" srcId="{0DE8B76D-1DDD-417F-A288-03B39AA5F063}" destId="{C4F7877F-58FD-48D6-BE54-D0813D5F9BE2}" srcOrd="0" destOrd="0" presId="urn:microsoft.com/office/officeart/2005/8/layout/vList2"/>
-    <dgm:cxn modelId="{C982FFE3-1B29-4469-BF26-1FA35A0A9B13}" type="presOf" srcId="{D9E4468B-31F5-4CA7-8D41-72E412F4F0F0}" destId="{3D69EB43-8145-4111-9FB6-51A6AFBD78E5}" srcOrd="0" destOrd="0" presId="urn:microsoft.com/office/officeart/2005/8/layout/vList2"/>
-    <dgm:cxn modelId="{F2E72602-4F74-40E0-B617-B1E5A75A94C1}" type="presOf" srcId="{2C5B44CC-4352-43CA-AFCF-A0204BA3BD7F}" destId="{7B6A6211-0883-4C49-BE9F-9CBA54094CA1}" srcOrd="0" destOrd="0" presId="urn:microsoft.com/office/officeart/2005/8/layout/vList2"/>
-    <dgm:cxn modelId="{323DB641-CF72-44A4-8572-05CE67B8C313}" type="presOf" srcId="{4AEFBA80-F31A-4362-9253-10786BF24062}" destId="{F3C7BE9D-5F22-4A8C-9A6B-2BF06E6D7FBC}" srcOrd="0" destOrd="0" presId="urn:microsoft.com/office/officeart/2005/8/layout/vList2"/>
-    <dgm:cxn modelId="{9AAE0459-DB6B-47A2-AE73-0DD069BCC3FB}" type="presParOf" srcId="{7B6A6211-0883-4C49-BE9F-9CBA54094CA1}" destId="{F3C7BE9D-5F22-4A8C-9A6B-2BF06E6D7FBC}" srcOrd="0" destOrd="0" presId="urn:microsoft.com/office/officeart/2005/8/layout/vList2"/>
-    <dgm:cxn modelId="{95BFE41F-9A17-4566-A6AA-157EDC773518}" type="presParOf" srcId="{7B6A6211-0883-4C49-BE9F-9CBA54094CA1}" destId="{B8BAEFC6-9345-4725-B75D-93DC042AF226}" srcOrd="1" destOrd="0" presId="urn:microsoft.com/office/officeart/2005/8/layout/vList2"/>
-    <dgm:cxn modelId="{9530F028-313B-4C97-AD1D-6DC9FEA8BA08}" type="presParOf" srcId="{7B6A6211-0883-4C49-BE9F-9CBA54094CA1}" destId="{CC0D16B9-F29A-411A-B8CA-57EE8A5B9BC7}" srcOrd="2" destOrd="0" presId="urn:microsoft.com/office/officeart/2005/8/layout/vList2"/>
-    <dgm:cxn modelId="{F7ED0F30-6EF3-4B55-86FB-DA5C05EAA9E3}" type="presParOf" srcId="{7B6A6211-0883-4C49-BE9F-9CBA54094CA1}" destId="{0B384F98-A393-4CAB-B96E-A7F35FBA3CC3}" srcOrd="3" destOrd="0" presId="urn:microsoft.com/office/officeart/2005/8/layout/vList2"/>
-    <dgm:cxn modelId="{F20B4FAE-0FFF-40F5-BDE5-1865BA0A7801}" type="presParOf" srcId="{7B6A6211-0883-4C49-BE9F-9CBA54094CA1}" destId="{C4F7877F-58FD-48D6-BE54-D0813D5F9BE2}" srcOrd="4" destOrd="0" presId="urn:microsoft.com/office/officeart/2005/8/layout/vList2"/>
-    <dgm:cxn modelId="{27777708-5459-44B0-A564-A3CBF384E137}" type="presParOf" srcId="{7B6A6211-0883-4C49-BE9F-9CBA54094CA1}" destId="{C6AE1FCA-2AF7-421D-A99B-A89472EB5859}" srcOrd="5" destOrd="0" presId="urn:microsoft.com/office/officeart/2005/8/layout/vList2"/>
-    <dgm:cxn modelId="{B4A972FC-2E18-4912-B365-AAA83C026A5E}" type="presParOf" srcId="{7B6A6211-0883-4C49-BE9F-9CBA54094CA1}" destId="{3D69EB43-8145-4111-9FB6-51A6AFBD78E5}" srcOrd="6" destOrd="0" presId="urn:microsoft.com/office/officeart/2005/8/layout/vList2"/>
-  </dgm:cxnLst>
-  <dgm:bg/>
-  <dgm:whole/>
-  <dgm:extLst>
-    <a:ext uri="http://schemas.microsoft.com/office/drawing/2008/diagram">
-      <dsp:dataModelExt xmlns:dsp="http://schemas.microsoft.com/office/drawing/2008/diagram" relId="rId7" minVer="http://schemas.openxmlformats.org/drawingml/2006/diagram"/>
-    </a:ext>
-  </dgm:extLst>
-</dgm:dataModel>
-</file>
-
-<file path=ppt/diagrams/drawing1.xml><?xml version="1.0" encoding="utf-8"?>
-<dsp:drawing xmlns:dgm="http://schemas.openxmlformats.org/drawingml/2006/diagram" xmlns:dsp="http://schemas.microsoft.com/office/drawing/2008/diagram" xmlns:a="http://schemas.openxmlformats.org/drawingml/2006/main">
-  <dsp:spTree>
-    <dsp:nvGrpSpPr>
-      <dsp:cNvPr id="0" name=""/>
-      <dsp:cNvGrpSpPr/>
-    </dsp:nvGrpSpPr>
-    <dsp:grpSpPr/>
-    <dsp:sp modelId="{F3C7BE9D-5F22-4A8C-9A6B-2BF06E6D7FBC}">
-      <dsp:nvSpPr>
-        <dsp:cNvPr id="0" name=""/>
-        <dsp:cNvSpPr/>
-      </dsp:nvSpPr>
-      <dsp:spPr>
-        <a:xfrm>
-          <a:off x="287787" y="302594"/>
-          <a:ext cx="3062934" cy="602689"/>
-        </a:xfrm>
-        <a:prstGeom prst="roundRect">
-          <a:avLst/>
-        </a:prstGeom>
-        <a:solidFill>
-          <a:schemeClr val="accent1">
-            <a:hueOff val="0"/>
-            <a:satOff val="0"/>
-            <a:lumOff val="0"/>
-            <a:alphaOff val="0"/>
-          </a:schemeClr>
-        </a:solidFill>
-        <a:ln w="25400" cap="flat" cmpd="sng" algn="ctr">
-          <a:solidFill>
-            <a:schemeClr val="lt1">
-              <a:hueOff val="0"/>
-              <a:satOff val="0"/>
-              <a:lumOff val="0"/>
-              <a:alphaOff val="0"/>
-            </a:schemeClr>
-          </a:solidFill>
-          <a:prstDash val="solid"/>
-        </a:ln>
-        <a:effectLst/>
-      </dsp:spPr>
-      <dsp:style>
-        <a:lnRef idx="2">
-          <a:scrgbClr r="0" g="0" b="0"/>
-        </a:lnRef>
-        <a:fillRef idx="1">
-          <a:scrgbClr r="0" g="0" b="0"/>
-        </a:fillRef>
-        <a:effectRef idx="0">
-          <a:scrgbClr r="0" g="0" b="0"/>
-        </a:effectRef>
-        <a:fontRef idx="minor">
-          <a:schemeClr val="lt1"/>
-        </a:fontRef>
-      </dsp:style>
-      <dsp:txBody>
-        <a:bodyPr spcFirstLastPara="0" vert="horz" wrap="square" lIns="64770" tIns="64770" rIns="64770" bIns="64770" numCol="1" spcCol="1270" anchor="ctr" anchorCtr="0">
-          <a:noAutofit/>
-        </a:bodyPr>
-        <a:lstStyle/>
-        <a:p>
-          <a:pPr lvl="0" algn="ctr" defTabSz="755650">
-            <a:lnSpc>
-              <a:spcPct val="90000"/>
-            </a:lnSpc>
-            <a:spcBef>
-              <a:spcPct val="0"/>
-            </a:spcBef>
-            <a:spcAft>
-              <a:spcPct val="35000"/>
-            </a:spcAft>
-          </a:pPr>
-          <a:r>
-            <a:rPr lang="pt-BR" sz="1700" kern="1200" dirty="0" smtClean="0"/>
-            <a:t>User</a:t>
-          </a:r>
-          <a:endParaRPr lang="en-US" sz="1700" kern="1200" dirty="0"/>
-        </a:p>
-      </dsp:txBody>
-      <dsp:txXfrm>
-        <a:off x="317208" y="332015"/>
-        <a:ext cx="3004092" cy="543847"/>
-      </dsp:txXfrm>
-    </dsp:sp>
-    <dsp:sp modelId="{CC0D16B9-F29A-411A-B8CA-57EE8A5B9BC7}">
-      <dsp:nvSpPr>
-        <dsp:cNvPr id="0" name=""/>
-        <dsp:cNvSpPr/>
-      </dsp:nvSpPr>
-      <dsp:spPr>
-        <a:xfrm>
-          <a:off x="287787" y="1325556"/>
-          <a:ext cx="3062934" cy="602689"/>
-        </a:xfrm>
-        <a:prstGeom prst="roundRect">
-          <a:avLst/>
-        </a:prstGeom>
-        <a:solidFill>
-          <a:schemeClr val="accent1">
-            <a:hueOff val="0"/>
-            <a:satOff val="0"/>
-            <a:lumOff val="0"/>
-            <a:alphaOff val="0"/>
-          </a:schemeClr>
-        </a:solidFill>
-        <a:ln w="25400" cap="flat" cmpd="sng" algn="ctr">
-          <a:solidFill>
-            <a:schemeClr val="lt1">
-              <a:hueOff val="0"/>
-              <a:satOff val="0"/>
-              <a:lumOff val="0"/>
-              <a:alphaOff val="0"/>
-            </a:schemeClr>
-          </a:solidFill>
-          <a:prstDash val="solid"/>
-        </a:ln>
-        <a:effectLst/>
-      </dsp:spPr>
-      <dsp:style>
-        <a:lnRef idx="2">
-          <a:scrgbClr r="0" g="0" b="0"/>
-        </a:lnRef>
-        <a:fillRef idx="1">
-          <a:scrgbClr r="0" g="0" b="0"/>
-        </a:fillRef>
-        <a:effectRef idx="0">
-          <a:scrgbClr r="0" g="0" b="0"/>
-        </a:effectRef>
-        <a:fontRef idx="minor">
-          <a:schemeClr val="lt1"/>
-        </a:fontRef>
-      </dsp:style>
-      <dsp:txBody>
-        <a:bodyPr spcFirstLastPara="0" vert="horz" wrap="square" lIns="64770" tIns="64770" rIns="64770" bIns="64770" numCol="1" spcCol="1270" anchor="ctr" anchorCtr="0">
-          <a:noAutofit/>
-        </a:bodyPr>
-        <a:lstStyle/>
-        <a:p>
-          <a:pPr lvl="0" algn="ctr" defTabSz="755650">
-            <a:lnSpc>
-              <a:spcPct val="90000"/>
-            </a:lnSpc>
-            <a:spcBef>
-              <a:spcPct val="0"/>
-            </a:spcBef>
-            <a:spcAft>
-              <a:spcPct val="35000"/>
-            </a:spcAft>
-          </a:pPr>
-          <a:r>
-            <a:rPr lang="pt-BR" sz="1700" kern="1200" dirty="0" smtClean="0"/>
-            <a:t>Presentation layer</a:t>
-          </a:r>
-          <a:endParaRPr lang="en-US" sz="1700" kern="1200" dirty="0"/>
-        </a:p>
-      </dsp:txBody>
-      <dsp:txXfrm>
-        <a:off x="317208" y="1354977"/>
-        <a:ext cx="3004092" cy="543847"/>
-      </dsp:txXfrm>
-    </dsp:sp>
-    <dsp:sp modelId="{C4F7877F-58FD-48D6-BE54-D0813D5F9BE2}">
-      <dsp:nvSpPr>
-        <dsp:cNvPr id="0" name=""/>
-        <dsp:cNvSpPr/>
-      </dsp:nvSpPr>
-      <dsp:spPr>
-        <a:xfrm>
-          <a:off x="287787" y="2361190"/>
-          <a:ext cx="3062934" cy="602689"/>
-        </a:xfrm>
-        <a:prstGeom prst="roundRect">
-          <a:avLst/>
-        </a:prstGeom>
-        <a:solidFill>
-          <a:schemeClr val="accent1">
-            <a:hueOff val="0"/>
-            <a:satOff val="0"/>
-            <a:lumOff val="0"/>
-            <a:alphaOff val="0"/>
-          </a:schemeClr>
-        </a:solidFill>
-        <a:ln w="25400" cap="flat" cmpd="sng" algn="ctr">
-          <a:solidFill>
-            <a:schemeClr val="lt1">
-              <a:hueOff val="0"/>
-              <a:satOff val="0"/>
-              <a:lumOff val="0"/>
-              <a:alphaOff val="0"/>
-            </a:schemeClr>
-          </a:solidFill>
-          <a:prstDash val="solid"/>
-        </a:ln>
-        <a:effectLst/>
-      </dsp:spPr>
-      <dsp:style>
-        <a:lnRef idx="2">
-          <a:scrgbClr r="0" g="0" b="0"/>
-        </a:lnRef>
-        <a:fillRef idx="1">
-          <a:scrgbClr r="0" g="0" b="0"/>
-        </a:fillRef>
-        <a:effectRef idx="0">
-          <a:scrgbClr r="0" g="0" b="0"/>
-        </a:effectRef>
-        <a:fontRef idx="minor">
-          <a:schemeClr val="lt1"/>
-        </a:fontRef>
-      </dsp:style>
-      <dsp:txBody>
-        <a:bodyPr spcFirstLastPara="0" vert="horz" wrap="square" lIns="64770" tIns="64770" rIns="64770" bIns="64770" numCol="1" spcCol="1270" anchor="ctr" anchorCtr="0">
-          <a:noAutofit/>
-        </a:bodyPr>
-        <a:lstStyle/>
-        <a:p>
-          <a:pPr lvl="0" algn="l" defTabSz="755650">
-            <a:lnSpc>
-              <a:spcPct val="90000"/>
-            </a:lnSpc>
-            <a:spcBef>
-              <a:spcPct val="0"/>
-            </a:spcBef>
-            <a:spcAft>
-              <a:spcPct val="35000"/>
-            </a:spcAft>
-          </a:pPr>
-          <a:r>
-            <a:rPr lang="pt-BR" sz="1700" kern="1200" dirty="0" smtClean="0"/>
-            <a:t>Application logic layer</a:t>
-          </a:r>
-          <a:endParaRPr lang="en-US" sz="1700" kern="1200" dirty="0"/>
-        </a:p>
-      </dsp:txBody>
-      <dsp:txXfrm>
-        <a:off x="317208" y="2390611"/>
-        <a:ext cx="3004092" cy="543847"/>
-      </dsp:txXfrm>
-    </dsp:sp>
-    <dsp:sp modelId="{3D69EB43-8145-4111-9FB6-51A6AFBD78E5}">
-      <dsp:nvSpPr>
-        <dsp:cNvPr id="0" name=""/>
-        <dsp:cNvSpPr/>
-      </dsp:nvSpPr>
-      <dsp:spPr>
-        <a:xfrm>
-          <a:off x="287787" y="3384848"/>
-          <a:ext cx="3062934" cy="602689"/>
-        </a:xfrm>
-        <a:prstGeom prst="roundRect">
-          <a:avLst/>
-        </a:prstGeom>
-        <a:solidFill>
-          <a:schemeClr val="accent1">
-            <a:hueOff val="0"/>
-            <a:satOff val="0"/>
-            <a:lumOff val="0"/>
-            <a:alphaOff val="0"/>
-          </a:schemeClr>
-        </a:solidFill>
-        <a:ln w="25400" cap="flat" cmpd="sng" algn="ctr">
-          <a:solidFill>
-            <a:schemeClr val="lt1">
-              <a:hueOff val="0"/>
-              <a:satOff val="0"/>
-              <a:lumOff val="0"/>
-              <a:alphaOff val="0"/>
-            </a:schemeClr>
-          </a:solidFill>
-          <a:prstDash val="solid"/>
-        </a:ln>
-        <a:effectLst/>
-      </dsp:spPr>
-      <dsp:style>
-        <a:lnRef idx="2">
-          <a:scrgbClr r="0" g="0" b="0"/>
-        </a:lnRef>
-        <a:fillRef idx="1">
-          <a:scrgbClr r="0" g="0" b="0"/>
-        </a:fillRef>
-        <a:effectRef idx="0">
-          <a:scrgbClr r="0" g="0" b="0"/>
-        </a:effectRef>
-        <a:fontRef idx="minor">
-          <a:schemeClr val="lt1"/>
-        </a:fontRef>
-      </dsp:style>
-      <dsp:txBody>
-        <a:bodyPr spcFirstLastPara="0" vert="horz" wrap="square" lIns="64770" tIns="64770" rIns="64770" bIns="64770" numCol="1" spcCol="1270" anchor="ctr" anchorCtr="0">
-          <a:noAutofit/>
-        </a:bodyPr>
-        <a:lstStyle/>
-        <a:p>
-          <a:pPr lvl="0" algn="l" defTabSz="755650">
-            <a:lnSpc>
-              <a:spcPct val="90000"/>
-            </a:lnSpc>
-            <a:spcBef>
-              <a:spcPct val="0"/>
-            </a:spcBef>
-            <a:spcAft>
-              <a:spcPct val="35000"/>
-            </a:spcAft>
-          </a:pPr>
-          <a:r>
-            <a:rPr lang="pt-BR" sz="1700" kern="1200" dirty="0" smtClean="0"/>
-            <a:t>Resource management layer</a:t>
-          </a:r>
-          <a:endParaRPr lang="en-US" sz="1700" kern="1200" dirty="0"/>
-        </a:p>
-      </dsp:txBody>
-      <dsp:txXfrm>
-        <a:off x="317208" y="3414269"/>
-        <a:ext cx="3004092" cy="543847"/>
-      </dsp:txXfrm>
-    </dsp:sp>
-  </dsp:spTree>
-</dsp:drawing>
-</file>
-
-<file path=ppt/diagrams/layout1.xml><?xml version="1.0" encoding="utf-8"?>
-<dgm:layoutDef xmlns:dgm="http://schemas.openxmlformats.org/drawingml/2006/diagram" xmlns:a="http://schemas.openxmlformats.org/drawingml/2006/main" uniqueId="urn:microsoft.com/office/officeart/2005/8/layout/vList2">
-  <dgm:title val=""/>
-  <dgm:desc val=""/>
-  <dgm:catLst>
-    <dgm:cat type="list" pri="3000"/>
-    <dgm:cat type="convert" pri="1000"/>
-  </dgm:catLst>
-  <dgm:sampData>
-    <dgm:dataModel>
-      <dgm:ptLst>
-        <dgm:pt modelId="0" type="doc"/>
-        <dgm:pt modelId="1">
-          <dgm:prSet phldr="1"/>
-        </dgm:pt>
-        <dgm:pt modelId="11">
-          <dgm:prSet phldr="1"/>
-        </dgm:pt>
-        <dgm:pt modelId="2">
-          <dgm:prSet phldr="1"/>
-        </dgm:pt>
-        <dgm:pt modelId="21">
-          <dgm:prSet phldr="1"/>
-        </dgm:pt>
-      </dgm:ptLst>
-      <dgm:cxnLst>
-        <dgm:cxn modelId="4" srcId="0" destId="1" srcOrd="0" destOrd="0"/>
-        <dgm:cxn modelId="5" srcId="0" destId="2" srcOrd="1" destOrd="0"/>
-        <dgm:cxn modelId="12" srcId="1" destId="11" srcOrd="0" destOrd="0"/>
-        <dgm:cxn modelId="23" srcId="2" destId="21" srcOrd="0" destOrd="0"/>
-      </dgm:cxnLst>
-      <dgm:bg/>
-      <dgm:whole/>
-    </dgm:dataModel>
-  </dgm:sampData>
-  <dgm:styleData>
-    <dgm:dataModel>
-      <dgm:ptLst>
-        <dgm:pt modelId="0" type="doc"/>
-        <dgm:pt modelId="1"/>
-        <dgm:pt modelId="2"/>
-      </dgm:ptLst>
-      <dgm:cxnLst>
-        <dgm:cxn modelId="3" srcId="0" destId="1" srcOrd="0" destOrd="0"/>
-        <dgm:cxn modelId="4" srcId="0" destId="2" srcOrd="1" destOrd="0"/>
-      </dgm:cxnLst>
-      <dgm:bg/>
-      <dgm:whole/>
-    </dgm:dataModel>
-  </dgm:styleData>
-  <dgm:clrData>
-    <dgm:dataModel>
-      <dgm:ptLst>
-        <dgm:pt modelId="0" type="doc"/>
-        <dgm:pt modelId="1"/>
-        <dgm:pt modelId="2"/>
-        <dgm:pt modelId="3"/>
-        <dgm:pt modelId="4"/>
-      </dgm:ptLst>
-      <dgm:cxnLst>
-        <dgm:cxn modelId="5" srcId="0" destId="1" srcOrd="0" destOrd="0"/>
-        <dgm:cxn modelId="6" srcId="0" destId="2" srcOrd="1" destOrd="0"/>
-        <dgm:cxn modelId="7" srcId="0" destId="3" srcOrd="2" destOrd="0"/>
-        <dgm:cxn modelId="8" srcId="0" destId="4" srcOrd="3" destOrd="0"/>
-      </dgm:cxnLst>
-      <dgm:bg/>
-      <dgm:whole/>
-    </dgm:dataModel>
-  </dgm:clrData>
-  <dgm:layoutNode name="linear">
-    <dgm:varLst>
-      <dgm:animLvl val="lvl"/>
-      <dgm:resizeHandles val="exact"/>
-    </dgm:varLst>
-    <dgm:alg type="lin">
-      <dgm:param type="linDir" val="fromT"/>
-      <dgm:param type="vertAlign" val="mid"/>
-    </dgm:alg>
-    <dgm:shape xmlns:r="http://schemas.openxmlformats.org/officeDocument/2006/relationships" r:blip="">
-      <dgm:adjLst/>
-    </dgm:shape>
-    <dgm:presOf/>
-    <dgm:constrLst>
-      <dgm:constr type="w" for="ch" forName="parentText" refType="w"/>
-      <dgm:constr type="h" for="ch" forName="parentText" refType="primFontSz" refFor="ch" refForName="parentText" fact="0.52"/>
-      <dgm:constr type="w" for="ch" forName="childText" refType="w"/>
-      <dgm:constr type="h" for="ch" forName="childText" refType="primFontSz" refFor="ch" refForName="parentText" fact="0.46"/>
-      <dgm:constr type="h" for="ch" forName="parentText" op="equ"/>
-      <dgm:constr type="primFontSz" for="ch" forName="parentText" op="equ" val="65"/>
-      <dgm:constr type="primFontSz" for="ch" forName="childText" refType="primFontSz" refFor="ch" refForName="parentText" op="equ"/>
-      <dgm:constr type="h" for="ch" forName="spacer" refType="primFontSz" refFor="ch" refForName="parentText" fact="0.08"/>
-    </dgm:constrLst>
-    <dgm:ruleLst>
-      <dgm:rule type="primFontSz" for="ch" forName="parentText" val="5" fact="NaN" max="NaN"/>
-    </dgm:ruleLst>
-    <dgm:forEach name="Name0" axis="ch" ptType="node">
-      <dgm:layoutNode name="parentText" styleLbl="node1">
-        <dgm:varLst>
-          <dgm:chMax val="0"/>
-          <dgm:bulletEnabled val="1"/>
-        </dgm:varLst>
-        <dgm:alg type="tx">
-          <dgm:param type="parTxLTRAlign" val="l"/>
-          <dgm:param type="parTxRTLAlign" val="r"/>
-        </dgm:alg>
-        <dgm:shape xmlns:r="http://schemas.openxmlformats.org/officeDocument/2006/relationships" type="roundRect" r:blip="">
-          <dgm:adjLst/>
-        </dgm:shape>
-        <dgm:presOf axis="self"/>
-        <dgm:constrLst>
-          <dgm:constr type="tMarg" refType="primFontSz" fact="0.3"/>
-          <dgm:constr type="bMarg" refType="primFontSz" fact="0.3"/>
-          <dgm:constr type="lMarg" refType="primFontSz" fact="0.3"/>
-          <dgm:constr type="rMarg" refType="primFontSz" fact="0.3"/>
-        </dgm:constrLst>
-        <dgm:ruleLst>
-          <dgm:rule type="h" val="INF" fact="NaN" max="NaN"/>
-        </dgm:ruleLst>
-      </dgm:layoutNode>
-      <dgm:choose name="Name1">
-        <dgm:if name="Name2" axis="ch" ptType="node" func="cnt" op="gte" val="1">
-          <dgm:layoutNode name="childText" styleLbl="revTx">
-            <dgm:varLst>
-              <dgm:bulletEnabled val="1"/>
-            </dgm:varLst>
-            <dgm:alg type="tx">
-              <dgm:param type="stBulletLvl" val="1"/>
-              <dgm:param type="lnSpAfChP" val="20"/>
-            </dgm:alg>
-            <dgm:shape xmlns:r="http://schemas.openxmlformats.org/officeDocument/2006/relationships" type="rect" r:blip="">
-              <dgm:adjLst/>
-            </dgm:shape>
-            <dgm:presOf axis="des" ptType="node"/>
-            <dgm:constrLst>
-              <dgm:constr type="tMarg" refType="primFontSz" fact="0.1"/>
-              <dgm:constr type="bMarg" refType="primFontSz" fact="0.1"/>
-              <dgm:constr type="lMarg" refType="w" fact="0.09"/>
-            </dgm:constrLst>
-            <dgm:ruleLst>
-              <dgm:rule type="h" val="INF" fact="NaN" max="NaN"/>
-            </dgm:ruleLst>
-          </dgm:layoutNode>
-        </dgm:if>
-        <dgm:else name="Name3">
-          <dgm:choose name="Name4">
-            <dgm:if name="Name5" axis="par ch" ptType="doc node" func="cnt" op="gte" val="2">
-              <dgm:forEach name="Name6" axis="followSib" ptType="sibTrans" cnt="1">
-                <dgm:layoutNode name="spacer">
-                  <dgm:alg type="sp"/>
-                  <dgm:shape xmlns:r="http://schemas.openxmlformats.org/officeDocument/2006/relationships" r:blip="">
-                    <dgm:adjLst/>
-                  </dgm:shape>
-                  <dgm:presOf/>
-                  <dgm:constrLst/>
-                  <dgm:ruleLst/>
-                </dgm:layoutNode>
-              </dgm:forEach>
-            </dgm:if>
-            <dgm:else name="Name7"/>
-          </dgm:choose>
-        </dgm:else>
-      </dgm:choose>
-    </dgm:forEach>
-  </dgm:layoutNode>
-</dgm:layoutDef>
-</file>
-
-<file path=ppt/diagrams/quickStyle1.xml><?xml version="1.0" encoding="utf-8"?>
-<dgm:styleDef xmlns:dgm="http://schemas.openxmlformats.org/drawingml/2006/diagram" xmlns:a="http://schemas.openxmlformats.org/drawingml/2006/main" uniqueId="urn:microsoft.com/office/officeart/2005/8/quickstyle/simple1">
-  <dgm:title val=""/>
-  <dgm:desc val=""/>
-  <dgm:catLst>
-    <dgm:cat type="simple" pri="10100"/>
-  </dgm:catLst>
-  <dgm:scene3d>
-    <a:camera prst="orthographicFront"/>
-    <a:lightRig rig="threePt" dir="t"/>
-  </dgm:scene3d>
-  <dgm:styleLbl name="node0">
-    <dgm:scene3d>
-      <a:camera prst="orthographicFront"/>
-      <a:lightRig rig="threePt" dir="t"/>
-    </dgm:scene3d>
-    <dgm:sp3d/>
-    <dgm:txPr/>
-    <dgm:style>
-      <a:lnRef idx="2">
-        <a:scrgbClr r="0" g="0" b="0"/>
-      </a:lnRef>
-      <a:fillRef idx="1">
-        <a:scrgbClr r="0" g="0" b="0"/>
-      </a:fillRef>
-      <a:effectRef idx="0">
-        <a:scrgbClr r="0" g="0" b="0"/>
-      </a:effectRef>
-      <a:fontRef idx="minor">
-        <a:schemeClr val="lt1"/>
-      </a:fontRef>
-    </dgm:style>
-  </dgm:styleLbl>
-  <dgm:styleLbl name="lnNode1">
-    <dgm:scene3d>
-      <a:camera prst="orthographicFront"/>
-      <a:lightRig rig="threePt" dir="t"/>
-    </dgm:scene3d>
-    <dgm:sp3d/>
-    <dgm:txPr/>
-    <dgm:style>
-      <a:lnRef idx="2">
-        <a:scrgbClr r="0" g="0" b="0"/>
-      </a:lnRef>
-      <a:fillRef idx="1">
-        <a:scrgbClr r="0" g="0" b="0"/>
-      </a:fillRef>
-      <a:effectRef idx="0">
-        <a:scrgbClr r="0" g="0" b="0"/>
-      </a:effectRef>
-      <a:fontRef idx="minor">
-        <a:schemeClr val="lt1"/>
-      </a:fontRef>
-    </dgm:style>
-  </dgm:styleLbl>
-  <dgm:styleLbl name="vennNode1">
-    <dgm:scene3d>
-      <a:camera prst="orthographicFront"/>
-      <a:lightRig rig="threePt" dir="t"/>
-    </dgm:scene3d>
-    <dgm:sp3d/>
-    <dgm:txPr/>
-    <dgm:style>
-      <a:lnRef idx="2">
-        <a:scrgbClr r="0" g="0" b="0"/>
-      </a:lnRef>
-      <a:fillRef idx="1">
-        <a:scrgbClr r="0" g="0" b="0"/>
-      </a:fillRef>
-      <a:effectRef idx="0">
-        <a:scrgbClr r="0" g="0" b="0"/>
-      </a:effectRef>
-      <a:fontRef idx="minor">
-        <a:schemeClr val="tx1"/>
-      </a:fontRef>
-    </dgm:style>
-  </dgm:styleLbl>
-  <dgm:styleLbl name="alignNode1">
-    <dgm:scene3d>
-      <a:camera prst="orthographicFront"/>
-      <a:lightRig rig="threePt" dir="t"/>
-    </dgm:scene3d>
-    <dgm:sp3d/>
-    <dgm:txPr/>
-    <dgm:style>
-      <a:lnRef idx="2">
-        <a:scrgbClr r="0" g="0" b="0"/>
-      </a:lnRef>
-      <a:fillRef idx="1">
-        <a:scrgbClr r="0" g="0" b="0"/>
-      </a:fillRef>
-      <a:effectRef idx="0">
-        <a:scrgbClr r="0" g="0" b="0"/>
-      </a:effectRef>
-      <a:fontRef idx="minor">
-        <a:schemeClr val="lt1"/>
-      </a:fontRef>
-    </dgm:style>
-  </dgm:styleLbl>
-  <dgm:styleLbl name="node1">
-    <dgm:scene3d>
-      <a:camera prst="orthographicFront"/>
-      <a:lightRig rig="threePt" dir="t"/>
-    </dgm:scene3d>
-    <dgm:sp3d/>
-    <dgm:txPr/>
-    <dgm:style>
-      <a:lnRef idx="2">
-        <a:scrgbClr r="0" g="0" b="0"/>
-      </a:lnRef>
-      <a:fillRef idx="1">
-        <a:scrgbClr r="0" g="0" b="0"/>
-      </a:fillRef>
-      <a:effectRef idx="0">
-        <a:scrgbClr r="0" g="0" b="0"/>
-      </a:effectRef>
-      <a:fontRef idx="minor">
-        <a:schemeClr val="lt1"/>
-      </a:fontRef>
-    </dgm:style>
-  </dgm:styleLbl>
-  <dgm:styleLbl name="node2">
-    <dgm:scene3d>
-      <a:camera prst="orthographicFront"/>
-      <a:lightRig rig="threePt" dir="t"/>
-    </dgm:scene3d>
-    <dgm:sp3d/>
-    <dgm:txPr/>
-    <dgm:style>
-      <a:lnRef idx="2">
-        <a:scrgbClr r="0" g="0" b="0"/>
-      </a:lnRef>
-      <a:fillRef idx="1">
-        <a:scrgbClr r="0" g="0" b="0"/>
-      </a:fillRef>
-      <a:effectRef idx="0">
-        <a:scrgbClr r="0" g="0" b="0"/>
-      </a:effectRef>
-      <a:fontRef idx="minor">
-        <a:schemeClr val="lt1"/>
-      </a:fontRef>
-    </dgm:style>
-  </dgm:styleLbl>
-  <dgm:styleLbl name="node3">
-    <dgm:scene3d>
-      <a:camera prst="orthographicFront"/>
-      <a:lightRig rig="threePt" dir="t"/>
-    </dgm:scene3d>
-    <dgm:sp3d/>
-    <dgm:txPr/>
-    <dgm:style>
-      <a:lnRef idx="2">
-        <a:scrgbClr r="0" g="0" b="0"/>
-      </a:lnRef>
-      <a:fillRef idx="1">
-        <a:scrgbClr r="0" g="0" b="0"/>
-      </a:fillRef>
-      <a:effectRef idx="0">
-        <a:scrgbClr r="0" g="0" b="0"/>
-      </a:effectRef>
-      <a:fontRef idx="minor">
-        <a:schemeClr val="lt1"/>
-      </a:fontRef>
-    </dgm:style>
-  </dgm:styleLbl>
-  <dgm:styleLbl name="node4">
-    <dgm:scene3d>
-      <a:camera prst="orthographicFront"/>
-      <a:lightRig rig="threePt" dir="t"/>
-    </dgm:scene3d>
-    <dgm:sp3d/>
-    <dgm:txPr/>
-    <dgm:style>
-      <a:lnRef idx="2">
-        <a:scrgbClr r="0" g="0" b="0"/>
-      </a:lnRef>
-      <a:fillRef idx="1">
-        <a:scrgbClr r="0" g="0" b="0"/>
-      </a:fillRef>
-      <a:effectRef idx="0">
-        <a:scrgbClr r="0" g="0" b="0"/>
-      </a:effectRef>
-      <a:fontRef idx="minor">
-        <a:schemeClr val="lt1"/>
-      </a:fontRef>
-    </dgm:style>
-  </dgm:styleLbl>
-  <dgm:styleLbl name="fgImgPlace1">
-    <dgm:scene3d>
-      <a:camera prst="orthographicFront"/>
-      <a:lightRig rig="threePt" dir="t"/>
-    </dgm:scene3d>
-    <dgm:sp3d/>
-    <dgm:txPr/>
-    <dgm:style>
-      <a:lnRef idx="2">
-        <a:scrgbClr r="0" g="0" b="0"/>
-      </a:lnRef>
-      <a:fillRef idx="1">
-        <a:scrgbClr r="0" g="0" b="0"/>
-      </a:fillRef>
-      <a:effectRef idx="0">
-        <a:scrgbClr r="0" g="0" b="0"/>
-      </a:effectRef>
-      <a:fontRef idx="minor"/>
-    </dgm:style>
-  </dgm:styleLbl>
-  <dgm:styleLbl name="alignImgPlace1">
-    <dgm:scene3d>
-      <a:camera prst="orthographicFront"/>
-      <a:lightRig rig="threePt" dir="t"/>
-    </dgm:scene3d>
-    <dgm:sp3d/>
-    <dgm:txPr/>
-    <dgm:style>
-      <a:lnRef idx="2">
-        <a:scrgbClr r="0" g="0" b="0"/>
-      </a:lnRef>
-      <a:fillRef idx="1">
-        <a:scrgbClr r="0" g="0" b="0"/>
-      </a:fillRef>
-      <a:effectRef idx="0">
-        <a:scrgbClr r="0" g="0" b="0"/>
-      </a:effectRef>
-      <a:fontRef idx="minor"/>
-    </dgm:style>
-  </dgm:styleLbl>
-  <dgm:styleLbl name="bgImgPlace1">
-    <dgm:scene3d>
-      <a:camera prst="orthographicFront"/>
-      <a:lightRig rig="threePt" dir="t"/>
-    </dgm:scene3d>
-    <dgm:sp3d/>
-    <dgm:txPr/>
-    <dgm:style>
-      <a:lnRef idx="2">
-        <a:scrgbClr r="0" g="0" b="0"/>
-      </a:lnRef>
-      <a:fillRef idx="1">
-        <a:scrgbClr r="0" g="0" b="0"/>
-      </a:fillRef>
-      <a:effectRef idx="0">
-        <a:scrgbClr r="0" g="0" b="0"/>
-      </a:effectRef>
-      <a:fontRef idx="minor"/>
-    </dgm:style>
-  </dgm:styleLbl>
-  <dgm:styleLbl name="sibTrans2D1">
-    <dgm:scene3d>
-      <a:camera prst="orthographicFront"/>
-      <a:lightRig rig="threePt" dir="t"/>
-    </dgm:scene3d>
-    <dgm:sp3d/>
-    <dgm:txPr/>
-    <dgm:style>
-      <a:lnRef idx="0">
-        <a:scrgbClr r="0" g="0" b="0"/>
-      </a:lnRef>
-      <a:fillRef idx="1">
-        <a:scrgbClr r="0" g="0" b="0"/>
-      </a:fillRef>
-      <a:effectRef idx="0">
-        <a:scrgbClr r="0" g="0" b="0"/>
-      </a:effectRef>
-      <a:fontRef idx="minor">
-        <a:schemeClr val="lt1"/>
-      </a:fontRef>
-    </dgm:style>
-  </dgm:styleLbl>
-  <dgm:styleLbl name="fgSibTrans2D1">
-    <dgm:scene3d>
-      <a:camera prst="orthographicFront"/>
-      <a:lightRig rig="threePt" dir="t"/>
-    </dgm:scene3d>
-    <dgm:sp3d/>
-    <dgm:txPr/>
-    <dgm:style>
-      <a:lnRef idx="0">
-        <a:scrgbClr r="0" g="0" b="0"/>
-      </a:lnRef>
-      <a:fillRef idx="1">
-        <a:scrgbClr r="0" g="0" b="0"/>
-      </a:fillRef>
-      <a:effectRef idx="0">
-        <a:scrgbClr r="0" g="0" b="0"/>
-      </a:effectRef>
-      <a:fontRef idx="minor">
-        <a:schemeClr val="lt1"/>
-      </a:fontRef>
-    </dgm:style>
-  </dgm:styleLbl>
-  <dgm:styleLbl name="bgSibTrans2D1">
-    <dgm:scene3d>
-      <a:camera prst="orthographicFront"/>
-      <a:lightRig rig="threePt" dir="t"/>
-    </dgm:scene3d>
-    <dgm:sp3d/>
-    <dgm:txPr/>
-    <dgm:style>
-      <a:lnRef idx="0">
-        <a:scrgbClr r="0" g="0" b="0"/>
-      </a:lnRef>
-      <a:fillRef idx="1">
-        <a:scrgbClr r="0" g="0" b="0"/>
-      </a:fillRef>
-      <a:effectRef idx="0">
-        <a:scrgbClr r="0" g="0" b="0"/>
-      </a:effectRef>
-      <a:fontRef idx="minor">
-        <a:schemeClr val="lt1"/>
-      </a:fontRef>
-    </dgm:style>
-  </dgm:styleLbl>
-  <dgm:styleLbl name="sibTrans1D1">
-    <dgm:scene3d>
-      <a:camera prst="orthographicFront"/>
-      <a:lightRig rig="threePt" dir="t"/>
-    </dgm:scene3d>
-    <dgm:sp3d/>
-    <dgm:txPr/>
-    <dgm:style>
-      <a:lnRef idx="1">
-        <a:scrgbClr r="0" g="0" b="0"/>
-      </a:lnRef>
-      <a:fillRef idx="0">
-        <a:scrgbClr r="0" g="0" b="0"/>
-      </a:fillRef>
-      <a:effectRef idx="0">
-        <a:scrgbClr r="0" g="0" b="0"/>
-      </a:effectRef>
-      <a:fontRef idx="minor"/>
-    </dgm:style>
-  </dgm:styleLbl>
-  <dgm:styleLbl name="callout">
-    <dgm:scene3d>
-      <a:camera prst="orthographicFront"/>
-      <a:lightRig rig="threePt" dir="t"/>
-    </dgm:scene3d>
-    <dgm:sp3d/>
-    <dgm:txPr/>
-    <dgm:style>
-      <a:lnRef idx="2">
-        <a:scrgbClr r="0" g="0" b="0"/>
-      </a:lnRef>
-      <a:fillRef idx="1">
-        <a:scrgbClr r="0" g="0" b="0"/>
-      </a:fillRef>
-      <a:effectRef idx="0">
-        <a:scrgbClr r="0" g="0" b="0"/>
-      </a:effectRef>
-      <a:fontRef idx="minor"/>
-    </dgm:style>
-  </dgm:styleLbl>
-  <dgm:styleLbl name="asst0">
-    <dgm:scene3d>
-      <a:camera prst="orthographicFront"/>
-      <a:lightRig rig="threePt" dir="t"/>
-    </dgm:scene3d>
-    <dgm:sp3d/>
-    <dgm:txPr/>
-    <dgm:style>
-      <a:lnRef idx="2">
-        <a:scrgbClr r="0" g="0" b="0"/>
-      </a:lnRef>
-      <a:fillRef idx="1">
-        <a:scrgbClr r="0" g="0" b="0"/>
-      </a:fillRef>
-      <a:effectRef idx="0">
-        <a:scrgbClr r="0" g="0" b="0"/>
-      </a:effectRef>
-      <a:fontRef idx="minor">
-        <a:schemeClr val="lt1"/>
-      </a:fontRef>
-    </dgm:style>
-  </dgm:styleLbl>
-  <dgm:styleLbl name="asst1">
-    <dgm:scene3d>
-      <a:camera prst="orthographicFront"/>
-      <a:lightRig rig="threePt" dir="t"/>
-    </dgm:scene3d>
-    <dgm:sp3d/>
-    <dgm:txPr/>
-    <dgm:style>
-      <a:lnRef idx="2">
-        <a:scrgbClr r="0" g="0" b="0"/>
-      </a:lnRef>
-      <a:fillRef idx="1">
-        <a:scrgbClr r="0" g="0" b="0"/>
-      </a:fillRef>
-      <a:effectRef idx="0">
-        <a:scrgbClr r="0" g="0" b="0"/>
-      </a:effectRef>
-      <a:fontRef idx="minor">
-        <a:schemeClr val="lt1"/>
-      </a:fontRef>
-    </dgm:style>
-  </dgm:styleLbl>
-  <dgm:styleLbl name="asst2">
-    <dgm:scene3d>
-      <a:camera prst="orthographicFront"/>
-      <a:lightRig rig="threePt" dir="t"/>
-    </dgm:scene3d>
-    <dgm:sp3d/>
-    <dgm:txPr/>
-    <dgm:style>
-      <a:lnRef idx="2">
-        <a:scrgbClr r="0" g="0" b="0"/>
-      </a:lnRef>
-      <a:fillRef idx="1">
-        <a:scrgbClr r="0" g="0" b="0"/>
-      </a:fillRef>
-      <a:effectRef idx="0">
-        <a:scrgbClr r="0" g="0" b="0"/>
-      </a:effectRef>
-      <a:fontRef idx="minor">
-        <a:schemeClr val="lt1"/>
-      </a:fontRef>
-    </dgm:style>
-  </dgm:styleLbl>
-  <dgm:styleLbl name="asst3">
-    <dgm:scene3d>
-      <a:camera prst="orthographicFront"/>
-      <a:lightRig rig="threePt" dir="t"/>
-    </dgm:scene3d>
-    <dgm:sp3d/>
-    <dgm:txPr/>
-    <dgm:style>
-      <a:lnRef idx="2">
-        <a:scrgbClr r="0" g="0" b="0"/>
-      </a:lnRef>
-      <a:fillRef idx="1">
-        <a:scrgbClr r="0" g="0" b="0"/>
-      </a:fillRef>
-      <a:effectRef idx="0">
-        <a:scrgbClr r="0" g="0" b="0"/>
-      </a:effectRef>
-      <a:fontRef idx="minor">
-        <a:schemeClr val="lt1"/>
-      </a:fontRef>
-    </dgm:style>
-  </dgm:styleLbl>
-  <dgm:styleLbl name="asst4">
-    <dgm:scene3d>
-      <a:camera prst="orthographicFront"/>
-      <a:lightRig rig="threePt" dir="t"/>
-    </dgm:scene3d>
-    <dgm:sp3d/>
-    <dgm:txPr/>
-    <dgm:style>
-      <a:lnRef idx="2">
-        <a:scrgbClr r="0" g="0" b="0"/>
-      </a:lnRef>
-      <a:fillRef idx="1">
-        <a:scrgbClr r="0" g="0" b="0"/>
-      </a:fillRef>
-      <a:effectRef idx="0">
-        <a:scrgbClr r="0" g="0" b="0"/>
-      </a:effectRef>
-      <a:fontRef idx="minor">
-        <a:schemeClr val="lt1"/>
-      </a:fontRef>
-    </dgm:style>
-  </dgm:styleLbl>
-  <dgm:styleLbl name="parChTrans2D1">
-    <dgm:scene3d>
-      <a:camera prst="orthographicFront"/>
-      <a:lightRig rig="threePt" dir="t"/>
-    </dgm:scene3d>
-    <dgm:sp3d/>
-    <dgm:txPr/>
-    <dgm:style>
-      <a:lnRef idx="2">
-        <a:scrgbClr r="0" g="0" b="0"/>
-      </a:lnRef>
-      <a:fillRef idx="1">
-        <a:scrgbClr r="0" g="0" b="0"/>
-      </a:fillRef>
-      <a:effectRef idx="0">
-        <a:scrgbClr r="0" g="0" b="0"/>
-      </a:effectRef>
-      <a:fontRef idx="minor">
-        <a:schemeClr val="lt1"/>
-      </a:fontRef>
-    </dgm:style>
-  </dgm:styleLbl>
-  <dgm:styleLbl name="parChTrans2D2">
-    <dgm:scene3d>
-      <a:camera prst="orthographicFront"/>
-      <a:lightRig rig="threePt" dir="t"/>
-    </dgm:scene3d>
-    <dgm:sp3d/>
-    <dgm:txPr/>
-    <dgm:style>
-      <a:lnRef idx="2">
-        <a:scrgbClr r="0" g="0" b="0"/>
-      </a:lnRef>
-      <a:fillRef idx="1">
-        <a:scrgbClr r="0" g="0" b="0"/>
-      </a:fillRef>
-      <a:effectRef idx="0">
-        <a:scrgbClr r="0" g="0" b="0"/>
-      </a:effectRef>
-      <a:fontRef idx="minor">
-        <a:schemeClr val="lt1"/>
-      </a:fontRef>
-    </dgm:style>
-  </dgm:styleLbl>
-  <dgm:styleLbl name="parChTrans2D3">
-    <dgm:scene3d>
-      <a:camera prst="orthographicFront"/>
-      <a:lightRig rig="threePt" dir="t"/>
-    </dgm:scene3d>
-    <dgm:sp3d/>
-    <dgm:txPr/>
-    <dgm:style>
-      <a:lnRef idx="2">
-        <a:scrgbClr r="0" g="0" b="0"/>
-      </a:lnRef>
-      <a:fillRef idx="1">
-        <a:scrgbClr r="0" g="0" b="0"/>
-      </a:fillRef>
-      <a:effectRef idx="0">
-        <a:scrgbClr r="0" g="0" b="0"/>
-      </a:effectRef>
-      <a:fontRef idx="minor">
-        <a:schemeClr val="lt1"/>
-      </a:fontRef>
-    </dgm:style>
-  </dgm:styleLbl>
-  <dgm:styleLbl name="parChTrans2D4">
-    <dgm:scene3d>
-      <a:camera prst="orthographicFront"/>
-      <a:lightRig rig="threePt" dir="t"/>
-    </dgm:scene3d>
-    <dgm:sp3d/>
-    <dgm:txPr/>
-    <dgm:style>
-      <a:lnRef idx="2">
-        <a:scrgbClr r="0" g="0" b="0"/>
-      </a:lnRef>
-      <a:fillRef idx="1">
-        <a:scrgbClr r="0" g="0" b="0"/>
-      </a:fillRef>
-      <a:effectRef idx="0">
-        <a:scrgbClr r="0" g="0" b="0"/>
-      </a:effectRef>
-      <a:fontRef idx="minor">
-        <a:schemeClr val="lt1"/>
-      </a:fontRef>
-    </dgm:style>
-  </dgm:styleLbl>
-  <dgm:styleLbl name="parChTrans1D1">
-    <dgm:scene3d>
-      <a:camera prst="orthographicFront"/>
-      <a:lightRig rig="threePt" dir="t"/>
-    </dgm:scene3d>
-    <dgm:sp3d/>
-    <dgm:txPr/>
-    <dgm:style>
-      <a:lnRef idx="2">
-        <a:scrgbClr r="0" g="0" b="0"/>
-      </a:lnRef>
-      <a:fillRef idx="0">
-        <a:scrgbClr r="0" g="0" b="0"/>
-      </a:fillRef>
-      <a:effectRef idx="0">
-        <a:scrgbClr r="0" g="0" b="0"/>
-      </a:effectRef>
-      <a:fontRef idx="minor"/>
-    </dgm:style>
-  </dgm:styleLbl>
-  <dgm:styleLbl name="parChTrans1D2">
-    <dgm:scene3d>
-      <a:camera prst="orthographicFront"/>
-      <a:lightRig rig="threePt" dir="t"/>
-    </dgm:scene3d>
-    <dgm:sp3d/>
-    <dgm:txPr/>
-    <dgm:style>
-      <a:lnRef idx="2">
-        <a:scrgbClr r="0" g="0" b="0"/>
-      </a:lnRef>
-      <a:fillRef idx="0">
-        <a:scrgbClr r="0" g="0" b="0"/>
-      </a:fillRef>
-      <a:effectRef idx="0">
-        <a:scrgbClr r="0" g="0" b="0"/>
-      </a:effectRef>
-      <a:fontRef idx="minor"/>
-    </dgm:style>
-  </dgm:styleLbl>
-  <dgm:styleLbl name="parChTrans1D3">
-    <dgm:scene3d>
-      <a:camera prst="orthographicFront"/>
-      <a:lightRig rig="threePt" dir="t"/>
-    </dgm:scene3d>
-    <dgm:sp3d/>
-    <dgm:txPr/>
-    <dgm:style>
-      <a:lnRef idx="2">
-        <a:scrgbClr r="0" g="0" b="0"/>
-      </a:lnRef>
-      <a:fillRef idx="0">
-        <a:scrgbClr r="0" g="0" b="0"/>
-      </a:fillRef>
-      <a:effectRef idx="0">
-        <a:scrgbClr r="0" g="0" b="0"/>
-      </a:effectRef>
-      <a:fontRef idx="minor"/>
-    </dgm:style>
-  </dgm:styleLbl>
-  <dgm:styleLbl name="parChTrans1D4">
-    <dgm:scene3d>
-      <a:camera prst="orthographicFront"/>
-      <a:lightRig rig="threePt" dir="t"/>
-    </dgm:scene3d>
-    <dgm:sp3d/>
-    <dgm:txPr/>
-    <dgm:style>
-      <a:lnRef idx="2">
-        <a:scrgbClr r="0" g="0" b="0"/>
-      </a:lnRef>
-      <a:fillRef idx="0">
-        <a:scrgbClr r="0" g="0" b="0"/>
-      </a:fillRef>
-      <a:effectRef idx="0">
-        <a:scrgbClr r="0" g="0" b="0"/>
-      </a:effectRef>
-      <a:fontRef idx="minor"/>
-    </dgm:style>
-  </dgm:styleLbl>
-  <dgm:styleLbl name="fgAcc1">
-    <dgm:scene3d>
-      <a:camera prst="orthographicFront"/>
-      <a:lightRig rig="threePt" dir="t"/>
-    </dgm:scene3d>
-    <dgm:sp3d/>
-    <dgm:txPr/>
-    <dgm:style>
-      <a:lnRef idx="2">
-        <a:scrgbClr r="0" g="0" b="0"/>
-      </a:lnRef>
-      <a:fillRef idx="1">
-        <a:scrgbClr r="0" g="0" b="0"/>
-      </a:fillRef>
-      <a:effectRef idx="0">
-        <a:scrgbClr r="0" g="0" b="0"/>
-      </a:effectRef>
-      <a:fontRef idx="minor"/>
-    </dgm:style>
-  </dgm:styleLbl>
-  <dgm:styleLbl name="conFgAcc1">
-    <dgm:scene3d>
-      <a:camera prst="orthographicFront"/>
-      <a:lightRig rig="threePt" dir="t"/>
-    </dgm:scene3d>
-    <dgm:sp3d/>
-    <dgm:txPr/>
-    <dgm:style>
-      <a:lnRef idx="2">
-        <a:scrgbClr r="0" g="0" b="0"/>
-      </a:lnRef>
-      <a:fillRef idx="1">
-        <a:scrgbClr r="0" g="0" b="0"/>
-      </a:fillRef>
-      <a:effectRef idx="0">
-        <a:scrgbClr r="0" g="0" b="0"/>
-      </a:effectRef>
-      <a:fontRef idx="minor"/>
-    </dgm:style>
-  </dgm:styleLbl>
-  <dgm:styleLbl name="alignAcc1">
-    <dgm:scene3d>
-      <a:camera prst="orthographicFront"/>
-      <a:lightRig rig="threePt" dir="t"/>
-    </dgm:scene3d>
-    <dgm:sp3d/>
-    <dgm:txPr/>
-    <dgm:style>
-      <a:lnRef idx="2">
-        <a:scrgbClr r="0" g="0" b="0"/>
-      </a:lnRef>
-      <a:fillRef idx="1">
-        <a:scrgbClr r="0" g="0" b="0"/>
-      </a:fillRef>
-      <a:effectRef idx="0">
-        <a:scrgbClr r="0" g="0" b="0"/>
-      </a:effectRef>
-      <a:fontRef idx="minor"/>
-    </dgm:style>
-  </dgm:styleLbl>
-  <dgm:styleLbl name="trAlignAcc1">
-    <dgm:scene3d>
-      <a:camera prst="orthographicFront"/>
-      <a:lightRig rig="threePt" dir="t"/>
-    </dgm:scene3d>
-    <dgm:sp3d/>
-    <dgm:txPr/>
-    <dgm:style>
-      <a:lnRef idx="1">
-        <a:scrgbClr r="0" g="0" b="0"/>
-      </a:lnRef>
-      <a:fillRef idx="1">
-        <a:scrgbClr r="0" g="0" b="0"/>
-      </a:fillRef>
-      <a:effectRef idx="0">
-        <a:scrgbClr r="0" g="0" b="0"/>
-      </a:effectRef>
-      <a:fontRef idx="minor"/>
-    </dgm:style>
-  </dgm:styleLbl>
-  <dgm:styleLbl name="bgAcc1">
-    <dgm:scene3d>
-      <a:camera prst="orthographicFront"/>
-      <a:lightRig rig="threePt" dir="t"/>
-    </dgm:scene3d>
-    <dgm:sp3d/>
-    <dgm:txPr/>
-    <dgm:style>
-      <a:lnRef idx="2">
-        <a:scrgbClr r="0" g="0" b="0"/>
-      </a:lnRef>
-      <a:fillRef idx="1">
-        <a:scrgbClr r="0" g="0" b="0"/>
-      </a:fillRef>
-      <a:effectRef idx="0">
-        <a:scrgbClr r="0" g="0" b="0"/>
-      </a:effectRef>
-      <a:fontRef idx="minor"/>
-    </dgm:style>
-  </dgm:styleLbl>
-  <dgm:styleLbl name="solidFgAcc1">
-    <dgm:scene3d>
-      <a:camera prst="orthographicFront"/>
-      <a:lightRig rig="threePt" dir="t"/>
-    </dgm:scene3d>
-    <dgm:sp3d/>
-    <dgm:txPr/>
-    <dgm:style>
-      <a:lnRef idx="2">
-        <a:scrgbClr r="0" g="0" b="0"/>
-      </a:lnRef>
-      <a:fillRef idx="1">
-        <a:scrgbClr r="0" g="0" b="0"/>
-      </a:fillRef>
-      <a:effectRef idx="0">
-        <a:scrgbClr r="0" g="0" b="0"/>
-      </a:effectRef>
-      <a:fontRef idx="minor"/>
-    </dgm:style>
-  </dgm:styleLbl>
-  <dgm:styleLbl name="solidAlignAcc1">
-    <dgm:scene3d>
-      <a:camera prst="orthographicFront"/>
-      <a:lightRig rig="threePt" dir="t"/>
-    </dgm:scene3d>
-    <dgm:sp3d/>
-    <dgm:txPr/>
-    <dgm:style>
-      <a:lnRef idx="2">
-        <a:scrgbClr r="0" g="0" b="0"/>
-      </a:lnRef>
-      <a:fillRef idx="1">
-        <a:scrgbClr r="0" g="0" b="0"/>
-      </a:fillRef>
-      <a:effectRef idx="0">
-        <a:scrgbClr r="0" g="0" b="0"/>
-      </a:effectRef>
-      <a:fontRef idx="minor"/>
-    </dgm:style>
-  </dgm:styleLbl>
-  <dgm:styleLbl name="solidBgAcc1">
-    <dgm:scene3d>
-      <a:camera prst="orthographicFront"/>
-      <a:lightRig rig="threePt" dir="t"/>
-    </dgm:scene3d>
-    <dgm:sp3d/>
-    <dgm:txPr/>
-    <dgm:style>
-      <a:lnRef idx="2">
-        <a:scrgbClr r="0" g="0" b="0"/>
-      </a:lnRef>
-      <a:fillRef idx="1">
-        <a:scrgbClr r="0" g="0" b="0"/>
-      </a:fillRef>
-      <a:effectRef idx="0">
-        <a:scrgbClr r="0" g="0" b="0"/>
-      </a:effectRef>
-      <a:fontRef idx="minor"/>
-    </dgm:style>
-  </dgm:styleLbl>
-  <dgm:styleLbl name="fgAccFollowNode1">
-    <dgm:scene3d>
-      <a:camera prst="orthographicFront"/>
-      <a:lightRig rig="threePt" dir="t"/>
-    </dgm:scene3d>
-    <dgm:sp3d/>
-    <dgm:txPr/>
-    <dgm:style>
-      <a:lnRef idx="2">
-        <a:scrgbClr r="0" g="0" b="0"/>
-      </a:lnRef>
-      <a:fillRef idx="1">
-        <a:scrgbClr r="0" g="0" b="0"/>
-      </a:fillRef>
-      <a:effectRef idx="0">
-        <a:scrgbClr r="0" g="0" b="0"/>
-      </a:effectRef>
-      <a:fontRef idx="minor"/>
-    </dgm:style>
-  </dgm:styleLbl>
-  <dgm:styleLbl name="alignAccFollowNode1">
-    <dgm:scene3d>
-      <a:camera prst="orthographicFront"/>
-      <a:lightRig rig="threePt" dir="t"/>
-    </dgm:scene3d>
-    <dgm:sp3d/>
-    <dgm:txPr/>
-    <dgm:style>
-      <a:lnRef idx="2">
-        <a:scrgbClr r="0" g="0" b="0"/>
-      </a:lnRef>
-      <a:fillRef idx="1">
-        <a:scrgbClr r="0" g="0" b="0"/>
-      </a:fillRef>
-      <a:effectRef idx="0">
-        <a:scrgbClr r="0" g="0" b="0"/>
-      </a:effectRef>
-      <a:fontRef idx="minor"/>
-    </dgm:style>
-  </dgm:styleLbl>
-  <dgm:styleLbl name="bgAccFollowNode1">
-    <dgm:scene3d>
-      <a:camera prst="orthographicFront"/>
-      <a:lightRig rig="threePt" dir="t"/>
-    </dgm:scene3d>
-    <dgm:sp3d/>
-    <dgm:txPr/>
-    <dgm:style>
-      <a:lnRef idx="2">
-        <a:scrgbClr r="0" g="0" b="0"/>
-      </a:lnRef>
-      <a:fillRef idx="1">
-        <a:scrgbClr r="0" g="0" b="0"/>
-      </a:fillRef>
-      <a:effectRef idx="0">
-        <a:scrgbClr r="0" g="0" b="0"/>
-      </a:effectRef>
-      <a:fontRef idx="minor"/>
-    </dgm:style>
-  </dgm:styleLbl>
-  <dgm:styleLbl name="fgAcc0">
-    <dgm:scene3d>
-      <a:camera prst="orthographicFront"/>
-      <a:lightRig rig="threePt" dir="t"/>
-    </dgm:scene3d>
-    <dgm:sp3d/>
-    <dgm:txPr/>
-    <dgm:style>
-      <a:lnRef idx="2">
-        <a:scrgbClr r="0" g="0" b="0"/>
-      </a:lnRef>
-      <a:fillRef idx="1">
-        <a:scrgbClr r="0" g="0" b="0"/>
-      </a:fillRef>
-      <a:effectRef idx="0">
-        <a:scrgbClr r="0" g="0" b="0"/>
-      </a:effectRef>
-      <a:fontRef idx="minor"/>
-    </dgm:style>
-  </dgm:styleLbl>
-  <dgm:styleLbl name="fgAcc2">
-    <dgm:scene3d>
-      <a:camera prst="orthographicFront"/>
-      <a:lightRig rig="threePt" dir="t"/>
-    </dgm:scene3d>
-    <dgm:sp3d/>
-    <dgm:txPr/>
-    <dgm:style>
-      <a:lnRef idx="2">
-        <a:scrgbClr r="0" g="0" b="0"/>
-      </a:lnRef>
-      <a:fillRef idx="1">
-        <a:scrgbClr r="0" g="0" b="0"/>
-      </a:fillRef>
-      <a:effectRef idx="0">
-        <a:scrgbClr r="0" g="0" b="0"/>
-      </a:effectRef>
-      <a:fontRef idx="minor"/>
-    </dgm:style>
-  </dgm:styleLbl>
-  <dgm:styleLbl name="fgAcc3">
-    <dgm:scene3d>
-      <a:camera prst="orthographicFront"/>
-      <a:lightRig rig="threePt" dir="t"/>
-    </dgm:scene3d>
-    <dgm:sp3d/>
-    <dgm:txPr/>
-    <dgm:style>
-      <a:lnRef idx="2">
-        <a:scrgbClr r="0" g="0" b="0"/>
-      </a:lnRef>
-      <a:fillRef idx="1">
-        <a:scrgbClr r="0" g="0" b="0"/>
-      </a:fillRef>
-      <a:effectRef idx="0">
-        <a:scrgbClr r="0" g="0" b="0"/>
-      </a:effectRef>
-      <a:fontRef idx="minor"/>
-    </dgm:style>
-  </dgm:styleLbl>
-  <dgm:styleLbl name="fgAcc4">
-    <dgm:scene3d>
-      <a:camera prst="orthographicFront"/>
-      <a:lightRig rig="threePt" dir="t"/>
-    </dgm:scene3d>
-    <dgm:sp3d/>
-    <dgm:txPr/>
-    <dgm:style>
-      <a:lnRef idx="2">
-        <a:scrgbClr r="0" g="0" b="0"/>
-      </a:lnRef>
-      <a:fillRef idx="1">
-        <a:scrgbClr r="0" g="0" b="0"/>
-      </a:fillRef>
-      <a:effectRef idx="0">
-        <a:scrgbClr r="0" g="0" b="0"/>
-      </a:effectRef>
-      <a:fontRef idx="minor"/>
-    </dgm:style>
-  </dgm:styleLbl>
-  <dgm:styleLbl name="bgShp">
-    <dgm:scene3d>
-      <a:camera prst="orthographicFront"/>
-      <a:lightRig rig="threePt" dir="t"/>
-    </dgm:scene3d>
-    <dgm:sp3d/>
-    <dgm:txPr/>
-    <dgm:style>
-      <a:lnRef idx="0">
-        <a:scrgbClr r="0" g="0" b="0"/>
-      </a:lnRef>
-      <a:fillRef idx="1">
-        <a:scrgbClr r="0" g="0" b="0"/>
-      </a:fillRef>
-      <a:effectRef idx="0">
-        <a:scrgbClr r="0" g="0" b="0"/>
-      </a:effectRef>
-      <a:fontRef idx="minor"/>
-    </dgm:style>
-  </dgm:styleLbl>
-  <dgm:styleLbl name="dkBgShp">
-    <dgm:scene3d>
-      <a:camera prst="orthographicFront"/>
-      <a:lightRig rig="threePt" dir="t"/>
-    </dgm:scene3d>
-    <dgm:sp3d/>
-    <dgm:txPr/>
-    <dgm:style>
-      <a:lnRef idx="0">
-        <a:scrgbClr r="0" g="0" b="0"/>
-      </a:lnRef>
-      <a:fillRef idx="1">
-        <a:scrgbClr r="0" g="0" b="0"/>
-      </a:fillRef>
-      <a:effectRef idx="0">
-        <a:scrgbClr r="0" g="0" b="0"/>
-      </a:effectRef>
-      <a:fontRef idx="minor"/>
-    </dgm:style>
-  </dgm:styleLbl>
-  <dgm:styleLbl name="trBgShp">
-    <dgm:scene3d>
-      <a:camera prst="orthographicFront"/>
-      <a:lightRig rig="threePt" dir="t"/>
-    </dgm:scene3d>
-    <dgm:sp3d/>
-    <dgm:txPr/>
-    <dgm:style>
-      <a:lnRef idx="0">
-        <a:scrgbClr r="0" g="0" b="0"/>
-      </a:lnRef>
-      <a:fillRef idx="1">
-        <a:scrgbClr r="0" g="0" b="0"/>
-      </a:fillRef>
-      <a:effectRef idx="0">
-        <a:scrgbClr r="0" g="0" b="0"/>
-      </a:effectRef>
-      <a:fontRef idx="minor"/>
-    </dgm:style>
-  </dgm:styleLbl>
-  <dgm:styleLbl name="fgShp">
-    <dgm:scene3d>
-      <a:camera prst="orthographicFront"/>
-      <a:lightRig rig="threePt" dir="t"/>
-    </dgm:scene3d>
-    <dgm:sp3d/>
-    <dgm:txPr/>
-    <dgm:style>
-      <a:lnRef idx="2">
-        <a:scrgbClr r="0" g="0" b="0"/>
-      </a:lnRef>
-      <a:fillRef idx="1">
-        <a:scrgbClr r="0" g="0" b="0"/>
-      </a:fillRef>
-      <a:effectRef idx="0">
-        <a:scrgbClr r="0" g="0" b="0"/>
-      </a:effectRef>
-      <a:fontRef idx="minor"/>
-    </dgm:style>
-  </dgm:styleLbl>
-  <dgm:styleLbl name="revTx">
-    <dgm:scene3d>
-      <a:camera prst="orthographicFront"/>
-      <a:lightRig rig="threePt" dir="t"/>
-    </dgm:scene3d>
-    <dgm:sp3d/>
-    <dgm:txPr/>
-    <dgm:style>
-      <a:lnRef idx="0">
-        <a:scrgbClr r="0" g="0" b="0"/>
-      </a:lnRef>
-      <a:fillRef idx="0">
-        <a:scrgbClr r="0" g="0" b="0"/>
-      </a:fillRef>
-      <a:effectRef idx="0">
-        <a:scrgbClr r="0" g="0" b="0"/>
-      </a:effectRef>
-      <a:fontRef idx="minor"/>
-    </dgm:style>
-  </dgm:styleLbl>
-</dgm:styleDef>
-</file>
-
 <file path=ppt/handoutMasters/handoutMaster1.xml><?xml version="1.0" encoding="utf-8"?>
 <p:handoutMaster xmlns:a="http://schemas.openxmlformats.org/drawingml/2006/main" xmlns:r="http://schemas.openxmlformats.org/officeDocument/2006/relationships" xmlns:p="http://schemas.openxmlformats.org/presentationml/2006/main">
   <p:cSld>
@@ -2879,7 +326,7 @@
               <a:pPr>
                 <a:defRPr/>
               </a:pPr>
-              <a:t>6/30/2017</a:t>
+              <a:t>8/18/2017</a:t>
             </a:fld>
             <a:endParaRPr lang="en-US"/>
           </a:p>
@@ -3098,7 +545,7 @@
               <a:pPr>
                 <a:defRPr/>
               </a:pPr>
-              <a:t>6/30/2017</a:t>
+              <a:t>8/18/2017</a:t>
             </a:fld>
             <a:endParaRPr lang="en-US"/>
           </a:p>
@@ -8216,7 +5663,7 @@
     </p:spTree>
     <p:extLst>
       <p:ext uri="{BB962C8B-B14F-4D97-AF65-F5344CB8AC3E}">
-        <p14:creationId xmlns:p14="http://schemas.microsoft.com/office/powerpoint/2010/main" val="882823003"/>
+        <p14:creationId xmlns:p14="http://schemas.microsoft.com/office/powerpoint/2010/main" val="1061743211"/>
       </p:ext>
     </p:extLst>
   </p:cSld>
@@ -12325,7 +9772,7 @@
       </p:grpSpPr>
       <p:sp>
         <p:nvSpPr>
-          <p:cNvPr id="56322" name="Slide Image Placeholder 1"/>
+          <p:cNvPr id="57346" name="Slide Image Placeholder 1"/>
           <p:cNvSpPr>
             <a:spLocks noGrp="1" noRot="1" noChangeAspect="1"/>
           </p:cNvSpPr>
@@ -12363,7 +9810,7 @@
       </p:sp>
       <p:sp>
         <p:nvSpPr>
-          <p:cNvPr id="56323" name="Notes Placeholder 2"/>
+          <p:cNvPr id="57347" name="Notes Placeholder 2"/>
           <p:cNvSpPr>
             <a:spLocks noGrp="1"/>
           </p:cNvSpPr>
@@ -12408,7 +9855,11 @@
             </a:pPr>
             <a:r>
               <a:rPr lang="en-US" b="1" smtClean="0"/>
-              <a:t>Section breaker slide:</a:t>
+              <a:t>Content Slide: </a:t>
+            </a:r>
+            <a:r>
+              <a:rPr lang="en-US" smtClean="0"/>
+              <a:t>This is usually the most frequently used slide in every presentation. </a:t>
             </a:r>
           </a:p>
           <a:p>
@@ -12427,7 +9878,7 @@
             </a:pPr>
             <a:r>
               <a:rPr lang="en-US" smtClean="0"/>
-              <a:t>Used for a section heading. You may add a sub heading not exceeding one line also here</a:t>
+              <a:t>Use this slide for Text heavy slides. Text can only be used in bullet points</a:t>
             </a:r>
           </a:p>
           <a:p>
@@ -12446,7 +9897,7 @@
             </a:pPr>
             <a:r>
               <a:rPr lang="en-US" smtClean="0"/>
-              <a:t>Section heading – Arial, bold, 34 font size, should not exceed beyond 1 line</a:t>
+              <a:t>Title Heading – font size 30, Arial bold</a:t>
             </a:r>
           </a:p>
           <a:p>
@@ -12465,7 +9916,7 @@
             </a:pPr>
             <a:r>
               <a:rPr lang="en-US" smtClean="0"/>
-              <a:t>Sub Head – Arial, normal, 20 font size, should not exceed beyond 1 line</a:t>
+              <a:t>Slide Content – Should not reduce beyond Arial font 16</a:t>
             </a:r>
           </a:p>
           <a:p>
@@ -12475,12 +9926,66 @@
               </a:spcBef>
             </a:pPr>
             <a:endParaRPr lang="en-US" smtClean="0"/>
+          </a:p>
+          <a:p>
+            <a:pPr>
+              <a:spcBef>
+                <a:spcPct val="0"/>
+              </a:spcBef>
+            </a:pPr>
+            <a:r>
+              <a:rPr lang="en-US" smtClean="0"/>
+              <a:t>If you need to use sub bullets please use the indent buttons located next to the bullets buttons in the tool bar and this will automatically provide you with the second, third, fourth &amp; fifth level bullet styles and font sizes</a:t>
+            </a:r>
+          </a:p>
+          <a:p>
+            <a:pPr>
+              <a:spcBef>
+                <a:spcPct val="0"/>
+              </a:spcBef>
+            </a:pPr>
+            <a:endParaRPr lang="en-US" smtClean="0"/>
+          </a:p>
+          <a:p>
+            <a:pPr>
+              <a:spcBef>
+                <a:spcPct val="0"/>
+              </a:spcBef>
+            </a:pPr>
+            <a:r>
+              <a:rPr lang="en-US" smtClean="0"/>
+              <a:t>Please note you can also press the tab key to create the different levels of bulleted content</a:t>
+            </a:r>
+          </a:p>
+          <a:p>
+            <a:pPr>
+              <a:spcBef>
+                <a:spcPct val="0"/>
+              </a:spcBef>
+            </a:pPr>
+            <a:endParaRPr lang="en-US" smtClean="0"/>
+          </a:p>
+          <a:p>
+            <a:pPr>
+              <a:spcBef>
+                <a:spcPct val="0"/>
+              </a:spcBef>
+            </a:pPr>
+            <a:endParaRPr lang="en-US" smtClean="0"/>
+          </a:p>
+          <a:p>
+            <a:pPr>
+              <a:spcBef>
+                <a:spcPct val="0"/>
+              </a:spcBef>
+            </a:pPr>
+            <a:endParaRPr lang="en-IN" smtClean="0"/>
           </a:p>
         </p:txBody>
       </p:sp>
       <p:sp>
         <p:nvSpPr>
-          <p:cNvPr id="56324" name="Slide Number Placeholder 3"/>
+          <p:cNvPr id="57348" name="Slide Number Placeholder 3"/>
           <p:cNvSpPr>
             <a:spLocks noGrp="1"/>
           </p:cNvSpPr>
@@ -12623,7 +10128,7 @@
                 <a:spcPct val="0"/>
               </a:spcAft>
             </a:pPr>
-            <a:fld id="{837768B6-6F9F-4921-BC33-BC07FC82E42C}" type="slidenum">
+            <a:fld id="{FBECDFFA-508C-4021-A148-6B95A21285D8}" type="slidenum">
               <a:rPr lang="en-US">
                 <a:latin typeface="Calibri" pitchFamily="34" charset="0"/>
               </a:rPr>
@@ -12646,7 +10151,7 @@
     </p:spTree>
     <p:extLst>
       <p:ext uri="{BB962C8B-B14F-4D97-AF65-F5344CB8AC3E}">
-        <p14:creationId xmlns:p14="http://schemas.microsoft.com/office/powerpoint/2010/main" val="1612325360"/>
+        <p14:creationId xmlns:p14="http://schemas.microsoft.com/office/powerpoint/2010/main" val="375542560"/>
       </p:ext>
     </p:extLst>
   </p:cSld>
@@ -16755,7 +14260,7 @@
       </p:grpSpPr>
       <p:sp>
         <p:nvSpPr>
-          <p:cNvPr id="57346" name="Slide Image Placeholder 1"/>
+          <p:cNvPr id="56322" name="Slide Image Placeholder 1"/>
           <p:cNvSpPr>
             <a:spLocks noGrp="1" noRot="1" noChangeAspect="1"/>
           </p:cNvSpPr>
@@ -16793,7 +14298,7 @@
       </p:sp>
       <p:sp>
         <p:nvSpPr>
-          <p:cNvPr id="57347" name="Notes Placeholder 2"/>
+          <p:cNvPr id="56323" name="Notes Placeholder 2"/>
           <p:cNvSpPr>
             <a:spLocks noGrp="1"/>
           </p:cNvSpPr>
@@ -16838,11 +14343,26 @@
             </a:pPr>
             <a:r>
               <a:rPr lang="en-US" b="1" smtClean="0"/>
-              <a:t>Content Slide: </a:t>
-            </a:r>
+              <a:t>Section breaker slide:</a:t>
+            </a:r>
+          </a:p>
+          <a:p>
+            <a:pPr>
+              <a:spcBef>
+                <a:spcPct val="0"/>
+              </a:spcBef>
+            </a:pPr>
+            <a:endParaRPr lang="en-US" smtClean="0"/>
+          </a:p>
+          <a:p>
+            <a:pPr>
+              <a:spcBef>
+                <a:spcPct val="0"/>
+              </a:spcBef>
+            </a:pPr>
             <a:r>
               <a:rPr lang="en-US" smtClean="0"/>
-              <a:t>This is usually the most frequently used slide in every presentation. </a:t>
+              <a:t>Used for a section heading. You may add a sub heading not exceeding one line also here</a:t>
             </a:r>
           </a:p>
           <a:p>
@@ -16861,7 +14381,7 @@
             </a:pPr>
             <a:r>
               <a:rPr lang="en-US" smtClean="0"/>
-              <a:t>Use this slide for Text heavy slides. Text can only be used in bullet points</a:t>
+              <a:t>Section heading – Arial, bold, 34 font size, should not exceed beyond 1 line</a:t>
             </a:r>
           </a:p>
           <a:p>
@@ -16880,7 +14400,7 @@
             </a:pPr>
             <a:r>
               <a:rPr lang="en-US" smtClean="0"/>
-              <a:t>Title Heading – font size 30, Arial bold</a:t>
+              <a:t>Sub Head – Arial, normal, 20 font size, should not exceed beyond 1 line</a:t>
             </a:r>
           </a:p>
           <a:p>
@@ -16890,85 +14410,12 @@
               </a:spcBef>
             </a:pPr>
             <a:endParaRPr lang="en-US" smtClean="0"/>
-          </a:p>
-          <a:p>
-            <a:pPr>
-              <a:spcBef>
-                <a:spcPct val="0"/>
-              </a:spcBef>
-            </a:pPr>
-            <a:r>
-              <a:rPr lang="en-US" smtClean="0"/>
-              <a:t>Slide Content – Should not reduce beyond Arial font 16</a:t>
-            </a:r>
-          </a:p>
-          <a:p>
-            <a:pPr>
-              <a:spcBef>
-                <a:spcPct val="0"/>
-              </a:spcBef>
-            </a:pPr>
-            <a:endParaRPr lang="en-US" smtClean="0"/>
-          </a:p>
-          <a:p>
-            <a:pPr>
-              <a:spcBef>
-                <a:spcPct val="0"/>
-              </a:spcBef>
-            </a:pPr>
-            <a:r>
-              <a:rPr lang="en-US" smtClean="0"/>
-              <a:t>If you need to use sub bullets please use the indent buttons located next to the bullets buttons in the tool bar and this will automatically provide you with the second, third, fourth &amp; fifth level bullet styles and font sizes</a:t>
-            </a:r>
-          </a:p>
-          <a:p>
-            <a:pPr>
-              <a:spcBef>
-                <a:spcPct val="0"/>
-              </a:spcBef>
-            </a:pPr>
-            <a:endParaRPr lang="en-US" smtClean="0"/>
-          </a:p>
-          <a:p>
-            <a:pPr>
-              <a:spcBef>
-                <a:spcPct val="0"/>
-              </a:spcBef>
-            </a:pPr>
-            <a:r>
-              <a:rPr lang="en-US" smtClean="0"/>
-              <a:t>Please note you can also press the tab key to create the different levels of bulleted content</a:t>
-            </a:r>
-          </a:p>
-          <a:p>
-            <a:pPr>
-              <a:spcBef>
-                <a:spcPct val="0"/>
-              </a:spcBef>
-            </a:pPr>
-            <a:endParaRPr lang="en-US" smtClean="0"/>
-          </a:p>
-          <a:p>
-            <a:pPr>
-              <a:spcBef>
-                <a:spcPct val="0"/>
-              </a:spcBef>
-            </a:pPr>
-            <a:endParaRPr lang="en-US" smtClean="0"/>
-          </a:p>
-          <a:p>
-            <a:pPr>
-              <a:spcBef>
-                <a:spcPct val="0"/>
-              </a:spcBef>
-            </a:pPr>
-            <a:endParaRPr lang="en-IN" smtClean="0"/>
           </a:p>
         </p:txBody>
       </p:sp>
       <p:sp>
         <p:nvSpPr>
-          <p:cNvPr id="57348" name="Slide Number Placeholder 3"/>
+          <p:cNvPr id="56324" name="Slide Number Placeholder 3"/>
           <p:cNvSpPr>
             <a:spLocks noGrp="1"/>
           </p:cNvSpPr>
@@ -17111,7 +14558,7 @@
                 <a:spcPct val="0"/>
               </a:spcAft>
             </a:pPr>
-            <a:fld id="{FBECDFFA-508C-4021-A148-6B95A21285D8}" type="slidenum">
+            <a:fld id="{837768B6-6F9F-4921-BC33-BC07FC82E42C}" type="slidenum">
               <a:rPr lang="en-US">
                 <a:latin typeface="Calibri" pitchFamily="34" charset="0"/>
               </a:rPr>
@@ -17134,7 +14581,7 @@
     </p:spTree>
     <p:extLst>
       <p:ext uri="{BB962C8B-B14F-4D97-AF65-F5344CB8AC3E}">
-        <p14:creationId xmlns:p14="http://schemas.microsoft.com/office/powerpoint/2010/main" val="1966909859"/>
+        <p14:creationId xmlns:p14="http://schemas.microsoft.com/office/powerpoint/2010/main" val="646629631"/>
       </p:ext>
     </p:extLst>
   </p:cSld>
@@ -21622,7 +19069,7 @@
     </p:spTree>
     <p:extLst>
       <p:ext uri="{BB962C8B-B14F-4D97-AF65-F5344CB8AC3E}">
-        <p14:creationId xmlns:p14="http://schemas.microsoft.com/office/powerpoint/2010/main" val="1061743211"/>
+        <p14:creationId xmlns:p14="http://schemas.microsoft.com/office/powerpoint/2010/main" val="823683098"/>
       </p:ext>
     </p:extLst>
   </p:cSld>
@@ -24423,7 +21870,7 @@
     </p:spTree>
     <p:extLst>
       <p:ext uri="{BB962C8B-B14F-4D97-AF65-F5344CB8AC3E}">
-        <p14:creationId xmlns:p14="http://schemas.microsoft.com/office/powerpoint/2010/main" val="375542560"/>
+        <p14:creationId xmlns:p14="http://schemas.microsoft.com/office/powerpoint/2010/main" val="3063532700"/>
       </p:ext>
     </p:extLst>
   </p:cSld>
@@ -24434,6 +21881,414 @@
 </file>
 
 <file path=ppt/notesSlides/notesSlide7.xml><?xml version="1.0" encoding="utf-8"?>
+<p:notes xmlns:a="http://schemas.openxmlformats.org/drawingml/2006/main" xmlns:r="http://schemas.openxmlformats.org/officeDocument/2006/relationships" xmlns:p="http://schemas.openxmlformats.org/presentationml/2006/main">
+  <p:cSld>
+    <p:spTree>
+      <p:nvGrpSpPr>
+        <p:cNvPr id="1" name=""/>
+        <p:cNvGrpSpPr/>
+        <p:nvPr/>
+      </p:nvGrpSpPr>
+      <p:grpSpPr>
+        <a:xfrm>
+          <a:off x="0" y="0"/>
+          <a:ext cx="0" cy="0"/>
+          <a:chOff x="0" y="0"/>
+          <a:chExt cx="0" cy="0"/>
+        </a:xfrm>
+      </p:grpSpPr>
+      <p:sp>
+        <p:nvSpPr>
+          <p:cNvPr id="57346" name="Slide Image Placeholder 1"/>
+          <p:cNvSpPr>
+            <a:spLocks noGrp="1" noRot="1" noChangeAspect="1"/>
+          </p:cNvSpPr>
+          <p:nvPr>
+            <p:ph type="sldImg"/>
+          </p:nvPr>
+        </p:nvSpPr>
+        <p:spPr bwMode="auto">
+          <a:xfrm>
+            <a:off x="1143000" y="685800"/>
+            <a:ext cx="4572000" cy="3429000"/>
+          </a:xfrm>
+          <a:prstGeom prst="rect">
+            <a:avLst/>
+          </a:prstGeom>
+          <a:noFill/>
+          <a:ln w="12700">
+            <a:solidFill>
+              <a:srgbClr val="000000"/>
+            </a:solidFill>
+            <a:miter lim="800000"/>
+            <a:headEnd/>
+            <a:tailEnd/>
+          </a:ln>
+          <a:extLst>
+            <a:ext uri="{909E8E84-426E-40DD-AFC4-6F175D3DCCD1}">
+              <a14:hiddenFill xmlns:a14="http://schemas.microsoft.com/office/drawing/2010/main">
+                <a:solidFill>
+                  <a:srgbClr val="FFFFFF"/>
+                </a:solidFill>
+              </a14:hiddenFill>
+            </a:ext>
+          </a:extLst>
+        </p:spPr>
+      </p:sp>
+      <p:sp>
+        <p:nvSpPr>
+          <p:cNvPr id="57347" name="Notes Placeholder 2"/>
+          <p:cNvSpPr>
+            <a:spLocks noGrp="1"/>
+          </p:cNvSpPr>
+          <p:nvPr>
+            <p:ph type="body" idx="1"/>
+          </p:nvPr>
+        </p:nvSpPr>
+        <p:spPr bwMode="auto">
+          <a:noFill/>
+          <a:extLst>
+            <a:ext uri="{909E8E84-426E-40DD-AFC4-6F175D3DCCD1}">
+              <a14:hiddenFill xmlns:a14="http://schemas.microsoft.com/office/drawing/2010/main">
+                <a:solidFill>
+                  <a:srgbClr val="FFFFFF"/>
+                </a:solidFill>
+              </a14:hiddenFill>
+            </a:ext>
+            <a:ext uri="{91240B29-F687-4F45-9708-019B960494DF}">
+              <a14:hiddenLine xmlns:a14="http://schemas.microsoft.com/office/drawing/2010/main" w="9525">
+                <a:solidFill>
+                  <a:srgbClr val="000000"/>
+                </a:solidFill>
+                <a:miter lim="800000"/>
+                <a:headEnd/>
+                <a:tailEnd/>
+              </a14:hiddenLine>
+            </a:ext>
+          </a:extLst>
+        </p:spPr>
+        <p:txBody>
+          <a:bodyPr wrap="square" numCol="1" anchor="t" anchorCtr="0" compatLnSpc="1">
+            <a:prstTxWarp prst="textNoShape">
+              <a:avLst/>
+            </a:prstTxWarp>
+          </a:bodyPr>
+          <a:lstStyle/>
+          <a:p>
+            <a:pPr>
+              <a:spcBef>
+                <a:spcPct val="0"/>
+              </a:spcBef>
+            </a:pPr>
+            <a:r>
+              <a:rPr lang="en-US" b="1" smtClean="0"/>
+              <a:t>Content Slide: </a:t>
+            </a:r>
+            <a:r>
+              <a:rPr lang="en-US" smtClean="0"/>
+              <a:t>This is usually the most frequently used slide in every presentation. </a:t>
+            </a:r>
+          </a:p>
+          <a:p>
+            <a:pPr>
+              <a:spcBef>
+                <a:spcPct val="0"/>
+              </a:spcBef>
+            </a:pPr>
+            <a:endParaRPr lang="en-US" smtClean="0"/>
+          </a:p>
+          <a:p>
+            <a:pPr>
+              <a:spcBef>
+                <a:spcPct val="0"/>
+              </a:spcBef>
+            </a:pPr>
+            <a:r>
+              <a:rPr lang="en-US" smtClean="0"/>
+              <a:t>Use this slide for Text heavy slides. Text can only be used in bullet points</a:t>
+            </a:r>
+          </a:p>
+          <a:p>
+            <a:pPr>
+              <a:spcBef>
+                <a:spcPct val="0"/>
+              </a:spcBef>
+            </a:pPr>
+            <a:endParaRPr lang="en-US" smtClean="0"/>
+          </a:p>
+          <a:p>
+            <a:pPr>
+              <a:spcBef>
+                <a:spcPct val="0"/>
+              </a:spcBef>
+            </a:pPr>
+            <a:r>
+              <a:rPr lang="en-US" smtClean="0"/>
+              <a:t>Title Heading – font size 30, Arial bold</a:t>
+            </a:r>
+          </a:p>
+          <a:p>
+            <a:pPr>
+              <a:spcBef>
+                <a:spcPct val="0"/>
+              </a:spcBef>
+            </a:pPr>
+            <a:endParaRPr lang="en-US" smtClean="0"/>
+          </a:p>
+          <a:p>
+            <a:pPr>
+              <a:spcBef>
+                <a:spcPct val="0"/>
+              </a:spcBef>
+            </a:pPr>
+            <a:r>
+              <a:rPr lang="en-US" smtClean="0"/>
+              <a:t>Slide Content – Should not reduce beyond Arial font 16</a:t>
+            </a:r>
+          </a:p>
+          <a:p>
+            <a:pPr>
+              <a:spcBef>
+                <a:spcPct val="0"/>
+              </a:spcBef>
+            </a:pPr>
+            <a:endParaRPr lang="en-US" smtClean="0"/>
+          </a:p>
+          <a:p>
+            <a:pPr>
+              <a:spcBef>
+                <a:spcPct val="0"/>
+              </a:spcBef>
+            </a:pPr>
+            <a:r>
+              <a:rPr lang="en-US" smtClean="0"/>
+              <a:t>If you need to use sub bullets please use the indent buttons located next to the bullets buttons in the tool bar and this will automatically provide you with the second, third, fourth &amp; fifth level bullet styles and font sizes</a:t>
+            </a:r>
+          </a:p>
+          <a:p>
+            <a:pPr>
+              <a:spcBef>
+                <a:spcPct val="0"/>
+              </a:spcBef>
+            </a:pPr>
+            <a:endParaRPr lang="en-US" smtClean="0"/>
+          </a:p>
+          <a:p>
+            <a:pPr>
+              <a:spcBef>
+                <a:spcPct val="0"/>
+              </a:spcBef>
+            </a:pPr>
+            <a:r>
+              <a:rPr lang="en-US" smtClean="0"/>
+              <a:t>Please note you can also press the tab key to create the different levels of bulleted content</a:t>
+            </a:r>
+          </a:p>
+          <a:p>
+            <a:pPr>
+              <a:spcBef>
+                <a:spcPct val="0"/>
+              </a:spcBef>
+            </a:pPr>
+            <a:endParaRPr lang="en-US" smtClean="0"/>
+          </a:p>
+          <a:p>
+            <a:pPr>
+              <a:spcBef>
+                <a:spcPct val="0"/>
+              </a:spcBef>
+            </a:pPr>
+            <a:endParaRPr lang="en-US" smtClean="0"/>
+          </a:p>
+          <a:p>
+            <a:pPr>
+              <a:spcBef>
+                <a:spcPct val="0"/>
+              </a:spcBef>
+            </a:pPr>
+            <a:endParaRPr lang="en-IN" smtClean="0"/>
+          </a:p>
+        </p:txBody>
+      </p:sp>
+      <p:sp>
+        <p:nvSpPr>
+          <p:cNvPr id="57348" name="Slide Number Placeholder 3"/>
+          <p:cNvSpPr>
+            <a:spLocks noGrp="1"/>
+          </p:cNvSpPr>
+          <p:nvPr>
+            <p:ph type="sldNum" sz="quarter" idx="5"/>
+          </p:nvPr>
+        </p:nvSpPr>
+        <p:spPr bwMode="auto">
+          <a:noFill/>
+          <a:extLst>
+            <a:ext uri="{909E8E84-426E-40DD-AFC4-6F175D3DCCD1}">
+              <a14:hiddenFill xmlns:a14="http://schemas.microsoft.com/office/drawing/2010/main">
+                <a:solidFill>
+                  <a:srgbClr val="FFFFFF"/>
+                </a:solidFill>
+              </a14:hiddenFill>
+            </a:ext>
+            <a:ext uri="{91240B29-F687-4F45-9708-019B960494DF}">
+              <a14:hiddenLine xmlns:a14="http://schemas.microsoft.com/office/drawing/2010/main" w="9525">
+                <a:solidFill>
+                  <a:srgbClr val="000000"/>
+                </a:solidFill>
+                <a:miter lim="800000"/>
+                <a:headEnd/>
+                <a:tailEnd/>
+              </a14:hiddenLine>
+            </a:ext>
+          </a:extLst>
+        </p:spPr>
+        <p:txBody>
+          <a:bodyPr wrap="square" numCol="1" anchorCtr="0" compatLnSpc="1">
+            <a:prstTxWarp prst="textNoShape">
+              <a:avLst/>
+            </a:prstTxWarp>
+          </a:bodyPr>
+          <a:lstStyle>
+            <a:lvl1pPr>
+              <a:defRPr>
+                <a:solidFill>
+                  <a:schemeClr val="tx1"/>
+                </a:solidFill>
+                <a:latin typeface="Arial" charset="0"/>
+              </a:defRPr>
+            </a:lvl1pPr>
+            <a:lvl2pPr marL="742950" indent="-285750">
+              <a:defRPr>
+                <a:solidFill>
+                  <a:schemeClr val="tx1"/>
+                </a:solidFill>
+                <a:latin typeface="Arial" charset="0"/>
+              </a:defRPr>
+            </a:lvl2pPr>
+            <a:lvl3pPr marL="1143000" indent="-228600">
+              <a:defRPr>
+                <a:solidFill>
+                  <a:schemeClr val="tx1"/>
+                </a:solidFill>
+                <a:latin typeface="Arial" charset="0"/>
+              </a:defRPr>
+            </a:lvl3pPr>
+            <a:lvl4pPr marL="1600200" indent="-228600">
+              <a:defRPr>
+                <a:solidFill>
+                  <a:schemeClr val="tx1"/>
+                </a:solidFill>
+                <a:latin typeface="Arial" charset="0"/>
+              </a:defRPr>
+            </a:lvl4pPr>
+            <a:lvl5pPr marL="2057400" indent="-228600">
+              <a:defRPr>
+                <a:solidFill>
+                  <a:schemeClr val="tx1"/>
+                </a:solidFill>
+                <a:latin typeface="Arial" charset="0"/>
+              </a:defRPr>
+            </a:lvl5pPr>
+            <a:lvl6pPr marL="2514600" indent="-228600" defTabSz="457200" fontAlgn="base">
+              <a:spcBef>
+                <a:spcPct val="0"/>
+              </a:spcBef>
+              <a:spcAft>
+                <a:spcPct val="0"/>
+              </a:spcAft>
+              <a:defRPr>
+                <a:solidFill>
+                  <a:schemeClr val="tx1"/>
+                </a:solidFill>
+                <a:latin typeface="Arial" charset="0"/>
+              </a:defRPr>
+            </a:lvl6pPr>
+            <a:lvl7pPr marL="2971800" indent="-228600" defTabSz="457200" fontAlgn="base">
+              <a:spcBef>
+                <a:spcPct val="0"/>
+              </a:spcBef>
+              <a:spcAft>
+                <a:spcPct val="0"/>
+              </a:spcAft>
+              <a:defRPr>
+                <a:solidFill>
+                  <a:schemeClr val="tx1"/>
+                </a:solidFill>
+                <a:latin typeface="Arial" charset="0"/>
+              </a:defRPr>
+            </a:lvl7pPr>
+            <a:lvl8pPr marL="3429000" indent="-228600" defTabSz="457200" fontAlgn="base">
+              <a:spcBef>
+                <a:spcPct val="0"/>
+              </a:spcBef>
+              <a:spcAft>
+                <a:spcPct val="0"/>
+              </a:spcAft>
+              <a:defRPr>
+                <a:solidFill>
+                  <a:schemeClr val="tx1"/>
+                </a:solidFill>
+                <a:latin typeface="Arial" charset="0"/>
+              </a:defRPr>
+            </a:lvl8pPr>
+            <a:lvl9pPr marL="3886200" indent="-228600" defTabSz="457200" fontAlgn="base">
+              <a:spcBef>
+                <a:spcPct val="0"/>
+              </a:spcBef>
+              <a:spcAft>
+                <a:spcPct val="0"/>
+              </a:spcAft>
+              <a:defRPr>
+                <a:solidFill>
+                  <a:schemeClr val="tx1"/>
+                </a:solidFill>
+                <a:latin typeface="Arial" charset="0"/>
+              </a:defRPr>
+            </a:lvl9pPr>
+          </a:lstStyle>
+          <a:p>
+            <a:pPr fontAlgn="base">
+              <a:spcBef>
+                <a:spcPct val="0"/>
+              </a:spcBef>
+              <a:spcAft>
+                <a:spcPct val="0"/>
+              </a:spcAft>
+            </a:pPr>
+            <a:fld id="{FBECDFFA-508C-4021-A148-6B95A21285D8}" type="slidenum">
+              <a:rPr lang="en-US">
+                <a:latin typeface="Calibri" pitchFamily="34" charset="0"/>
+              </a:rPr>
+              <a:pPr fontAlgn="base">
+                <a:spcBef>
+                  <a:spcPct val="0"/>
+                </a:spcBef>
+                <a:spcAft>
+                  <a:spcPct val="0"/>
+                </a:spcAft>
+              </a:pPr>
+              <a:t>7</a:t>
+            </a:fld>
+            <a:endParaRPr lang="en-US">
+              <a:latin typeface="Calibri" pitchFamily="34" charset="0"/>
+            </a:endParaRPr>
+          </a:p>
+        </p:txBody>
+      </p:sp>
+    </p:spTree>
+    <p:extLst>
+      <p:ext uri="{BB962C8B-B14F-4D97-AF65-F5344CB8AC3E}">
+        <p14:creationId xmlns:p14="http://schemas.microsoft.com/office/powerpoint/2010/main" val="2932345847"/>
+      </p:ext>
+    </p:extLst>
+  </p:cSld>
+  <p:clrMapOvr>
+    <a:masterClrMapping/>
+  </p:clrMapOvr>
+</p:notes>
+</file>
+
+<file path=ppt/notesSlides/notesSlide8.xml><?xml version="1.0" encoding="utf-8"?>
 <p:notes xmlns:a="http://schemas.openxmlformats.org/drawingml/2006/main" xmlns:r="http://schemas.openxmlformats.org/officeDocument/2006/relationships" xmlns:p="http://schemas.openxmlformats.org/presentationml/2006/main">
   <p:cSld>
     <p:spTree>
@@ -24762,7 +22617,7 @@
                   <a:spcPct val="0"/>
                 </a:spcAft>
               </a:pPr>
-              <a:t>7</a:t>
+              <a:t>8</a:t>
             </a:fld>
             <a:endParaRPr lang="en-US">
               <a:latin typeface="Calibri" pitchFamily="34" charset="0"/>
@@ -24773,415 +22628,7 @@
     </p:spTree>
     <p:extLst>
       <p:ext uri="{BB962C8B-B14F-4D97-AF65-F5344CB8AC3E}">
-        <p14:creationId xmlns:p14="http://schemas.microsoft.com/office/powerpoint/2010/main" val="646629631"/>
-      </p:ext>
-    </p:extLst>
-  </p:cSld>
-  <p:clrMapOvr>
-    <a:masterClrMapping/>
-  </p:clrMapOvr>
-</p:notes>
-</file>
-
-<file path=ppt/notesSlides/notesSlide8.xml><?xml version="1.0" encoding="utf-8"?>
-<p:notes xmlns:a="http://schemas.openxmlformats.org/drawingml/2006/main" xmlns:r="http://schemas.openxmlformats.org/officeDocument/2006/relationships" xmlns:p="http://schemas.openxmlformats.org/presentationml/2006/main">
-  <p:cSld>
-    <p:spTree>
-      <p:nvGrpSpPr>
-        <p:cNvPr id="1" name=""/>
-        <p:cNvGrpSpPr/>
-        <p:nvPr/>
-      </p:nvGrpSpPr>
-      <p:grpSpPr>
-        <a:xfrm>
-          <a:off x="0" y="0"/>
-          <a:ext cx="0" cy="0"/>
-          <a:chOff x="0" y="0"/>
-          <a:chExt cx="0" cy="0"/>
-        </a:xfrm>
-      </p:grpSpPr>
-      <p:sp>
-        <p:nvSpPr>
-          <p:cNvPr id="57346" name="Slide Image Placeholder 1"/>
-          <p:cNvSpPr>
-            <a:spLocks noGrp="1" noRot="1" noChangeAspect="1"/>
-          </p:cNvSpPr>
-          <p:nvPr>
-            <p:ph type="sldImg"/>
-          </p:nvPr>
-        </p:nvSpPr>
-        <p:spPr bwMode="auto">
-          <a:xfrm>
-            <a:off x="1143000" y="685800"/>
-            <a:ext cx="4572000" cy="3429000"/>
-          </a:xfrm>
-          <a:prstGeom prst="rect">
-            <a:avLst/>
-          </a:prstGeom>
-          <a:noFill/>
-          <a:ln w="12700">
-            <a:solidFill>
-              <a:srgbClr val="000000"/>
-            </a:solidFill>
-            <a:miter lim="800000"/>
-            <a:headEnd/>
-            <a:tailEnd/>
-          </a:ln>
-          <a:extLst>
-            <a:ext uri="{909E8E84-426E-40DD-AFC4-6F175D3DCCD1}">
-              <a14:hiddenFill xmlns:a14="http://schemas.microsoft.com/office/drawing/2010/main">
-                <a:solidFill>
-                  <a:srgbClr val="FFFFFF"/>
-                </a:solidFill>
-              </a14:hiddenFill>
-            </a:ext>
-          </a:extLst>
-        </p:spPr>
-      </p:sp>
-      <p:sp>
-        <p:nvSpPr>
-          <p:cNvPr id="57347" name="Notes Placeholder 2"/>
-          <p:cNvSpPr>
-            <a:spLocks noGrp="1"/>
-          </p:cNvSpPr>
-          <p:nvPr>
-            <p:ph type="body" idx="1"/>
-          </p:nvPr>
-        </p:nvSpPr>
-        <p:spPr bwMode="auto">
-          <a:noFill/>
-          <a:extLst>
-            <a:ext uri="{909E8E84-426E-40DD-AFC4-6F175D3DCCD1}">
-              <a14:hiddenFill xmlns:a14="http://schemas.microsoft.com/office/drawing/2010/main">
-                <a:solidFill>
-                  <a:srgbClr val="FFFFFF"/>
-                </a:solidFill>
-              </a14:hiddenFill>
-            </a:ext>
-            <a:ext uri="{91240B29-F687-4F45-9708-019B960494DF}">
-              <a14:hiddenLine xmlns:a14="http://schemas.microsoft.com/office/drawing/2010/main" w="9525">
-                <a:solidFill>
-                  <a:srgbClr val="000000"/>
-                </a:solidFill>
-                <a:miter lim="800000"/>
-                <a:headEnd/>
-                <a:tailEnd/>
-              </a14:hiddenLine>
-            </a:ext>
-          </a:extLst>
-        </p:spPr>
-        <p:txBody>
-          <a:bodyPr wrap="square" numCol="1" anchor="t" anchorCtr="0" compatLnSpc="1">
-            <a:prstTxWarp prst="textNoShape">
-              <a:avLst/>
-            </a:prstTxWarp>
-          </a:bodyPr>
-          <a:lstStyle/>
-          <a:p>
-            <a:pPr>
-              <a:spcBef>
-                <a:spcPct val="0"/>
-              </a:spcBef>
-            </a:pPr>
-            <a:r>
-              <a:rPr lang="en-US" b="1" smtClean="0"/>
-              <a:t>Content Slide: </a:t>
-            </a:r>
-            <a:r>
-              <a:rPr lang="en-US" smtClean="0"/>
-              <a:t>This is usually the most frequently used slide in every presentation. </a:t>
-            </a:r>
-          </a:p>
-          <a:p>
-            <a:pPr>
-              <a:spcBef>
-                <a:spcPct val="0"/>
-              </a:spcBef>
-            </a:pPr>
-            <a:endParaRPr lang="en-US" smtClean="0"/>
-          </a:p>
-          <a:p>
-            <a:pPr>
-              <a:spcBef>
-                <a:spcPct val="0"/>
-              </a:spcBef>
-            </a:pPr>
-            <a:r>
-              <a:rPr lang="en-US" smtClean="0"/>
-              <a:t>Use this slide for Text heavy slides. Text can only be used in bullet points</a:t>
-            </a:r>
-          </a:p>
-          <a:p>
-            <a:pPr>
-              <a:spcBef>
-                <a:spcPct val="0"/>
-              </a:spcBef>
-            </a:pPr>
-            <a:endParaRPr lang="en-US" smtClean="0"/>
-          </a:p>
-          <a:p>
-            <a:pPr>
-              <a:spcBef>
-                <a:spcPct val="0"/>
-              </a:spcBef>
-            </a:pPr>
-            <a:r>
-              <a:rPr lang="en-US" smtClean="0"/>
-              <a:t>Title Heading – font size 30, Arial bold</a:t>
-            </a:r>
-          </a:p>
-          <a:p>
-            <a:pPr>
-              <a:spcBef>
-                <a:spcPct val="0"/>
-              </a:spcBef>
-            </a:pPr>
-            <a:endParaRPr lang="en-US" smtClean="0"/>
-          </a:p>
-          <a:p>
-            <a:pPr>
-              <a:spcBef>
-                <a:spcPct val="0"/>
-              </a:spcBef>
-            </a:pPr>
-            <a:r>
-              <a:rPr lang="en-US" smtClean="0"/>
-              <a:t>Slide Content – Should not reduce beyond Arial font 16</a:t>
-            </a:r>
-          </a:p>
-          <a:p>
-            <a:pPr>
-              <a:spcBef>
-                <a:spcPct val="0"/>
-              </a:spcBef>
-            </a:pPr>
-            <a:endParaRPr lang="en-US" smtClean="0"/>
-          </a:p>
-          <a:p>
-            <a:pPr>
-              <a:spcBef>
-                <a:spcPct val="0"/>
-              </a:spcBef>
-            </a:pPr>
-            <a:r>
-              <a:rPr lang="en-US" smtClean="0"/>
-              <a:t>If you need to use sub bullets please use the indent buttons located next to the bullets buttons in the tool bar and this will automatically provide you with the second, third, fourth &amp; fifth level bullet styles and font sizes</a:t>
-            </a:r>
-          </a:p>
-          <a:p>
-            <a:pPr>
-              <a:spcBef>
-                <a:spcPct val="0"/>
-              </a:spcBef>
-            </a:pPr>
-            <a:endParaRPr lang="en-US" smtClean="0"/>
-          </a:p>
-          <a:p>
-            <a:pPr>
-              <a:spcBef>
-                <a:spcPct val="0"/>
-              </a:spcBef>
-            </a:pPr>
-            <a:r>
-              <a:rPr lang="en-US" smtClean="0"/>
-              <a:t>Please note you can also press the tab key to create the different levels of bulleted content</a:t>
-            </a:r>
-          </a:p>
-          <a:p>
-            <a:pPr>
-              <a:spcBef>
-                <a:spcPct val="0"/>
-              </a:spcBef>
-            </a:pPr>
-            <a:endParaRPr lang="en-US" smtClean="0"/>
-          </a:p>
-          <a:p>
-            <a:pPr>
-              <a:spcBef>
-                <a:spcPct val="0"/>
-              </a:spcBef>
-            </a:pPr>
-            <a:endParaRPr lang="en-US" smtClean="0"/>
-          </a:p>
-          <a:p>
-            <a:pPr>
-              <a:spcBef>
-                <a:spcPct val="0"/>
-              </a:spcBef>
-            </a:pPr>
-            <a:endParaRPr lang="en-IN" smtClean="0"/>
-          </a:p>
-        </p:txBody>
-      </p:sp>
-      <p:sp>
-        <p:nvSpPr>
-          <p:cNvPr id="57348" name="Slide Number Placeholder 3"/>
-          <p:cNvSpPr>
-            <a:spLocks noGrp="1"/>
-          </p:cNvSpPr>
-          <p:nvPr>
-            <p:ph type="sldNum" sz="quarter" idx="5"/>
-          </p:nvPr>
-        </p:nvSpPr>
-        <p:spPr bwMode="auto">
-          <a:noFill/>
-          <a:extLst>
-            <a:ext uri="{909E8E84-426E-40DD-AFC4-6F175D3DCCD1}">
-              <a14:hiddenFill xmlns:a14="http://schemas.microsoft.com/office/drawing/2010/main">
-                <a:solidFill>
-                  <a:srgbClr val="FFFFFF"/>
-                </a:solidFill>
-              </a14:hiddenFill>
-            </a:ext>
-            <a:ext uri="{91240B29-F687-4F45-9708-019B960494DF}">
-              <a14:hiddenLine xmlns:a14="http://schemas.microsoft.com/office/drawing/2010/main" w="9525">
-                <a:solidFill>
-                  <a:srgbClr val="000000"/>
-                </a:solidFill>
-                <a:miter lim="800000"/>
-                <a:headEnd/>
-                <a:tailEnd/>
-              </a14:hiddenLine>
-            </a:ext>
-          </a:extLst>
-        </p:spPr>
-        <p:txBody>
-          <a:bodyPr wrap="square" numCol="1" anchorCtr="0" compatLnSpc="1">
-            <a:prstTxWarp prst="textNoShape">
-              <a:avLst/>
-            </a:prstTxWarp>
-          </a:bodyPr>
-          <a:lstStyle>
-            <a:lvl1pPr>
-              <a:defRPr>
-                <a:solidFill>
-                  <a:schemeClr val="tx1"/>
-                </a:solidFill>
-                <a:latin typeface="Arial" charset="0"/>
-              </a:defRPr>
-            </a:lvl1pPr>
-            <a:lvl2pPr marL="742950" indent="-285750">
-              <a:defRPr>
-                <a:solidFill>
-                  <a:schemeClr val="tx1"/>
-                </a:solidFill>
-                <a:latin typeface="Arial" charset="0"/>
-              </a:defRPr>
-            </a:lvl2pPr>
-            <a:lvl3pPr marL="1143000" indent="-228600">
-              <a:defRPr>
-                <a:solidFill>
-                  <a:schemeClr val="tx1"/>
-                </a:solidFill>
-                <a:latin typeface="Arial" charset="0"/>
-              </a:defRPr>
-            </a:lvl3pPr>
-            <a:lvl4pPr marL="1600200" indent="-228600">
-              <a:defRPr>
-                <a:solidFill>
-                  <a:schemeClr val="tx1"/>
-                </a:solidFill>
-                <a:latin typeface="Arial" charset="0"/>
-              </a:defRPr>
-            </a:lvl4pPr>
-            <a:lvl5pPr marL="2057400" indent="-228600">
-              <a:defRPr>
-                <a:solidFill>
-                  <a:schemeClr val="tx1"/>
-                </a:solidFill>
-                <a:latin typeface="Arial" charset="0"/>
-              </a:defRPr>
-            </a:lvl5pPr>
-            <a:lvl6pPr marL="2514600" indent="-228600" defTabSz="457200" fontAlgn="base">
-              <a:spcBef>
-                <a:spcPct val="0"/>
-              </a:spcBef>
-              <a:spcAft>
-                <a:spcPct val="0"/>
-              </a:spcAft>
-              <a:defRPr>
-                <a:solidFill>
-                  <a:schemeClr val="tx1"/>
-                </a:solidFill>
-                <a:latin typeface="Arial" charset="0"/>
-              </a:defRPr>
-            </a:lvl6pPr>
-            <a:lvl7pPr marL="2971800" indent="-228600" defTabSz="457200" fontAlgn="base">
-              <a:spcBef>
-                <a:spcPct val="0"/>
-              </a:spcBef>
-              <a:spcAft>
-                <a:spcPct val="0"/>
-              </a:spcAft>
-              <a:defRPr>
-                <a:solidFill>
-                  <a:schemeClr val="tx1"/>
-                </a:solidFill>
-                <a:latin typeface="Arial" charset="0"/>
-              </a:defRPr>
-            </a:lvl7pPr>
-            <a:lvl8pPr marL="3429000" indent="-228600" defTabSz="457200" fontAlgn="base">
-              <a:spcBef>
-                <a:spcPct val="0"/>
-              </a:spcBef>
-              <a:spcAft>
-                <a:spcPct val="0"/>
-              </a:spcAft>
-              <a:defRPr>
-                <a:solidFill>
-                  <a:schemeClr val="tx1"/>
-                </a:solidFill>
-                <a:latin typeface="Arial" charset="0"/>
-              </a:defRPr>
-            </a:lvl8pPr>
-            <a:lvl9pPr marL="3886200" indent="-228600" defTabSz="457200" fontAlgn="base">
-              <a:spcBef>
-                <a:spcPct val="0"/>
-              </a:spcBef>
-              <a:spcAft>
-                <a:spcPct val="0"/>
-              </a:spcAft>
-              <a:defRPr>
-                <a:solidFill>
-                  <a:schemeClr val="tx1"/>
-                </a:solidFill>
-                <a:latin typeface="Arial" charset="0"/>
-              </a:defRPr>
-            </a:lvl9pPr>
-          </a:lstStyle>
-          <a:p>
-            <a:pPr fontAlgn="base">
-              <a:spcBef>
-                <a:spcPct val="0"/>
-              </a:spcBef>
-              <a:spcAft>
-                <a:spcPct val="0"/>
-              </a:spcAft>
-            </a:pPr>
-            <a:fld id="{FBECDFFA-508C-4021-A148-6B95A21285D8}" type="slidenum">
-              <a:rPr lang="en-US">
-                <a:latin typeface="Calibri" pitchFamily="34" charset="0"/>
-              </a:rPr>
-              <a:pPr fontAlgn="base">
-                <a:spcBef>
-                  <a:spcPct val="0"/>
-                </a:spcBef>
-                <a:spcAft>
-                  <a:spcPct val="0"/>
-                </a:spcAft>
-              </a:pPr>
-              <a:t>8</a:t>
-            </a:fld>
-            <a:endParaRPr lang="en-US">
-              <a:latin typeface="Calibri" pitchFamily="34" charset="0"/>
-            </a:endParaRPr>
-          </a:p>
-        </p:txBody>
-      </p:sp>
-    </p:spTree>
-    <p:extLst>
-      <p:ext uri="{BB962C8B-B14F-4D97-AF65-F5344CB8AC3E}">
-        <p14:creationId xmlns:p14="http://schemas.microsoft.com/office/powerpoint/2010/main" val="823683098"/>
+        <p14:creationId xmlns:p14="http://schemas.microsoft.com/office/powerpoint/2010/main" val="1612325360"/>
       </p:ext>
     </p:extLst>
   </p:cSld>
@@ -25531,7 +22978,7 @@
     </p:spTree>
     <p:extLst>
       <p:ext uri="{BB962C8B-B14F-4D97-AF65-F5344CB8AC3E}">
-        <p14:creationId xmlns:p14="http://schemas.microsoft.com/office/powerpoint/2010/main" val="1813797545"/>
+        <p14:creationId xmlns:p14="http://schemas.microsoft.com/office/powerpoint/2010/main" val="1532996579"/>
       </p:ext>
     </p:extLst>
   </p:cSld>
@@ -48566,6 +46013,29 @@
             </a:r>
           </a:p>
           <a:p>
+            <a:pPr>
+              <a:lnSpc>
+                <a:spcPct val="110000"/>
+              </a:lnSpc>
+            </a:pPr>
+            <a:endParaRPr lang="en-US" dirty="0" smtClean="0"/>
+          </a:p>
+          <a:p>
+            <a:pPr>
+              <a:lnSpc>
+                <a:spcPct val="110000"/>
+              </a:lnSpc>
+            </a:pPr>
+            <a:r>
+              <a:rPr lang="en-US" dirty="0" smtClean="0"/>
+              <a:t>Objective</a:t>
+            </a:r>
+            <a:r>
+              <a:rPr lang="en-US" dirty="0"/>
+              <a:t>: provide an object/relational mapping facility for Java developers using a Java domain model and a relational database</a:t>
+            </a:r>
+          </a:p>
+          <a:p>
             <a:pPr lvl="1">
               <a:lnSpc>
                 <a:spcPct val="110000"/>
@@ -48573,22 +46043,11 @@
             </a:pPr>
             <a:r>
               <a:rPr lang="en-US" dirty="0"/>
-              <a:t>Persistence: Data objects shall outlive the JVM app</a:t>
-            </a:r>
-          </a:p>
-          <a:p>
-            <a:pPr>
-              <a:lnSpc>
-                <a:spcPct val="110000"/>
-              </a:lnSpc>
-            </a:pPr>
+              <a:t>Map Java POJOs to relational databases (which are one type of persistence</a:t>
+            </a:r>
             <a:r>
               <a:rPr lang="en-US" dirty="0" smtClean="0"/>
-              <a:t>Objective</a:t>
-            </a:r>
-            <a:r>
-              <a:rPr lang="en-US" dirty="0"/>
-              <a:t>: provide an object/relational mapping facility for Java developers using a Java domain model and a relational database</a:t>
+              <a:t>)</a:t>
             </a:r>
           </a:p>
           <a:p>
@@ -48597,10 +46056,7 @@
                 <a:spcPct val="110000"/>
               </a:lnSpc>
             </a:pPr>
-            <a:r>
-              <a:rPr lang="en-US" dirty="0"/>
-              <a:t>Map Java POJOs to relational databases (which are one type of persistence)</a:t>
-            </a:r>
+            <a:endParaRPr lang="en-US" dirty="0"/>
           </a:p>
           <a:p>
             <a:pPr>
@@ -50185,7 +47641,7 @@
         <p:spPr>
           <a:xfrm>
             <a:off x="460375" y="144463"/>
-            <a:ext cx="8229600" cy="554037"/>
+            <a:ext cx="8229600" cy="861774"/>
           </a:xfrm>
         </p:spPr>
         <p:txBody>
@@ -50199,88 +47655,59 @@
               <a:defRPr/>
             </a:pPr>
             <a:r>
-              <a:rPr lang="pt-BR" dirty="0"/>
-              <a:t>Agenda</a:t>
-            </a:r>
-            <a:endParaRPr dirty="0"/>
+              <a:rPr lang="pt-BR" dirty="0" smtClean="0"/>
+              <a:t>Motivation</a:t>
+            </a:r>
+          </a:p>
+          <a:p>
+            <a:pPr fontAlgn="auto">
+              <a:spcAft>
+                <a:spcPts val="0"/>
+              </a:spcAft>
+              <a:defRPr/>
+            </a:pPr>
+            <a:r>
+              <a:rPr lang="pt-BR" sz="2000" dirty="0" smtClean="0"/>
+              <a:t>Tradidional </a:t>
+            </a:r>
+            <a:r>
+              <a:rPr lang="pt-BR" sz="2000" dirty="0" smtClean="0"/>
+              <a:t>persistence with JDBC</a:t>
+            </a:r>
+            <a:endParaRPr sz="2000" dirty="0"/>
           </a:p>
         </p:txBody>
       </p:sp>
-      <p:sp>
-        <p:nvSpPr>
-          <p:cNvPr id="32771" name="Text Placeholder 2"/>
-          <p:cNvSpPr>
-            <a:spLocks noGrp="1"/>
-          </p:cNvSpPr>
-          <p:nvPr>
-            <p:ph type="body" sz="quarter" idx="16"/>
-          </p:nvPr>
-        </p:nvSpPr>
-        <p:spPr/>
-        <p:txBody>
-          <a:bodyPr/>
-          <a:lstStyle/>
-          <a:p>
-            <a:r>
-              <a:rPr lang="pt-BR" dirty="0"/>
-              <a:t>JDBC</a:t>
-            </a:r>
-          </a:p>
-          <a:p>
-            <a:r>
-              <a:rPr lang="pt-BR" dirty="0"/>
-              <a:t>ORM</a:t>
-            </a:r>
-          </a:p>
-          <a:p>
-            <a:r>
-              <a:rPr lang="pt-BR" dirty="0"/>
-              <a:t>Features</a:t>
-            </a:r>
-          </a:p>
-          <a:p>
-            <a:r>
-              <a:rPr lang="pt-BR" dirty="0"/>
-              <a:t>Steps to implement JPA with Hibernate</a:t>
-            </a:r>
-          </a:p>
-          <a:p>
-            <a:pPr lvl="1"/>
-            <a:r>
-              <a:rPr lang="pt-BR" dirty="0"/>
-              <a:t>Prepare Database, JDBC drivers</a:t>
-            </a:r>
-          </a:p>
-          <a:p>
-            <a:pPr lvl="1"/>
-            <a:r>
-              <a:rPr lang="pt-BR" dirty="0"/>
-              <a:t>Implement POJO entities and annotations</a:t>
-            </a:r>
-          </a:p>
-          <a:p>
-            <a:pPr lvl="1"/>
-            <a:r>
-              <a:rPr lang="pt-BR" dirty="0"/>
-              <a:t>The persistence.xml file</a:t>
-            </a:r>
-          </a:p>
-          <a:p>
-            <a:pPr lvl="1"/>
-            <a:r>
-              <a:rPr lang="pt-BR" dirty="0"/>
-              <a:t>Implement client side code via EntityManager</a:t>
-            </a:r>
-            <a:endParaRPr lang="en-US" dirty="0"/>
-          </a:p>
-          <a:p>
-            <a:endParaRPr lang="pt-BR" dirty="0" smtClean="0">
-              <a:cs typeface="Arial" charset="0"/>
-            </a:endParaRPr>
-          </a:p>
-        </p:txBody>
-      </p:sp>
+      <p:pic>
+        <p:nvPicPr>
+          <p:cNvPr id="4" name="Picture 3"/>
+          <p:cNvPicPr>
+            <a:picLocks noChangeAspect="1"/>
+          </p:cNvPicPr>
+          <p:nvPr/>
+        </p:nvPicPr>
+        <p:blipFill>
+          <a:blip r:embed="rId3"/>
+          <a:stretch>
+            <a:fillRect/>
+          </a:stretch>
+        </p:blipFill>
+        <p:spPr>
+          <a:xfrm>
+            <a:off x="3776957" y="1169565"/>
+            <a:ext cx="1743311" cy="4832188"/>
+          </a:xfrm>
+          <a:prstGeom prst="rect">
+            <a:avLst/>
+          </a:prstGeom>
+        </p:spPr>
+      </p:pic>
     </p:spTree>
+    <p:extLst>
+      <p:ext uri="{BB962C8B-B14F-4D97-AF65-F5344CB8AC3E}">
+        <p14:creationId xmlns:p14="http://schemas.microsoft.com/office/powerpoint/2010/main" val="679118162"/>
+      </p:ext>
+    </p:extLst>
   </p:cSld>
   <p:clrMapOvr>
     <a:masterClrMapping/>
@@ -52431,7 +49858,7 @@
       </p:grpSpPr>
       <p:sp>
         <p:nvSpPr>
-          <p:cNvPr id="6" name="Text Placeholder 5"/>
+          <p:cNvPr id="2" name="Text Placeholder 1"/>
           <p:cNvSpPr>
             <a:spLocks noGrp="1"/>
           </p:cNvSpPr>
@@ -52441,8 +49868,8 @@
         </p:nvSpPr>
         <p:spPr>
           <a:xfrm>
-            <a:off x="500063" y="2613025"/>
-            <a:ext cx="8189912" cy="623888"/>
+            <a:off x="460375" y="144463"/>
+            <a:ext cx="8229600" cy="861774"/>
           </a:xfrm>
         </p:spPr>
         <p:txBody>
@@ -52456,59 +49883,174 @@
               <a:defRPr/>
             </a:pPr>
             <a:r>
-              <a:rPr lang="pt-BR" dirty="0"/>
+              <a:rPr lang="pt-BR" dirty="0" smtClean="0"/>
               <a:t>Motivation</a:t>
             </a:r>
-            <a:endParaRPr lang="en-IN" dirty="0"/>
+          </a:p>
+          <a:p>
+            <a:pPr fontAlgn="auto">
+              <a:spcAft>
+                <a:spcPts val="0"/>
+              </a:spcAft>
+              <a:defRPr/>
+            </a:pPr>
+            <a:r>
+              <a:rPr lang="pt-BR" sz="2000" dirty="0" smtClean="0"/>
+              <a:t>JDBC </a:t>
+            </a:r>
+            <a:r>
+              <a:rPr lang="pt-BR" sz="2000" dirty="0"/>
+              <a:t>– Java Database Connectivity</a:t>
+            </a:r>
+            <a:endParaRPr sz="2000" dirty="0"/>
           </a:p>
         </p:txBody>
       </p:sp>
       <p:sp>
         <p:nvSpPr>
-          <p:cNvPr id="7" name="Text Placeholder 6"/>
+          <p:cNvPr id="32771" name="Text Placeholder 2"/>
           <p:cNvSpPr>
             <a:spLocks noGrp="1"/>
           </p:cNvSpPr>
           <p:nvPr>
-            <p:ph type="body" sz="quarter" idx="12"/>
+            <p:ph type="body" sz="quarter" idx="16"/>
           </p:nvPr>
         </p:nvSpPr>
         <p:spPr>
           <a:xfrm>
-            <a:off x="500063" y="3290888"/>
-            <a:ext cx="8189912" cy="439737"/>
+            <a:off x="457200" y="1360488"/>
+            <a:ext cx="8240713" cy="4926012"/>
           </a:xfrm>
         </p:spPr>
         <p:txBody>
           <a:bodyPr/>
           <a:lstStyle/>
           <a:p>
-            <a:pPr fontAlgn="auto">
-              <a:spcAft>
-                <a:spcPts val="0"/>
-              </a:spcAft>
-              <a:defRPr/>
-            </a:pPr>
-            <a:r>
-              <a:rPr lang="pt-BR" dirty="0"/>
-              <a:t>Why use an Object Relational Model?</a:t>
-            </a:r>
-            <a:endParaRPr lang="en-US" dirty="0"/>
-          </a:p>
-          <a:p>
-            <a:pPr fontAlgn="auto">
-              <a:spcAft>
-                <a:spcPts val="0"/>
-              </a:spcAft>
-              <a:buFont typeface="Arial"/>
-              <a:buNone/>
-              <a:defRPr/>
-            </a:pPr>
-            <a:endParaRPr lang="en-IN" dirty="0"/>
+            <a:r>
+              <a:rPr lang="en-US" dirty="0"/>
+              <a:t>Used to access relational databases from Java programs </a:t>
+            </a:r>
+          </a:p>
+          <a:p>
+            <a:pPr lvl="1"/>
+            <a:r>
+              <a:rPr lang="en-US" dirty="0"/>
+              <a:t>First version released 1996 </a:t>
+            </a:r>
+          </a:p>
+          <a:p>
+            <a:r>
+              <a:rPr lang="en-US" dirty="0"/>
+              <a:t>Ability to </a:t>
+            </a:r>
+          </a:p>
+          <a:p>
+            <a:pPr lvl="1"/>
+            <a:r>
+              <a:rPr lang="en-US" dirty="0"/>
+              <a:t>Establish a connection to a database </a:t>
+            </a:r>
+          </a:p>
+          <a:p>
+            <a:pPr lvl="1"/>
+            <a:r>
+              <a:rPr lang="en-US" dirty="0"/>
+              <a:t>Execute an SQL statement and return results </a:t>
+            </a:r>
+          </a:p>
+          <a:p>
+            <a:pPr lvl="1"/>
+            <a:r>
+              <a:rPr lang="en-US" dirty="0"/>
+              <a:t>Create parameterized queries</a:t>
+            </a:r>
+          </a:p>
+          <a:p>
+            <a:pPr lvl="1"/>
+            <a:r>
+              <a:rPr lang="en-US" dirty="0"/>
+              <a:t>Manage database transactions </a:t>
+            </a:r>
+          </a:p>
+          <a:p>
+            <a:r>
+              <a:rPr lang="en-US" dirty="0"/>
+              <a:t>Basic Steps </a:t>
+            </a:r>
+          </a:p>
+          <a:p>
+            <a:pPr lvl="1"/>
+            <a:r>
+              <a:rPr lang="en-US" dirty="0"/>
+              <a:t>Load driver or obtain an already defined data source </a:t>
+            </a:r>
+          </a:p>
+          <a:p>
+            <a:pPr lvl="1"/>
+            <a:r>
+              <a:rPr lang="en-US" dirty="0"/>
+              <a:t>Establish connection using a JDBC URL </a:t>
+            </a:r>
+          </a:p>
+          <a:p>
+            <a:pPr lvl="1"/>
+            <a:r>
+              <a:rPr lang="en-US" dirty="0"/>
+              <a:t>Create an </a:t>
+            </a:r>
+            <a:r>
+              <a:rPr lang="en-US" b="1" dirty="0"/>
+              <a:t>SQL statement</a:t>
+            </a:r>
+            <a:r>
+              <a:rPr lang="en-US" dirty="0"/>
+              <a:t> and execute SQL statement </a:t>
+            </a:r>
+          </a:p>
+          <a:p>
+            <a:pPr lvl="1"/>
+            <a:r>
+              <a:rPr lang="en-US" dirty="0"/>
+              <a:t>If present, process results present in </a:t>
+            </a:r>
+            <a:r>
+              <a:rPr lang="en-US" b="1" dirty="0"/>
+              <a:t>result sets </a:t>
+            </a:r>
+          </a:p>
+          <a:p>
+            <a:pPr lvl="1"/>
+            <a:r>
+              <a:rPr lang="en-US" dirty="0"/>
+              <a:t>Close database </a:t>
+            </a:r>
+            <a:r>
+              <a:rPr lang="en-US" dirty="0" smtClean="0"/>
+              <a:t>resources</a:t>
+            </a:r>
+          </a:p>
+          <a:p>
+            <a:pPr lvl="1"/>
+            <a:r>
+              <a:rPr lang="en-US" dirty="0" smtClean="0"/>
+              <a:t>Commit </a:t>
+            </a:r>
+            <a:r>
+              <a:rPr lang="en-US" dirty="0"/>
+              <a:t>or rollback transaction, if necessary</a:t>
+            </a:r>
+            <a:endParaRPr lang="pt-BR" dirty="0" smtClean="0">
+              <a:cs typeface="Arial" charset="0"/>
+            </a:endParaRPr>
           </a:p>
         </p:txBody>
       </p:sp>
     </p:spTree>
+    <p:extLst>
+      <p:ext uri="{BB962C8B-B14F-4D97-AF65-F5344CB8AC3E}">
+        <p14:creationId xmlns:p14="http://schemas.microsoft.com/office/powerpoint/2010/main" val="4059351716"/>
+      </p:ext>
+    </p:extLst>
   </p:cSld>
   <p:clrMapOvr>
     <a:masterClrMapping/>
@@ -53917,13 +51459,8 @@
             </a:pPr>
             <a:r>
               <a:rPr lang="pt-BR" sz="2000" dirty="0" smtClean="0"/>
-              <a:t>Change the fetch property of the @ManyToMany </a:t>
-            </a:r>
-            <a:r>
-              <a:rPr lang="pt-BR" sz="2000" dirty="0" smtClean="0"/>
-              <a:t>(Course.java)</a:t>
-            </a:r>
-            <a:endParaRPr lang="pt-BR" sz="2000" dirty="0" smtClean="0"/>
+              <a:t>Change the fetch property of the @ManyToMany (Course.java)</a:t>
+            </a:r>
           </a:p>
           <a:p>
             <a:pPr marL="968375" lvl="1" indent="-457200" fontAlgn="auto">
@@ -54105,25 +51642,12 @@
             </a:pPr>
             <a:r>
               <a:rPr lang="pt-BR" sz="3200" dirty="0" smtClean="0"/>
-              <a:t>Exercise </a:t>
-            </a:r>
-            <a:r>
-              <a:rPr lang="pt-BR" sz="3200" dirty="0" smtClean="0"/>
-              <a:t>7 (c</a:t>
+              <a:t>Exercise 7 (c</a:t>
             </a:r>
             <a:r>
               <a:rPr lang="pt-BR" sz="2500" dirty="0" smtClean="0"/>
-              <a:t>heck </a:t>
-            </a:r>
-            <a:r>
-              <a:rPr lang="pt-BR" sz="2500" dirty="0" smtClean="0"/>
-              <a:t>the difference between the </a:t>
-            </a:r>
-            <a:r>
-              <a:rPr lang="pt-BR" sz="2500" dirty="0" smtClean="0"/>
-              <a:t>cascades types)</a:t>
-            </a:r>
-            <a:endParaRPr lang="pt-BR" sz="2500" dirty="0" smtClean="0"/>
+              <a:t>heck the difference between the cascades types)</a:t>
+            </a:r>
           </a:p>
           <a:p>
             <a:pPr marL="457200" indent="-457200" fontAlgn="auto">
@@ -54172,15 +51696,7 @@
             </a:pPr>
             <a:r>
               <a:rPr lang="pt-BR" sz="2500" dirty="0" smtClean="0"/>
-              <a:t>Remove the cascade type of the Student.java (line 43) and re-run </a:t>
-            </a:r>
-            <a:r>
-              <a:rPr lang="pt-BR" sz="2500" dirty="0" smtClean="0"/>
-              <a:t>the main </a:t>
-            </a:r>
-            <a:r>
-              <a:rPr lang="pt-BR" sz="2500" dirty="0" smtClean="0"/>
-              <a:t>method.</a:t>
+              <a:t>Remove the cascade type of the Student.java (line 43) and re-run the main method.</a:t>
             </a:r>
           </a:p>
           <a:p>
@@ -54619,7 +52135,7 @@
       </p:grpSpPr>
       <p:sp>
         <p:nvSpPr>
-          <p:cNvPr id="2" name="Text Placeholder 1"/>
+          <p:cNvPr id="6" name="Text Placeholder 5"/>
           <p:cNvSpPr>
             <a:spLocks noGrp="1"/>
           </p:cNvSpPr>
@@ -54629,8 +52145,8 @@
         </p:nvSpPr>
         <p:spPr>
           <a:xfrm>
-            <a:off x="460375" y="144463"/>
-            <a:ext cx="8229600" cy="861774"/>
+            <a:off x="500063" y="2613025"/>
+            <a:ext cx="8189912" cy="623888"/>
           </a:xfrm>
         </p:spPr>
         <p:txBody>
@@ -54644,43 +52160,27 @@
               <a:defRPr/>
             </a:pPr>
             <a:r>
-              <a:rPr lang="pt-BR" dirty="0" smtClean="0"/>
-              <a:t>Motivation </a:t>
-            </a:r>
-          </a:p>
-          <a:p>
-            <a:pPr fontAlgn="auto">
-              <a:spcAft>
-                <a:spcPts val="0"/>
-              </a:spcAft>
-              <a:defRPr/>
-            </a:pPr>
-            <a:r>
-              <a:rPr lang="pt-BR" sz="2000" dirty="0" smtClean="0"/>
-              <a:t>N-Tier </a:t>
-            </a:r>
-            <a:r>
-              <a:rPr lang="pt-BR" sz="2000" dirty="0"/>
-              <a:t>Architectures</a:t>
-            </a:r>
-            <a:endParaRPr sz="2000" dirty="0"/>
+              <a:rPr lang="pt-BR" dirty="0"/>
+              <a:t>JDBC example</a:t>
+            </a:r>
+            <a:endParaRPr lang="en-IN" dirty="0"/>
           </a:p>
         </p:txBody>
       </p:sp>
       <p:sp>
         <p:nvSpPr>
-          <p:cNvPr id="32771" name="Text Placeholder 2"/>
+          <p:cNvPr id="7" name="Text Placeholder 6"/>
           <p:cNvSpPr>
             <a:spLocks noGrp="1"/>
           </p:cNvSpPr>
           <p:nvPr>
-            <p:ph type="body" sz="quarter" idx="16"/>
+            <p:ph type="body" sz="quarter" idx="12"/>
           </p:nvPr>
         </p:nvSpPr>
         <p:spPr>
           <a:xfrm>
-            <a:off x="457200" y="1360488"/>
-            <a:ext cx="4717473" cy="4473575"/>
+            <a:off x="500063" y="3290888"/>
+            <a:ext cx="8189912" cy="439737"/>
           </a:xfrm>
         </p:spPr>
         <p:txBody>
@@ -54688,269 +52188,28 @@
           <a:lstStyle/>
           <a:p>
             <a:r>
-              <a:rPr lang="en-US" dirty="0"/>
-              <a:t>Layers of an information system</a:t>
-            </a:r>
-          </a:p>
-          <a:p>
-            <a:pPr lvl="1"/>
-            <a:r>
-              <a:rPr lang="en-US" dirty="0"/>
-              <a:t>Presentation layer </a:t>
-            </a:r>
-          </a:p>
-          <a:p>
-            <a:pPr lvl="2"/>
-            <a:r>
-              <a:rPr lang="en-US" dirty="0"/>
-              <a:t>Communication interface to external entities </a:t>
-            </a:r>
-          </a:p>
-          <a:p>
-            <a:pPr lvl="2"/>
-            <a:r>
-              <a:rPr lang="en-US" dirty="0"/>
-              <a:t>“View” in the model-view-controller </a:t>
-            </a:r>
-          </a:p>
-          <a:p>
-            <a:pPr lvl="1"/>
-            <a:r>
-              <a:rPr lang="en-US" dirty="0"/>
-              <a:t>Application logic layer (service layer) </a:t>
-            </a:r>
-          </a:p>
-          <a:p>
-            <a:pPr lvl="2"/>
-            <a:r>
-              <a:rPr lang="en-US" dirty="0"/>
-              <a:t>Implements operations requested by clients through the presentation layer </a:t>
-            </a:r>
-          </a:p>
-          <a:p>
-            <a:pPr lvl="2"/>
-            <a:r>
-              <a:rPr lang="en-US" dirty="0"/>
-              <a:t>Represents the “business logic” </a:t>
-            </a:r>
-          </a:p>
-          <a:p>
-            <a:pPr lvl="1"/>
-            <a:r>
-              <a:rPr lang="en-US" dirty="0"/>
-              <a:t>Resource management layer (persistence layer) </a:t>
-            </a:r>
-          </a:p>
-          <a:p>
-            <a:pPr lvl="2"/>
-            <a:r>
-              <a:rPr lang="en-US" dirty="0"/>
-              <a:t>Deals with different data sources of an information system </a:t>
-            </a:r>
-          </a:p>
-          <a:p>
-            <a:pPr lvl="2"/>
-            <a:r>
-              <a:rPr lang="en-US" dirty="0"/>
-              <a:t>Responsible for storing and retrieving data</a:t>
-            </a:r>
-          </a:p>
-          <a:p>
-            <a:endParaRPr lang="pt-BR" dirty="0" smtClean="0">
-              <a:cs typeface="Arial" charset="0"/>
-            </a:endParaRPr>
-          </a:p>
-        </p:txBody>
-      </p:sp>
-      <p:graphicFrame>
-        <p:nvGraphicFramePr>
-          <p:cNvPr id="5" name="Content Placeholder 14"/>
-          <p:cNvGraphicFramePr>
-            <a:graphicFrameLocks/>
-          </p:cNvGraphicFramePr>
-          <p:nvPr>
-            <p:extLst>
-              <p:ext uri="{D42A27DB-BD31-4B8C-83A1-F6EECF244321}">
-                <p14:modId xmlns:p14="http://schemas.microsoft.com/office/powerpoint/2010/main" val="1037693191"/>
-              </p:ext>
-            </p:extLst>
-          </p:nvPr>
-        </p:nvGraphicFramePr>
-        <p:xfrm>
-          <a:off x="5183372" y="1381458"/>
-          <a:ext cx="3638510" cy="4603536"/>
-        </p:xfrm>
-        <a:graphic>
-          <a:graphicData uri="http://schemas.openxmlformats.org/drawingml/2006/diagram">
-            <dgm:relIds xmlns:dgm="http://schemas.openxmlformats.org/drawingml/2006/diagram" xmlns:r="http://schemas.openxmlformats.org/officeDocument/2006/relationships" r:dm="rId3" r:lo="rId4" r:qs="rId5" r:cs="rId6"/>
-          </a:graphicData>
-        </a:graphic>
-      </p:graphicFrame>
-      <p:sp>
-        <p:nvSpPr>
-          <p:cNvPr id="6" name="Up-Down Arrow 5"/>
-          <p:cNvSpPr/>
-          <p:nvPr/>
-        </p:nvSpPr>
-        <p:spPr>
-          <a:xfrm>
-            <a:off x="6884042" y="2270781"/>
-            <a:ext cx="237169" cy="436240"/>
-          </a:xfrm>
-          <a:prstGeom prst="upDownArrow">
-            <a:avLst/>
-          </a:prstGeom>
-        </p:spPr>
-        <p:style>
-          <a:lnRef idx="2">
-            <a:schemeClr val="accent1">
-              <a:shade val="50000"/>
-            </a:schemeClr>
-          </a:lnRef>
-          <a:fillRef idx="1">
-            <a:schemeClr val="accent1"/>
-          </a:fillRef>
-          <a:effectRef idx="0">
-            <a:schemeClr val="accent1"/>
-          </a:effectRef>
-          <a:fontRef idx="minor">
-            <a:schemeClr val="lt1"/>
-          </a:fontRef>
-        </p:style>
-        <p:txBody>
-          <a:bodyPr rtlCol="0" anchor="ctr"/>
-          <a:lstStyle/>
-          <a:p>
-            <a:pPr algn="ctr"/>
+              <a:rPr lang="pt-BR" dirty="0"/>
+              <a:t>Find all rows from a table with name equals to a given string</a:t>
+            </a:r>
             <a:endParaRPr lang="en-US" dirty="0"/>
           </a:p>
-        </p:txBody>
-      </p:sp>
-      <p:sp>
-        <p:nvSpPr>
-          <p:cNvPr id="9" name="Rounded Rectangle 8"/>
-          <p:cNvSpPr/>
-          <p:nvPr/>
-        </p:nvSpPr>
-        <p:spPr>
-          <a:xfrm>
-            <a:off x="5183372" y="2488901"/>
-            <a:ext cx="3638510" cy="3215708"/>
-          </a:xfrm>
-          <a:prstGeom prst="roundRect">
-            <a:avLst/>
-          </a:prstGeom>
-          <a:noFill/>
-        </p:spPr>
-        <p:style>
-          <a:lnRef idx="2">
-            <a:schemeClr val="accent1">
-              <a:shade val="50000"/>
-            </a:schemeClr>
-          </a:lnRef>
-          <a:fillRef idx="1">
-            <a:schemeClr val="accent1"/>
-          </a:fillRef>
-          <a:effectRef idx="0">
-            <a:schemeClr val="accent1"/>
-          </a:effectRef>
-          <a:fontRef idx="minor">
-            <a:schemeClr val="lt1"/>
-          </a:fontRef>
-        </p:style>
-        <p:txBody>
-          <a:bodyPr rtlCol="0" anchor="ctr"/>
-          <a:lstStyle/>
-          <a:p>
-            <a:pPr algn="ctr"/>
-            <a:endParaRPr lang="en-US" dirty="0"/>
-          </a:p>
-        </p:txBody>
-      </p:sp>
-      <p:sp>
-        <p:nvSpPr>
-          <p:cNvPr id="10" name="Up-Down Arrow 9"/>
-          <p:cNvSpPr/>
-          <p:nvPr/>
-        </p:nvSpPr>
-        <p:spPr>
-          <a:xfrm>
-            <a:off x="6884042" y="3306408"/>
-            <a:ext cx="237169" cy="436240"/>
-          </a:xfrm>
-          <a:prstGeom prst="upDownArrow">
-            <a:avLst/>
-          </a:prstGeom>
-        </p:spPr>
-        <p:style>
-          <a:lnRef idx="2">
-            <a:schemeClr val="accent1">
-              <a:shade val="50000"/>
-            </a:schemeClr>
-          </a:lnRef>
-          <a:fillRef idx="1">
-            <a:schemeClr val="accent1"/>
-          </a:fillRef>
-          <a:effectRef idx="0">
-            <a:schemeClr val="accent1"/>
-          </a:effectRef>
-          <a:fontRef idx="minor">
-            <a:schemeClr val="lt1"/>
-          </a:fontRef>
-        </p:style>
-        <p:txBody>
-          <a:bodyPr rtlCol="0" anchor="ctr"/>
-          <a:lstStyle/>
-          <a:p>
-            <a:pPr algn="ctr"/>
-            <a:endParaRPr lang="en-US" dirty="0"/>
-          </a:p>
-        </p:txBody>
-      </p:sp>
-      <p:sp>
-        <p:nvSpPr>
-          <p:cNvPr id="11" name="Up-Down Arrow 10"/>
-          <p:cNvSpPr/>
-          <p:nvPr/>
-        </p:nvSpPr>
-        <p:spPr>
-          <a:xfrm>
-            <a:off x="6917857" y="4330058"/>
-            <a:ext cx="237169" cy="436240"/>
-          </a:xfrm>
-          <a:prstGeom prst="upDownArrow">
-            <a:avLst/>
-          </a:prstGeom>
-        </p:spPr>
-        <p:style>
-          <a:lnRef idx="2">
-            <a:schemeClr val="accent1">
-              <a:shade val="50000"/>
-            </a:schemeClr>
-          </a:lnRef>
-          <a:fillRef idx="1">
-            <a:schemeClr val="accent1"/>
-          </a:fillRef>
-          <a:effectRef idx="0">
-            <a:schemeClr val="accent1"/>
-          </a:effectRef>
-          <a:fontRef idx="minor">
-            <a:schemeClr val="lt1"/>
-          </a:fontRef>
-        </p:style>
-        <p:txBody>
-          <a:bodyPr rtlCol="0" anchor="ctr"/>
-          <a:lstStyle/>
-          <a:p>
-            <a:pPr algn="ctr"/>
-            <a:endParaRPr lang="en-US" dirty="0"/>
+          <a:p>
+            <a:pPr fontAlgn="auto">
+              <a:spcAft>
+                <a:spcPts val="0"/>
+              </a:spcAft>
+              <a:buFont typeface="Arial"/>
+              <a:buNone/>
+              <a:defRPr/>
+            </a:pPr>
+            <a:endParaRPr lang="en-IN" dirty="0"/>
           </a:p>
         </p:txBody>
       </p:sp>
     </p:spTree>
     <p:extLst>
       <p:ext uri="{BB962C8B-B14F-4D97-AF65-F5344CB8AC3E}">
-        <p14:creationId xmlns:p14="http://schemas.microsoft.com/office/powerpoint/2010/main" val="110957947"/>
+        <p14:creationId xmlns:p14="http://schemas.microsoft.com/office/powerpoint/2010/main" val="435793884"/>
       </p:ext>
     </p:extLst>
   </p:cSld>
@@ -55763,11 +53022,7 @@
             </a:pPr>
             <a:r>
               <a:rPr lang="pt-BR" sz="3200" dirty="0" smtClean="0"/>
-              <a:t>Exercise </a:t>
-            </a:r>
-            <a:r>
-              <a:rPr lang="pt-BR" sz="3200" dirty="0" smtClean="0"/>
-              <a:t>8</a:t>
+              <a:t>Exercise 8</a:t>
             </a:r>
             <a:endParaRPr lang="pt-BR" sz="2500" dirty="0" smtClean="0"/>
           </a:p>
@@ -55795,7 +53050,6 @@
               <a:rPr lang="pt-BR" sz="2500" dirty="0" smtClean="0"/>
               <a:t>JPA object cycle</a:t>
             </a:r>
-            <a:endParaRPr lang="pt-BR" sz="2500" dirty="0" smtClean="0"/>
           </a:p>
           <a:p>
             <a:pPr marL="0" indent="0" fontAlgn="auto">
@@ -56472,7 +53726,7 @@
             </a:pPr>
             <a:r>
               <a:rPr lang="pt-BR" dirty="0" smtClean="0"/>
-              <a:t>Motivation</a:t>
+              <a:t>JDBC</a:t>
             </a:r>
           </a:p>
           <a:p>
@@ -56484,44 +53738,81 @@
             </a:pPr>
             <a:r>
               <a:rPr lang="pt-BR" sz="2000" dirty="0" smtClean="0"/>
-              <a:t>Tradidional </a:t>
-            </a:r>
-            <a:r>
-              <a:rPr lang="pt-BR" sz="2000" dirty="0"/>
-              <a:t>persistence with JDBC</a:t>
+              <a:t>Drawbacks</a:t>
             </a:r>
             <a:endParaRPr sz="2000" dirty="0"/>
           </a:p>
         </p:txBody>
       </p:sp>
-      <p:pic>
-        <p:nvPicPr>
-          <p:cNvPr id="4" name="Picture 3"/>
-          <p:cNvPicPr>
-            <a:picLocks noChangeAspect="1"/>
-          </p:cNvPicPr>
-          <p:nvPr/>
-        </p:nvPicPr>
-        <p:blipFill>
-          <a:blip r:embed="rId3"/>
-          <a:stretch>
-            <a:fillRect/>
-          </a:stretch>
-        </p:blipFill>
-        <p:spPr>
-          <a:xfrm>
-            <a:off x="3776957" y="1169565"/>
-            <a:ext cx="1743311" cy="4832188"/>
-          </a:xfrm>
-          <a:prstGeom prst="rect">
-            <a:avLst/>
-          </a:prstGeom>
-        </p:spPr>
-      </p:pic>
+      <p:sp>
+        <p:nvSpPr>
+          <p:cNvPr id="32771" name="Text Placeholder 2"/>
+          <p:cNvSpPr>
+            <a:spLocks noGrp="1"/>
+          </p:cNvSpPr>
+          <p:nvPr>
+            <p:ph type="body" sz="quarter" idx="16"/>
+          </p:nvPr>
+        </p:nvSpPr>
+        <p:spPr/>
+        <p:txBody>
+          <a:bodyPr/>
+          <a:lstStyle/>
+          <a:p>
+            <a:r>
+              <a:rPr lang="en-US" dirty="0"/>
+              <a:t>Verbose JDBC boilerplate code for the various CRUD actions </a:t>
+            </a:r>
+          </a:p>
+          <a:p>
+            <a:endParaRPr lang="en-US" dirty="0" smtClean="0"/>
+          </a:p>
+          <a:p>
+            <a:r>
+              <a:rPr lang="en-US" dirty="0" smtClean="0"/>
+              <a:t>Manual </a:t>
+            </a:r>
+            <a:r>
+              <a:rPr lang="en-US" dirty="0"/>
+              <a:t>mapping of JDBC result sets to the respective Java POJOs</a:t>
+            </a:r>
+          </a:p>
+          <a:p>
+            <a:pPr lvl="1"/>
+            <a:r>
+              <a:rPr lang="en-US" dirty="0"/>
+              <a:t>Imagine 40 different database tables with 20 attributes each… </a:t>
+            </a:r>
+          </a:p>
+          <a:p>
+            <a:endParaRPr lang="en-US" dirty="0" smtClean="0"/>
+          </a:p>
+          <a:p>
+            <a:r>
+              <a:rPr lang="en-US" dirty="0" smtClean="0"/>
+              <a:t>Manual </a:t>
+            </a:r>
+            <a:r>
+              <a:rPr lang="en-US" dirty="0"/>
+              <a:t>synchronization of Java code in case of database schema changes (e.g., a new field is added to a database table)</a:t>
+            </a:r>
+          </a:p>
+          <a:p>
+            <a:pPr lvl="1"/>
+            <a:r>
+              <a:rPr lang="en-US" dirty="0"/>
+              <a:t>Manual adaptation of the entire related JDBC Java code necessary</a:t>
+            </a:r>
+            <a:endParaRPr lang="pt-BR" dirty="0" smtClean="0">
+              <a:cs typeface="Arial" charset="0"/>
+            </a:endParaRPr>
+          </a:p>
+        </p:txBody>
+      </p:sp>
     </p:spTree>
     <p:extLst>
       <p:ext uri="{BB962C8B-B14F-4D97-AF65-F5344CB8AC3E}">
-        <p14:creationId xmlns:p14="http://schemas.microsoft.com/office/powerpoint/2010/main" val="679118162"/>
+        <p14:creationId xmlns:p14="http://schemas.microsoft.com/office/powerpoint/2010/main" val="3295621441"/>
       </p:ext>
     </p:extLst>
   </p:cSld>
@@ -57362,7 +54653,7 @@
             </a:pPr>
             <a:r>
               <a:rPr lang="pt-BR" dirty="0" smtClean="0"/>
-              <a:t>Motivation</a:t>
+              <a:t>JDBC</a:t>
             </a:r>
           </a:p>
           <a:p>
@@ -57374,159 +54665,40 @@
             </a:pPr>
             <a:r>
               <a:rPr lang="pt-BR" sz="2000" dirty="0" smtClean="0"/>
-              <a:t>JDBC </a:t>
-            </a:r>
-            <a:r>
-              <a:rPr lang="pt-BR" sz="2000" dirty="0"/>
-              <a:t>– Java Database Connectivity</a:t>
+              <a:t>Example</a:t>
             </a:r>
             <a:endParaRPr sz="2000" dirty="0"/>
           </a:p>
         </p:txBody>
       </p:sp>
-      <p:sp>
-        <p:nvSpPr>
-          <p:cNvPr id="32771" name="Text Placeholder 2"/>
-          <p:cNvSpPr>
-            <a:spLocks noGrp="1"/>
-          </p:cNvSpPr>
-          <p:nvPr>
-            <p:ph type="body" sz="quarter" idx="16"/>
-          </p:nvPr>
-        </p:nvSpPr>
+      <p:pic>
+        <p:nvPicPr>
+          <p:cNvPr id="6" name="Picture 5"/>
+          <p:cNvPicPr>
+            <a:picLocks noChangeAspect="1"/>
+          </p:cNvPicPr>
+          <p:nvPr/>
+        </p:nvPicPr>
+        <p:blipFill>
+          <a:blip r:embed="rId3"/>
+          <a:stretch>
+            <a:fillRect/>
+          </a:stretch>
+        </p:blipFill>
         <p:spPr>
           <a:xfrm>
-            <a:off x="457200" y="1360488"/>
-            <a:ext cx="8240713" cy="4926012"/>
+            <a:off x="2394371" y="1084332"/>
+            <a:ext cx="4500043" cy="5470215"/>
           </a:xfrm>
+          <a:prstGeom prst="rect">
+            <a:avLst/>
+          </a:prstGeom>
         </p:spPr>
-        <p:txBody>
-          <a:bodyPr/>
-          <a:lstStyle/>
-          <a:p>
-            <a:r>
-              <a:rPr lang="en-US" dirty="0"/>
-              <a:t>Used to access relational databases from Java programs </a:t>
-            </a:r>
-          </a:p>
-          <a:p>
-            <a:pPr lvl="1"/>
-            <a:r>
-              <a:rPr lang="en-US" dirty="0"/>
-              <a:t>First version released 1996 </a:t>
-            </a:r>
-          </a:p>
-          <a:p>
-            <a:r>
-              <a:rPr lang="en-US" dirty="0"/>
-              <a:t>Ability to </a:t>
-            </a:r>
-          </a:p>
-          <a:p>
-            <a:pPr lvl="1"/>
-            <a:r>
-              <a:rPr lang="en-US" dirty="0"/>
-              <a:t>Establish a connection to a database </a:t>
-            </a:r>
-          </a:p>
-          <a:p>
-            <a:pPr lvl="1"/>
-            <a:r>
-              <a:rPr lang="en-US" dirty="0"/>
-              <a:t>Execute an SQL statement and return results </a:t>
-            </a:r>
-          </a:p>
-          <a:p>
-            <a:pPr lvl="1"/>
-            <a:r>
-              <a:rPr lang="en-US" dirty="0"/>
-              <a:t>Create parameterized queries</a:t>
-            </a:r>
-          </a:p>
-          <a:p>
-            <a:pPr lvl="1"/>
-            <a:r>
-              <a:rPr lang="en-US" dirty="0"/>
-              <a:t>Manage database transactions </a:t>
-            </a:r>
-          </a:p>
-          <a:p>
-            <a:r>
-              <a:rPr lang="en-US" dirty="0"/>
-              <a:t>Basic Steps </a:t>
-            </a:r>
-          </a:p>
-          <a:p>
-            <a:pPr lvl="1"/>
-            <a:r>
-              <a:rPr lang="en-US" dirty="0"/>
-              <a:t>Load driver or obtain an already defined data source </a:t>
-            </a:r>
-          </a:p>
-          <a:p>
-            <a:pPr lvl="1"/>
-            <a:r>
-              <a:rPr lang="en-US" dirty="0"/>
-              <a:t>Establish connection using a JDBC URL </a:t>
-            </a:r>
-          </a:p>
-          <a:p>
-            <a:pPr lvl="1"/>
-            <a:r>
-              <a:rPr lang="en-US" dirty="0"/>
-              <a:t>Create an </a:t>
-            </a:r>
-            <a:r>
-              <a:rPr lang="en-US" b="1" dirty="0"/>
-              <a:t>SQL statement</a:t>
-            </a:r>
-            <a:r>
-              <a:rPr lang="en-US" dirty="0"/>
-              <a:t> and execute SQL statement </a:t>
-            </a:r>
-          </a:p>
-          <a:p>
-            <a:pPr lvl="1"/>
-            <a:r>
-              <a:rPr lang="en-US" dirty="0"/>
-              <a:t>If present, process results present in </a:t>
-            </a:r>
-            <a:r>
-              <a:rPr lang="en-US" b="1" dirty="0"/>
-              <a:t>result sets </a:t>
-            </a:r>
-          </a:p>
-          <a:p>
-            <a:pPr lvl="1"/>
-            <a:r>
-              <a:rPr lang="en-US" dirty="0"/>
-              <a:t>Close database </a:t>
-            </a:r>
-            <a:r>
-              <a:rPr lang="en-US" dirty="0" smtClean="0"/>
-              <a:t>resources</a:t>
-            </a:r>
-          </a:p>
-          <a:p>
-            <a:pPr lvl="1"/>
-            <a:r>
-              <a:rPr lang="en-US" dirty="0" smtClean="0"/>
-              <a:t>Commit </a:t>
-            </a:r>
-            <a:r>
-              <a:rPr lang="en-US" dirty="0"/>
-              <a:t>or rollback transaction, if necessary</a:t>
-            </a:r>
-            <a:endParaRPr lang="pt-BR" dirty="0" smtClean="0">
-              <a:cs typeface="Arial" charset="0"/>
-            </a:endParaRPr>
-          </a:p>
-        </p:txBody>
-      </p:sp>
+      </p:pic>
     </p:spTree>
     <p:extLst>
       <p:ext uri="{BB962C8B-B14F-4D97-AF65-F5344CB8AC3E}">
-        <p14:creationId xmlns:p14="http://schemas.microsoft.com/office/powerpoint/2010/main" val="4059351716"/>
+        <p14:creationId xmlns:p14="http://schemas.microsoft.com/office/powerpoint/2010/main" val="1395598019"/>
       </p:ext>
     </p:extLst>
   </p:cSld>
@@ -57562,7 +54734,7 @@
       </p:grpSpPr>
       <p:sp>
         <p:nvSpPr>
-          <p:cNvPr id="6" name="Text Placeholder 5"/>
+          <p:cNvPr id="2" name="Text Placeholder 1"/>
           <p:cNvSpPr>
             <a:spLocks noGrp="1"/>
           </p:cNvSpPr>
@@ -57572,8 +54744,8 @@
         </p:nvSpPr>
         <p:spPr>
           <a:xfrm>
-            <a:off x="500063" y="2613025"/>
-            <a:ext cx="8189912" cy="623888"/>
+            <a:off x="460375" y="144463"/>
+            <a:ext cx="8229600" cy="1046440"/>
           </a:xfrm>
         </p:spPr>
         <p:txBody>
@@ -57587,56 +54759,74 @@
               <a:defRPr/>
             </a:pPr>
             <a:r>
-              <a:rPr lang="pt-BR" dirty="0"/>
-              <a:t>JDBC example</a:t>
-            </a:r>
-            <a:endParaRPr lang="en-IN" dirty="0"/>
-          </a:p>
-        </p:txBody>
-      </p:sp>
-      <p:sp>
-        <p:nvSpPr>
-          <p:cNvPr id="7" name="Text Placeholder 6"/>
-          <p:cNvSpPr>
-            <a:spLocks noGrp="1"/>
-          </p:cNvSpPr>
-          <p:nvPr>
-            <p:ph type="body" sz="quarter" idx="12"/>
-          </p:nvPr>
-        </p:nvSpPr>
-        <p:spPr>
-          <a:xfrm>
-            <a:off x="500063" y="3290888"/>
-            <a:ext cx="8189912" cy="439737"/>
-          </a:xfrm>
-        </p:spPr>
-        <p:txBody>
-          <a:bodyPr/>
-          <a:lstStyle/>
-          <a:p>
-            <a:r>
-              <a:rPr lang="pt-BR" dirty="0"/>
-              <a:t>Find all rows from a table with name equals to a given string</a:t>
-            </a:r>
-            <a:endParaRPr lang="en-US" dirty="0"/>
+              <a:rPr lang="pt-BR" dirty="0" smtClean="0"/>
+              <a:t>JDBC</a:t>
+            </a:r>
           </a:p>
           <a:p>
             <a:pPr fontAlgn="auto">
               <a:spcAft>
                 <a:spcPts val="0"/>
               </a:spcAft>
-              <a:buFont typeface="Arial"/>
-              <a:buNone/>
               <a:defRPr/>
             </a:pPr>
-            <a:endParaRPr lang="en-IN" dirty="0"/>
+            <a:r>
+              <a:rPr lang="pt-BR" sz="2000" dirty="0"/>
+              <a:t>Example </a:t>
+            </a:r>
+            <a:r>
+              <a:rPr lang="pt-BR" sz="1200" dirty="0">
+                <a:hlinkClick r:id="rId3"/>
+              </a:rPr>
+              <a:t>https://www.mkyong.com/jdbc/jdbc-preparestatement-example-insert-a-record</a:t>
+            </a:r>
+            <a:r>
+              <a:rPr lang="pt-BR" sz="1200" dirty="0" smtClean="0">
+                <a:hlinkClick r:id="rId3"/>
+              </a:rPr>
+              <a:t>/</a:t>
+            </a:r>
+            <a:endParaRPr lang="pt-BR" sz="1200" dirty="0" smtClean="0"/>
+          </a:p>
+          <a:p>
+            <a:pPr fontAlgn="auto">
+              <a:spcAft>
+                <a:spcPts val="0"/>
+              </a:spcAft>
+              <a:defRPr/>
+            </a:pPr>
+            <a:endParaRPr sz="1200" dirty="0"/>
           </a:p>
         </p:txBody>
       </p:sp>
+      <p:pic>
+        <p:nvPicPr>
+          <p:cNvPr id="3" name="Picture 2"/>
+          <p:cNvPicPr>
+            <a:picLocks noChangeAspect="1"/>
+          </p:cNvPicPr>
+          <p:nvPr/>
+        </p:nvPicPr>
+        <p:blipFill>
+          <a:blip r:embed="rId4"/>
+          <a:stretch>
+            <a:fillRect/>
+          </a:stretch>
+        </p:blipFill>
+        <p:spPr>
+          <a:xfrm>
+            <a:off x="1841647" y="1092424"/>
+            <a:ext cx="5066885" cy="5528166"/>
+          </a:xfrm>
+          <a:prstGeom prst="rect">
+            <a:avLst/>
+          </a:prstGeom>
+        </p:spPr>
+      </p:pic>
     </p:spTree>
     <p:extLst>
       <p:ext uri="{BB962C8B-B14F-4D97-AF65-F5344CB8AC3E}">
-        <p14:creationId xmlns:p14="http://schemas.microsoft.com/office/powerpoint/2010/main" val="435793884"/>
+        <p14:creationId xmlns:p14="http://schemas.microsoft.com/office/powerpoint/2010/main" val="1497061427"/>
       </p:ext>
     </p:extLst>
   </p:cSld>
@@ -57672,7 +54862,7 @@
       </p:grpSpPr>
       <p:sp>
         <p:nvSpPr>
-          <p:cNvPr id="2" name="Text Placeholder 1"/>
+          <p:cNvPr id="6" name="Text Placeholder 5"/>
           <p:cNvSpPr>
             <a:spLocks noGrp="1"/>
           </p:cNvSpPr>
@@ -57682,8 +54872,8 @@
         </p:nvSpPr>
         <p:spPr>
           <a:xfrm>
-            <a:off x="460375" y="144463"/>
-            <a:ext cx="8229600" cy="861774"/>
+            <a:off x="500063" y="2613025"/>
+            <a:ext cx="8189912" cy="623888"/>
           </a:xfrm>
         </p:spPr>
         <p:txBody>
@@ -57698,32 +54888,20 @@
             </a:pPr>
             <a:r>
               <a:rPr lang="pt-BR" dirty="0" smtClean="0"/>
-              <a:t>JDBC</a:t>
-            </a:r>
-          </a:p>
-          <a:p>
-            <a:pPr fontAlgn="auto">
-              <a:spcAft>
-                <a:spcPts val="0"/>
-              </a:spcAft>
-              <a:defRPr/>
-            </a:pPr>
-            <a:r>
-              <a:rPr lang="pt-BR" sz="2000" dirty="0" smtClean="0"/>
-              <a:t>Drawbacks</a:t>
-            </a:r>
-            <a:endParaRPr sz="2000" dirty="0"/>
+              <a:t>What is Object Relational Model?</a:t>
+            </a:r>
+            <a:endParaRPr lang="en-IN" dirty="0"/>
           </a:p>
         </p:txBody>
       </p:sp>
       <p:sp>
         <p:nvSpPr>
-          <p:cNvPr id="32771" name="Text Placeholder 2"/>
+          <p:cNvPr id="2" name="Text Placeholder 1"/>
           <p:cNvSpPr>
             <a:spLocks noGrp="1"/>
           </p:cNvSpPr>
           <p:nvPr>
-            <p:ph type="body" sz="quarter" idx="16"/>
+            <p:ph type="body" sz="quarter" idx="12"/>
           </p:nvPr>
         </p:nvSpPr>
         <p:spPr/>
@@ -57731,62 +54909,11 @@
           <a:bodyPr/>
           <a:lstStyle/>
           <a:p>
-            <a:r>
-              <a:rPr lang="en-US" dirty="0"/>
-              <a:t>Verbose JDBC boilerplate code for the various CRUD actions </a:t>
-            </a:r>
-          </a:p>
-          <a:p>
-            <a:endParaRPr lang="en-US" dirty="0" smtClean="0"/>
-          </a:p>
-          <a:p>
-            <a:r>
-              <a:rPr lang="en-US" dirty="0" smtClean="0"/>
-              <a:t>Manual </a:t>
-            </a:r>
-            <a:r>
-              <a:rPr lang="en-US" dirty="0"/>
-              <a:t>mapping of JDBC result sets to the respective Java POJOs</a:t>
-            </a:r>
-          </a:p>
-          <a:p>
-            <a:pPr lvl="1"/>
-            <a:r>
-              <a:rPr lang="en-US" dirty="0"/>
-              <a:t>Imagine 40 different database tables with 20 attributes each… </a:t>
-            </a:r>
-          </a:p>
-          <a:p>
-            <a:endParaRPr lang="en-US" dirty="0" smtClean="0"/>
-          </a:p>
-          <a:p>
-            <a:r>
-              <a:rPr lang="en-US" dirty="0" smtClean="0"/>
-              <a:t>Manual </a:t>
-            </a:r>
-            <a:r>
-              <a:rPr lang="en-US" dirty="0"/>
-              <a:t>synchronization of Java code in case of database schema changes (e.g., a new field is added to a database table)</a:t>
-            </a:r>
-          </a:p>
-          <a:p>
-            <a:pPr lvl="1"/>
-            <a:r>
-              <a:rPr lang="en-US" dirty="0"/>
-              <a:t>Manual adaptation of the entire related JDBC Java code necessary</a:t>
-            </a:r>
-            <a:endParaRPr lang="pt-BR" dirty="0" smtClean="0">
-              <a:cs typeface="Arial" charset="0"/>
-            </a:endParaRPr>
+            <a:endParaRPr lang="en-US"/>
           </a:p>
         </p:txBody>
       </p:sp>
     </p:spTree>
-    <p:extLst>
-      <p:ext uri="{BB962C8B-B14F-4D97-AF65-F5344CB8AC3E}">
-        <p14:creationId xmlns:p14="http://schemas.microsoft.com/office/powerpoint/2010/main" val="3295621441"/>
-      </p:ext>
-    </p:extLst>
   </p:cSld>
   <p:clrMapOvr>
     <a:masterClrMapping/>
@@ -57846,7 +54973,7 @@
             </a:pPr>
             <a:r>
               <a:rPr lang="pt-BR" dirty="0"/>
-              <a:t>Object Relational Mapping (ORM)</a:t>
+              <a:t>Motivation</a:t>
             </a:r>
             <a:endParaRPr lang="en-IN" dirty="0"/>
           </a:p>
@@ -57872,13 +54999,16 @@
           <a:bodyPr/>
           <a:lstStyle/>
           <a:p>
+            <a:pPr fontAlgn="auto">
+              <a:spcAft>
+                <a:spcPts val="0"/>
+              </a:spcAft>
+              <a:defRPr/>
+            </a:pPr>
             <a:r>
               <a:rPr lang="pt-BR" dirty="0"/>
-              <a:t>Reasons for using ORM</a:t>
-            </a:r>
-            <a:endParaRPr lang="en-US" dirty="0"/>
-          </a:p>
-          <a:p>
+              <a:t>Why use an Object Relational Model?</a:t>
+            </a:r>
             <a:endParaRPr lang="en-US" dirty="0"/>
           </a:p>
           <a:p>
@@ -57897,7 +55027,7 @@
     </p:spTree>
     <p:extLst>
       <p:ext uri="{BB962C8B-B14F-4D97-AF65-F5344CB8AC3E}">
-        <p14:creationId xmlns:p14="http://schemas.microsoft.com/office/powerpoint/2010/main" val="263257865"/>
+        <p14:creationId xmlns:p14="http://schemas.microsoft.com/office/powerpoint/2010/main" val="418885816"/>
       </p:ext>
     </p:extLst>
   </p:cSld>

--- a/Java Persistence API and Hibernate.pptx
+++ b/Java Persistence API and Hibernate.pptx
@@ -47371,7 +47371,7 @@
         <p:spPr>
           <a:xfrm>
             <a:off x="628959" y="1495077"/>
-            <a:ext cx="8229600" cy="4524315"/>
+            <a:ext cx="8229600" cy="2246769"/>
           </a:xfrm>
         </p:spPr>
         <p:txBody>
@@ -47396,7 +47396,7 @@
               </a:spcAft>
               <a:defRPr/>
             </a:pPr>
-            <a:endParaRPr lang="pt-BR" sz="3200" dirty="0" smtClean="0"/>
+            <a:endParaRPr lang="pt-BR" sz="1800" dirty="0" smtClean="0"/>
           </a:p>
           <a:p>
             <a:pPr marL="457200" indent="-457200" fontAlgn="auto">
@@ -47408,7 +47408,7 @@
               <a:defRPr/>
             </a:pPr>
             <a:r>
-              <a:rPr lang="pt-BR" sz="3200" dirty="0" smtClean="0"/>
+              <a:rPr lang="pt-BR" sz="1800" dirty="0" smtClean="0"/>
               <a:t>Setup the environment</a:t>
             </a:r>
           </a:p>
@@ -47421,9 +47421,7 @@
               <a:buChar char="-"/>
               <a:defRPr/>
             </a:pPr>
-            <a:endParaRPr lang="pt-BR" sz="3200" dirty="0" smtClean="0">
-              <a:hlinkClick r:id="rId3"/>
-            </a:endParaRPr>
+            <a:endParaRPr lang="pt-BR" sz="1800" dirty="0" smtClean="0"/>
           </a:p>
           <a:p>
             <a:pPr marL="457200" indent="-457200" fontAlgn="auto">
@@ -47435,24 +47433,22 @@
               <a:defRPr/>
             </a:pPr>
             <a:r>
-              <a:rPr lang="pt-BR" sz="3200" dirty="0" smtClean="0">
+              <a:rPr lang="pt-BR" sz="1800" dirty="0"/>
+              <a:t>git clone </a:t>
+            </a:r>
+            <a:r>
+              <a:rPr lang="pt-BR" sz="1800" dirty="0">
                 <a:hlinkClick r:id="rId3"/>
               </a:rPr>
-              <a:t>https</a:t>
-            </a:r>
-            <a:r>
-              <a:rPr lang="pt-BR" sz="3200" dirty="0">
+              <a:t>https://</a:t>
+            </a:r>
+            <a:r>
+              <a:rPr lang="pt-BR" sz="1800" dirty="0" smtClean="0">
                 <a:hlinkClick r:id="rId3"/>
               </a:rPr>
-              <a:t>://</a:t>
-            </a:r>
-            <a:r>
-              <a:rPr lang="pt-BR" sz="3200" dirty="0" smtClean="0">
-                <a:hlinkClick r:id="rId3"/>
-              </a:rPr>
-              <a:t>github.com/marcelsamaruga/wiproTraining/blob/wipro_trainig/hibernate.zip</a:t>
-            </a:r>
-            <a:endParaRPr lang="pt-BR" sz="3200" dirty="0" smtClean="0"/>
+              <a:t>github.com/marcelsamaruga/wiproTraining.git</a:t>
+            </a:r>
+            <a:endParaRPr lang="pt-BR" sz="1800" dirty="0" smtClean="0"/>
           </a:p>
           <a:p>
             <a:pPr marL="0" indent="0" fontAlgn="auto">
@@ -47461,7 +47457,7 @@
               </a:spcAft>
               <a:defRPr/>
             </a:pPr>
-            <a:endParaRPr lang="pt-BR" sz="3200" dirty="0"/>
+            <a:endParaRPr lang="pt-BR" sz="1800" dirty="0"/>
           </a:p>
           <a:p>
             <a:pPr marL="342900" indent="-342900" fontAlgn="auto">
@@ -47473,10 +47469,18 @@
               <a:defRPr/>
             </a:pPr>
             <a:r>
-              <a:rPr lang="pt-BR" sz="3200" dirty="0" smtClean="0"/>
-              <a:t> Persiste the object (Course.class)</a:t>
-            </a:r>
-            <a:endParaRPr sz="2000" dirty="0"/>
+              <a:rPr lang="pt-BR" sz="1800" dirty="0" smtClean="0"/>
+              <a:t> </a:t>
+            </a:r>
+            <a:r>
+              <a:rPr lang="pt-BR" sz="1800" dirty="0" smtClean="0"/>
+              <a:t> Persiste </a:t>
+            </a:r>
+            <a:r>
+              <a:rPr lang="pt-BR" sz="1800" dirty="0" smtClean="0"/>
+              <a:t>the object (Course.class)</a:t>
+            </a:r>
+            <a:endParaRPr sz="1800" dirty="0"/>
           </a:p>
         </p:txBody>
       </p:sp>
